--- a/Slides/M6 Offline Data.pptx
+++ b/Slides/M6 Offline Data.pptx
@@ -12,8 +12,8 @@
     <p:handoutMasterId r:id="rId17"/>
   </p:handoutMasterIdLst>
   <p:sldIdLst>
-    <p:sldId id="271" r:id="rId6"/>
-    <p:sldId id="274" r:id="rId7"/>
+    <p:sldId id="459" r:id="rId6"/>
+    <p:sldId id="460" r:id="rId7"/>
     <p:sldId id="283" r:id="rId8"/>
     <p:sldId id="288" r:id="rId9"/>
     <p:sldId id="414" r:id="rId10"/>
@@ -125,8 +125,8 @@
       <p14:sectionLst xmlns:p14="http://schemas.microsoft.com/office/powerpoint/2010/main">
         <p14:section name="Course Introduction" id="{17A22057-09B0-47CC-835A-CE984DDFC841}">
           <p14:sldIdLst>
-            <p14:sldId id="271"/>
-            <p14:sldId id="274"/>
+            <p14:sldId id="459"/>
+            <p14:sldId id="460"/>
           </p14:sldIdLst>
         </p14:section>
         <p14:section name="Module Slides" id="{2FF5E6E5-1CE0-412A-8CE0-3C6B6C89EC1C}">
@@ -239,7 +239,7 @@
           <a:p>
             <a:fld id="{312E7B4A-039C-48A2-9B2C-AF16AA3873D8}" type="datetimeFigureOut">
               <a:rPr lang="en-US" smtClean="0"/>
-              <a:t>9/22/2014</a:t>
+              <a:t>10/13/2014</a:t>
             </a:fld>
             <a:endParaRPr lang="en-US"/>
           </a:p>
@@ -404,7 +404,7 @@
           <a:p>
             <a:fld id="{DA005A0C-54D9-45AA-87D4-C551D08DFCE1}" type="datetimeFigureOut">
               <a:rPr lang="en-US" smtClean="0"/>
-              <a:t>9/22/2014</a:t>
+              <a:t>10/13/2014</a:t>
             </a:fld>
             <a:endParaRPr lang="en-US"/>
           </a:p>
@@ -752,7 +752,7 @@
     </p:spTree>
     <p:extLst>
       <p:ext uri="{BB962C8B-B14F-4D97-AF65-F5344CB8AC3E}">
-        <p14:creationId xmlns:p14="http://schemas.microsoft.com/office/powerpoint/2010/main" val="180611100"/>
+        <p14:creationId xmlns:p14="http://schemas.microsoft.com/office/powerpoint/2010/main" val="1486021237"/>
       </p:ext>
     </p:extLst>
   </p:cSld>
@@ -841,7 +841,7 @@
     </p:spTree>
     <p:extLst>
       <p:ext uri="{BB962C8B-B14F-4D97-AF65-F5344CB8AC3E}">
-        <p14:creationId xmlns:p14="http://schemas.microsoft.com/office/powerpoint/2010/main" val="2595756465"/>
+        <p14:creationId xmlns:p14="http://schemas.microsoft.com/office/powerpoint/2010/main" val="2128392782"/>
       </p:ext>
     </p:extLst>
   </p:cSld>
@@ -6659,33 +6659,13 @@
           <a:p>
             <a:r>
               <a:rPr lang="en-US" dirty="0" smtClean="0"/>
-              <a:t>Jeremy Foster </a:t>
-            </a:r>
-            <a:r>
-              <a:rPr lang="en-US" dirty="0"/>
-              <a:t>| </a:t>
-            </a:r>
+              <a:t>Jeremy Foster</a:t>
+            </a:r>
+          </a:p>
+          <a:p>
             <a:r>
               <a:rPr lang="en-US" dirty="0" smtClean="0"/>
-              <a:t>Developer Evangelist</a:t>
-            </a:r>
-          </a:p>
-          <a:p>
-            <a:r>
-              <a:rPr lang="en-US" dirty="0" smtClean="0"/>
-              <a:t>Rachel Appel </a:t>
-            </a:r>
-            <a:r>
-              <a:rPr lang="en-US" dirty="0"/>
-              <a:t>| </a:t>
-            </a:r>
-            <a:r>
-              <a:rPr lang="en-US" dirty="0" smtClean="0">
-                <a:solidFill>
-                  <a:srgbClr val="FF0000"/>
-                </a:solidFill>
-              </a:rPr>
-              <a:t>{Title}</a:t>
+              <a:t>Christopher Harrison</a:t>
             </a:r>
             <a:endParaRPr lang="en-US" dirty="0">
               <a:solidFill>
@@ -6716,7 +6696,7 @@
           <a:p>
             <a:r>
               <a:rPr lang="en-US" sz="4000" dirty="0" smtClean="0"/>
-              <a:t>Introduction jQuery</a:t>
+              <a:t>Mobile Web</a:t>
             </a:r>
             <a:endParaRPr lang="en-US" sz="4000" dirty="0"/>
           </a:p>
@@ -6725,7 +6705,7 @@
     </p:spTree>
     <p:extLst>
       <p:ext uri="{BB962C8B-B14F-4D97-AF65-F5344CB8AC3E}">
-        <p14:creationId xmlns:p14="http://schemas.microsoft.com/office/powerpoint/2010/main" val="1665733023"/>
+        <p14:creationId xmlns:p14="http://schemas.microsoft.com/office/powerpoint/2010/main" val="1952901686"/>
       </p:ext>
     </p:extLst>
   </p:cSld>
@@ -6823,11 +6803,7 @@
           </p:cNvGraphicFramePr>
           <p:nvPr>
             <p:ph sz="quarter" idx="10"/>
-            <p:extLst>
-              <p:ext uri="{D42A27DB-BD31-4B8C-83A1-F6EECF244321}">
-                <p14:modId xmlns:p14="http://schemas.microsoft.com/office/powerpoint/2010/main" val="409489356"/>
-              </p:ext>
-            </p:extLst>
+            <p:extLst/>
           </p:nvPr>
         </p:nvGraphicFramePr>
         <p:xfrm>
@@ -6844,14 +6820,14 @@
                 <a:gridCol w="5762625">
                   <a:extLst>
                     <a:ext uri="{9D8B030D-6E8A-4147-A177-3AD203B41FA5}">
-                      <a16:colId xmlns:a16="http://schemas.microsoft.com/office/drawing/2014/main" xmlns="" val="1632794655"/>
+                      <a16:colId xmlns="" xmlns:a16="http://schemas.microsoft.com/office/drawing/2014/main" val="1632794655"/>
                     </a:ext>
                   </a:extLst>
                 </a:gridCol>
                 <a:gridCol w="5762625">
                   <a:extLst>
                     <a:ext uri="{9D8B030D-6E8A-4147-A177-3AD203B41FA5}">
-                      <a16:colId xmlns:a16="http://schemas.microsoft.com/office/drawing/2014/main" xmlns="" val="2011313899"/>
+                      <a16:colId xmlns="" xmlns:a16="http://schemas.microsoft.com/office/drawing/2014/main" val="2011313899"/>
                     </a:ext>
                   </a:extLst>
                 </a:gridCol>
@@ -6867,7 +6843,7 @@
                           <a:latin typeface="Segoe UI Light" panose="020B0502040204020203" pitchFamily="34" charset="0"/>
                           <a:cs typeface="Segoe UI Light" panose="020B0502040204020203" pitchFamily="34" charset="0"/>
                         </a:rPr>
-                        <a:t>Introduction to jQuery</a:t>
+                        <a:t>Mobile Web</a:t>
                       </a:r>
                       <a:endParaRPr lang="en-US" sz="3600" dirty="0">
                         <a:latin typeface="Segoe UI Light" panose="020B0502040204020203" pitchFamily="34" charset="0"/>
@@ -6889,7 +6865,7 @@
                 </a:tc>
                 <a:extLst>
                   <a:ext uri="{0D108BD9-81ED-4DB2-BD59-A6C34878D82A}">
-                    <a16:rowId xmlns:a16="http://schemas.microsoft.com/office/drawing/2014/main" xmlns="" val="1789177411"/>
+                    <a16:rowId xmlns="" xmlns:a16="http://schemas.microsoft.com/office/drawing/2014/main" val="1789177411"/>
                   </a:ext>
                 </a:extLst>
               </a:tr>
@@ -6904,14 +6880,14 @@
                           <a:latin typeface="Segoe UI Light" panose="020B0502040204020203" pitchFamily="34" charset="0"/>
                           <a:cs typeface="Segoe UI Light" panose="020B0502040204020203" pitchFamily="34" charset="0"/>
                         </a:rPr>
-                        <a:t>01 | jQuery</a:t>
+                        <a:t>01 | Designing</a:t>
                       </a:r>
                       <a:r>
                         <a:rPr lang="en-US" sz="2400" baseline="0" dirty="0" smtClean="0">
                           <a:latin typeface="Segoe UI Light" panose="020B0502040204020203" pitchFamily="34" charset="0"/>
                           <a:cs typeface="Segoe UI Light" panose="020B0502040204020203" pitchFamily="34" charset="0"/>
                         </a:rPr>
-                        <a:t> 101</a:t>
+                        <a:t> for Mobile</a:t>
                       </a:r>
                       <a:endParaRPr lang="en-US" sz="2400" dirty="0">
                         <a:latin typeface="Segoe UI Light" panose="020B0502040204020203" pitchFamily="34" charset="0"/>
@@ -6931,7 +6907,14 @@
                           <a:latin typeface="Segoe UI Light" panose="020B0502040204020203" pitchFamily="34" charset="0"/>
                           <a:cs typeface="Segoe UI Light" panose="020B0502040204020203" pitchFamily="34" charset="0"/>
                         </a:rPr>
-                        <a:t>05 | Manipulating Structure</a:t>
+                        <a:t>05 | The Mobile</a:t>
+                      </a:r>
+                      <a:r>
+                        <a:rPr lang="en-US" sz="2400" baseline="0" dirty="0" smtClean="0">
+                          <a:latin typeface="Segoe UI Light" panose="020B0502040204020203" pitchFamily="34" charset="0"/>
+                          <a:cs typeface="Segoe UI Light" panose="020B0502040204020203" pitchFamily="34" charset="0"/>
+                        </a:rPr>
+                        <a:t> Client</a:t>
                       </a:r>
                       <a:endParaRPr lang="en-US" sz="2400" dirty="0">
                         <a:latin typeface="Segoe UI Light" panose="020B0502040204020203" pitchFamily="34" charset="0"/>
@@ -6943,7 +6926,7 @@
                 </a:tc>
                 <a:extLst>
                   <a:ext uri="{0D108BD9-81ED-4DB2-BD59-A6C34878D82A}">
-                    <a16:rowId xmlns:a16="http://schemas.microsoft.com/office/drawing/2014/main" xmlns="" val="3842815335"/>
+                    <a16:rowId xmlns="" xmlns:a16="http://schemas.microsoft.com/office/drawing/2014/main" val="3842815335"/>
                   </a:ext>
                 </a:extLst>
               </a:tr>
@@ -6958,14 +6941,7 @@
                           <a:latin typeface="Segoe UI Light" panose="020B0502040204020203" pitchFamily="34" charset="0"/>
                           <a:cs typeface="Segoe UI Light" panose="020B0502040204020203" pitchFamily="34" charset="0"/>
                         </a:rPr>
-                        <a:t>02 | Getting</a:t>
-                      </a:r>
-                      <a:r>
-                        <a:rPr lang="en-US" sz="2400" baseline="0" dirty="0" smtClean="0">
-                          <a:latin typeface="Segoe UI Light" panose="020B0502040204020203" pitchFamily="34" charset="0"/>
-                          <a:cs typeface="Segoe UI Light" panose="020B0502040204020203" pitchFamily="34" charset="0"/>
-                        </a:rPr>
-                        <a:t> Started with jQuery</a:t>
+                        <a:t>02 | Mobile UI</a:t>
                       </a:r>
                       <a:endParaRPr lang="en-US" sz="2400" dirty="0">
                         <a:latin typeface="Segoe UI Light" panose="020B0502040204020203" pitchFamily="34" charset="0"/>
@@ -6985,7 +6961,7 @@
                           <a:latin typeface="Segoe UI Light" panose="020B0502040204020203" pitchFamily="34" charset="0"/>
                           <a:cs typeface="Segoe UI Light" panose="020B0502040204020203" pitchFamily="34" charset="0"/>
                         </a:rPr>
-                        <a:t>06 | jQuery Effects</a:t>
+                        <a:t>06 | Offline Data</a:t>
                       </a:r>
                       <a:endParaRPr lang="en-US" sz="2400" dirty="0">
                         <a:latin typeface="Segoe UI Light" panose="020B0502040204020203" pitchFamily="34" charset="0"/>
@@ -6997,7 +6973,7 @@
                 </a:tc>
                 <a:extLst>
                   <a:ext uri="{0D108BD9-81ED-4DB2-BD59-A6C34878D82A}">
-                    <a16:rowId xmlns:a16="http://schemas.microsoft.com/office/drawing/2014/main" xmlns="" val="321066646"/>
+                    <a16:rowId xmlns="" xmlns:a16="http://schemas.microsoft.com/office/drawing/2014/main" val="321066646"/>
                   </a:ext>
                 </a:extLst>
               </a:tr>
@@ -7036,7 +7012,7 @@
                           <a:latin typeface="Segoe UI Light" panose="020B0502040204020203" pitchFamily="34" charset="0"/>
                           <a:cs typeface="Segoe UI Light" panose="020B0502040204020203" pitchFamily="34" charset="0"/>
                         </a:rPr>
-                        <a:t> | Finding and Modifying Items</a:t>
+                        <a:t> | Integrating Touch</a:t>
                       </a:r>
                       <a:endParaRPr lang="en-US" sz="2400" dirty="0" smtClean="0">
                         <a:latin typeface="Segoe UI Light" panose="020B0502040204020203" pitchFamily="34" charset="0"/>
@@ -7056,7 +7032,7 @@
                           <a:latin typeface="Segoe UI Light" panose="020B0502040204020203" pitchFamily="34" charset="0"/>
                           <a:cs typeface="Segoe UI Light" panose="020B0502040204020203" pitchFamily="34" charset="0"/>
                         </a:rPr>
-                        <a:t>07 | jQuery and Ajax</a:t>
+                        <a:t>07 | Publishing to Azure</a:t>
                       </a:r>
                       <a:endParaRPr lang="en-US" sz="2400" dirty="0">
                         <a:latin typeface="Segoe UI Light" panose="020B0502040204020203" pitchFamily="34" charset="0"/>
@@ -7068,7 +7044,7 @@
                 </a:tc>
                 <a:extLst>
                   <a:ext uri="{0D108BD9-81ED-4DB2-BD59-A6C34878D82A}">
-                    <a16:rowId xmlns:a16="http://schemas.microsoft.com/office/drawing/2014/main" xmlns="" val="3812060533"/>
+                    <a16:rowId xmlns="" xmlns:a16="http://schemas.microsoft.com/office/drawing/2014/main" val="3812060533"/>
                   </a:ext>
                 </a:extLst>
               </a:tr>
@@ -7100,8 +7076,33 @@
                           <a:latin typeface="Segoe UI Light" panose="020B0502040204020203" pitchFamily="34" charset="0"/>
                           <a:cs typeface="Segoe UI Light" panose="020B0502040204020203" pitchFamily="34" charset="0"/>
                         </a:rPr>
-                        <a:t>04 | Adding Event Handlers</a:t>
+                        <a:t>04 | Setting </a:t>
                       </a:r>
+                      <a:r>
+                        <a:rPr lang="en-US" sz="2400" dirty="0" smtClean="0">
+                          <a:latin typeface="Segoe UI Light" panose="020B0502040204020203" pitchFamily="34" charset="0"/>
+                          <a:cs typeface="Segoe UI Light" panose="020B0502040204020203" pitchFamily="34" charset="0"/>
+                        </a:rPr>
+                        <a:t>Up </a:t>
+                      </a:r>
+                      <a:r>
+                        <a:rPr lang="en-US" sz="2400" dirty="0" smtClean="0">
+                          <a:latin typeface="Segoe UI Light" panose="020B0502040204020203" pitchFamily="34" charset="0"/>
+                          <a:cs typeface="Segoe UI Light" panose="020B0502040204020203" pitchFamily="34" charset="0"/>
+                        </a:rPr>
+                        <a:t>the</a:t>
+                      </a:r>
+                      <a:r>
+                        <a:rPr lang="en-US" sz="2400" baseline="0" dirty="0" smtClean="0">
+                          <a:latin typeface="Segoe UI Light" panose="020B0502040204020203" pitchFamily="34" charset="0"/>
+                          <a:cs typeface="Segoe UI Light" panose="020B0502040204020203" pitchFamily="34" charset="0"/>
+                        </a:rPr>
+                        <a:t> Server</a:t>
+                      </a:r>
+                      <a:endParaRPr lang="en-US" sz="2400" dirty="0" smtClean="0">
+                        <a:latin typeface="Segoe UI Light" panose="020B0502040204020203" pitchFamily="34" charset="0"/>
+                        <a:cs typeface="Segoe UI Light" panose="020B0502040204020203" pitchFamily="34" charset="0"/>
+                      </a:endParaRPr>
                     </a:p>
                   </a:txBody>
                   <a:tcPr anchor="ctr"/>
@@ -7111,13 +7112,6 @@
                     <a:bodyPr/>
                     <a:lstStyle/>
                     <a:p>
-                      <a:r>
-                        <a:rPr lang="en-US" sz="2400" dirty="0" smtClean="0">
-                          <a:latin typeface="Segoe UI Light" panose="020B0502040204020203" pitchFamily="34" charset="0"/>
-                          <a:cs typeface="Segoe UI Light" panose="020B0502040204020203" pitchFamily="34" charset="0"/>
-                        </a:rPr>
-                        <a:t>08 | Popular Libraries</a:t>
-                      </a:r>
                       <a:endParaRPr lang="en-US" sz="2400" dirty="0">
                         <a:latin typeface="Segoe UI Light" panose="020B0502040204020203" pitchFamily="34" charset="0"/>
                         <a:cs typeface="Segoe UI Light" panose="020B0502040204020203" pitchFamily="34" charset="0"/>
@@ -7134,18 +7128,18 @@
     </p:spTree>
     <p:extLst>
       <p:ext uri="{BB962C8B-B14F-4D97-AF65-F5344CB8AC3E}">
-        <p14:creationId xmlns:p14="http://schemas.microsoft.com/office/powerpoint/2010/main" val="4178564752"/>
+        <p14:creationId xmlns:p14="http://schemas.microsoft.com/office/powerpoint/2010/main" val="3778164430"/>
       </p:ext>
     </p:extLst>
   </p:cSld>
   <p:clrMapOvr>
     <a:masterClrMapping/>
   </p:clrMapOvr>
-  <mc:AlternateContent xmlns:mc="http://schemas.openxmlformats.org/markup-compatibility/2006" xmlns:p14="http://schemas.microsoft.com/office/powerpoint/2010/main">
-    <mc:Choice Requires="p14">
+  <mc:AlternateContent xmlns:mc="http://schemas.openxmlformats.org/markup-compatibility/2006">
+    <mc:Choice xmlns:p14="http://schemas.microsoft.com/office/powerpoint/2010/main" Requires="p14">
       <p:transition spd="slow" p14:dur="2000"/>
     </mc:Choice>
-    <mc:Fallback xmlns="">
+    <mc:Fallback>
       <p:transition spd="slow"/>
     </mc:Fallback>
   </mc:AlternateContent>
@@ -7201,11 +7195,11 @@
             <a:pPr marL="914400" indent="-914400"/>
             <a:r>
               <a:rPr lang="en-US" dirty="0" smtClean="0"/>
-              <a:t>06 | jQuery </a:t>
-            </a:r>
-            <a:r>
-              <a:rPr lang="en-US" smtClean="0"/>
-              <a:t>Effecs</a:t>
+              <a:t>06 | </a:t>
+            </a:r>
+            <a:r>
+              <a:rPr lang="en-US" dirty="0" smtClean="0"/>
+              <a:t>Offline Data</a:t>
             </a:r>
             <a:endParaRPr lang="en-US" dirty="0"/>
           </a:p>
@@ -7227,22 +7221,31 @@
           <a:lstStyle/>
           <a:p>
             <a:r>
-              <a:rPr lang="en-US"/>
-              <a:t>Jeremy Foster | @codefoster</a:t>
-            </a:r>
-          </a:p>
-          <a:p>
-            <a:r>
-              <a:rPr lang="en-US" smtClean="0"/>
-              <a:t>Rachel </a:t>
-            </a:r>
-            <a:r>
               <a:rPr lang="en-US" dirty="0"/>
-              <a:t>Appel | @</a:t>
+              <a:t>Christopher Harrison | </a:t>
+            </a:r>
+            <a:r>
+              <a:rPr lang="en-US" dirty="0" smtClean="0"/>
+              <a:t>@</a:t>
             </a:r>
             <a:r>
               <a:rPr lang="en-US" dirty="0" err="1" smtClean="0"/>
-              <a:t>RachelAppel</a:t>
+              <a:t>GeekTrainer</a:t>
+            </a:r>
+            <a:endParaRPr lang="en-US" dirty="0"/>
+          </a:p>
+          <a:p>
+            <a:r>
+              <a:rPr lang="en-US" dirty="0" smtClean="0"/>
+              <a:t>Jeremy </a:t>
+            </a:r>
+            <a:r>
+              <a:rPr lang="en-US" dirty="0"/>
+              <a:t>Foster | @</a:t>
+            </a:r>
+            <a:r>
+              <a:rPr lang="en-US" dirty="0" smtClean="0"/>
+              <a:t>codefoster</a:t>
             </a:r>
             <a:endParaRPr lang="en-US" dirty="0"/>
           </a:p>
@@ -8854,21 +8857,6 @@
 </file>
 
 <file path=customXml/item1.xml><?xml version="1.0" encoding="utf-8"?>
-<?mso-contentType ?>
-<FormTemplates xmlns="http://schemas.microsoft.com/sharepoint/v3/contenttype/forms">
-  <Display>DocumentLibraryForm</Display>
-  <Edit>DocumentLibraryForm</Edit>
-  <New>DocumentLibraryForm</New>
-</FormTemplates>
-</file>
-
-<file path=customXml/item2.xml><?xml version="1.0" encoding="utf-8"?>
-<p:properties xmlns:p="http://schemas.microsoft.com/office/2006/metadata/properties" xmlns:xsi="http://www.w3.org/2001/XMLSchema-instance" xmlns:pc="http://schemas.microsoft.com/office/infopath/2007/PartnerControls">
-  <documentManagement/>
-</p:properties>
-</file>
-
-<file path=customXml/item3.xml><?xml version="1.0" encoding="utf-8"?>
 <ct:contentTypeSchema xmlns:ct="http://schemas.microsoft.com/office/2006/metadata/contentType" xmlns:ma="http://schemas.microsoft.com/office/2006/metadata/properties/metaAttributes" ct:_="" ma:_="" ma:contentTypeName="Document" ma:contentTypeID="0x010100CF3CFFA86DA93345A891C3CCBC738F63" ma:contentTypeVersion="1" ma:contentTypeDescription="Create a new document." ma:contentTypeScope="" ma:versionID="060e45d69093970729cdde03e78aa3cc">
   <xsd:schema xmlns:xsd="http://www.w3.org/2001/XMLSchema" xmlns:xs="http://www.w3.org/2001/XMLSchema" xmlns:p="http://schemas.microsoft.com/office/2006/metadata/properties" xmlns:ns3="ecd1fa32-ae44-48d6-80a1-71a52da60b4a" targetNamespace="http://schemas.microsoft.com/office/2006/metadata/properties" ma:root="true" ma:fieldsID="2fc9741b54117334ed0e10932dac3600" ns3:_="">
     <xsd:import namespace="ecd1fa32-ae44-48d6-80a1-71a52da60b4a"/>
@@ -9008,31 +8996,22 @@
 </ct:contentTypeSchema>
 </file>
 
-<file path=customXml/itemProps1.xml><?xml version="1.0" encoding="utf-8"?>
-<ds:datastoreItem xmlns:ds="http://schemas.openxmlformats.org/officeDocument/2006/customXml" ds:itemID="{B0CA13EC-1D3C-4D6F-8D1C-E8A452CFC79A}">
-  <ds:schemaRefs>
-    <ds:schemaRef ds:uri="http://schemas.microsoft.com/sharepoint/v3/contenttype/forms"/>
-  </ds:schemaRefs>
-</ds:datastoreItem>
+<file path=customXml/item2.xml><?xml version="1.0" encoding="utf-8"?>
+<?mso-contentType ?>
+<FormTemplates xmlns="http://schemas.microsoft.com/sharepoint/v3/contenttype/forms">
+  <Display>DocumentLibraryForm</Display>
+  <Edit>DocumentLibraryForm</Edit>
+  <New>DocumentLibraryForm</New>
+</FormTemplates>
 </file>
 
-<file path=customXml/itemProps2.xml><?xml version="1.0" encoding="utf-8"?>
-<ds:datastoreItem xmlns:ds="http://schemas.openxmlformats.org/officeDocument/2006/customXml" ds:itemID="{7025FDD9-4C58-4084-9F89-0E6ADD6FFF55}">
-  <ds:schemaRefs>
-    <ds:schemaRef ds:uri="http://schemas.microsoft.com/office/2006/metadata/properties"/>
-    <ds:schemaRef ds:uri="http://purl.org/dc/terms/"/>
-    <ds:schemaRef ds:uri="http://schemas.openxmlformats.org/package/2006/metadata/core-properties"/>
-    <ds:schemaRef ds:uri="http://schemas.microsoft.com/office/2006/documentManagement/types"/>
-    <ds:schemaRef ds:uri="http://schemas.microsoft.com/office/infopath/2007/PartnerControls"/>
-    <ds:schemaRef ds:uri="ecd1fa32-ae44-48d6-80a1-71a52da60b4a"/>
-    <ds:schemaRef ds:uri="http://purl.org/dc/elements/1.1/"/>
-    <ds:schemaRef ds:uri="http://www.w3.org/XML/1998/namespace"/>
-    <ds:schemaRef ds:uri="http://purl.org/dc/dcmitype/"/>
-  </ds:schemaRefs>
-</ds:datastoreItem>
+<file path=customXml/item3.xml><?xml version="1.0" encoding="utf-8"?>
+<p:properties xmlns:p="http://schemas.microsoft.com/office/2006/metadata/properties" xmlns:xsi="http://www.w3.org/2001/XMLSchema-instance" xmlns:pc="http://schemas.microsoft.com/office/infopath/2007/PartnerControls">
+  <documentManagement/>
+</p:properties>
 </file>
 
-<file path=customXml/itemProps3.xml><?xml version="1.0" encoding="utf-8"?>
+<file path=customXml/itemProps1.xml><?xml version="1.0" encoding="utf-8"?>
 <ds:datastoreItem xmlns:ds="http://schemas.openxmlformats.org/officeDocument/2006/customXml" ds:itemID="{A545FFDC-6555-4FAD-8A13-72F96FEB882E}">
   <ds:schemaRefs>
     <ds:schemaRef ds:uri="http://schemas.microsoft.com/office/2006/metadata/contentType"/>
@@ -9048,4 +9027,28 @@
     <ds:schemaRef ds:uri="http://schemas.microsoft.com/internal/obd"/>
   </ds:schemaRefs>
 </ds:datastoreItem>
+</file>
+
+<file path=customXml/itemProps2.xml><?xml version="1.0" encoding="utf-8"?>
+<ds:datastoreItem xmlns:ds="http://schemas.openxmlformats.org/officeDocument/2006/customXml" ds:itemID="{B0CA13EC-1D3C-4D6F-8D1C-E8A452CFC79A}">
+  <ds:schemaRefs>
+    <ds:schemaRef ds:uri="http://schemas.microsoft.com/sharepoint/v3/contenttype/forms"/>
+  </ds:schemaRefs>
+</ds:datastoreItem>
+</file>
+
+<file path=customXml/itemProps3.xml><?xml version="1.0" encoding="utf-8"?>
+<ds:datastoreItem xmlns:ds="http://schemas.openxmlformats.org/officeDocument/2006/customXml" ds:itemID="{7025FDD9-4C58-4084-9F89-0E6ADD6FFF55}">
+  <ds:schemaRefs>
+    <ds:schemaRef ds:uri="http://schemas.microsoft.com/office/2006/metadata/properties"/>
+    <ds:schemaRef ds:uri="http://purl.org/dc/terms/"/>
+    <ds:schemaRef ds:uri="http://schemas.openxmlformats.org/package/2006/metadata/core-properties"/>
+    <ds:schemaRef ds:uri="http://schemas.microsoft.com/office/2006/documentManagement/types"/>
+    <ds:schemaRef ds:uri="http://schemas.microsoft.com/office/infopath/2007/PartnerControls"/>
+    <ds:schemaRef ds:uri="ecd1fa32-ae44-48d6-80a1-71a52da60b4a"/>
+    <ds:schemaRef ds:uri="http://purl.org/dc/elements/1.1/"/>
+    <ds:schemaRef ds:uri="http://www.w3.org/XML/1998/namespace"/>
+    <ds:schemaRef ds:uri="http://purl.org/dc/dcmitype/"/>
+  </ds:schemaRefs>
+</ds:datastoreItem>
 </file>
--- a/Slides/M6 Offline Data.pptx
+++ b/Slides/M6 Offline Data.pptx
@@ -6,10 +6,10 @@
     <p:sldMasterId id="2147483674" r:id="rId5"/>
   </p:sldMasterIdLst>
   <p:notesMasterIdLst>
-    <p:notesMasterId r:id="rId16"/>
+    <p:notesMasterId r:id="rId33"/>
   </p:notesMasterIdLst>
   <p:handoutMasterIdLst>
-    <p:handoutMasterId r:id="rId17"/>
+    <p:handoutMasterId r:id="rId34"/>
   </p:handoutMasterIdLst>
   <p:sldIdLst>
     <p:sldId id="459" r:id="rId6"/>
@@ -17,11 +17,28 @@
     <p:sldId id="283" r:id="rId8"/>
     <p:sldId id="288" r:id="rId9"/>
     <p:sldId id="414" r:id="rId10"/>
-    <p:sldId id="447" r:id="rId11"/>
-    <p:sldId id="416" r:id="rId12"/>
-    <p:sldId id="454" r:id="rId13"/>
-    <p:sldId id="458" r:id="rId14"/>
-    <p:sldId id="269" r:id="rId15"/>
+    <p:sldId id="461" r:id="rId11"/>
+    <p:sldId id="462" r:id="rId12"/>
+    <p:sldId id="463" r:id="rId13"/>
+    <p:sldId id="464" r:id="rId14"/>
+    <p:sldId id="465" r:id="rId15"/>
+    <p:sldId id="447" r:id="rId16"/>
+    <p:sldId id="466" r:id="rId17"/>
+    <p:sldId id="467" r:id="rId18"/>
+    <p:sldId id="468" r:id="rId19"/>
+    <p:sldId id="469" r:id="rId20"/>
+    <p:sldId id="471" r:id="rId21"/>
+    <p:sldId id="472" r:id="rId22"/>
+    <p:sldId id="470" r:id="rId23"/>
+    <p:sldId id="416" r:id="rId24"/>
+    <p:sldId id="473" r:id="rId25"/>
+    <p:sldId id="454" r:id="rId26"/>
+    <p:sldId id="474" r:id="rId27"/>
+    <p:sldId id="475" r:id="rId28"/>
+    <p:sldId id="476" r:id="rId29"/>
+    <p:sldId id="477" r:id="rId30"/>
+    <p:sldId id="478" r:id="rId31"/>
+    <p:sldId id="269" r:id="rId32"/>
   </p:sldIdLst>
   <p:sldSz cx="12192000" cy="6858000"/>
   <p:notesSz cx="6858000" cy="9144000"/>
@@ -134,10 +151,27 @@
             <p14:sldId id="283"/>
             <p14:sldId id="288"/>
             <p14:sldId id="414"/>
+            <p14:sldId id="461"/>
+            <p14:sldId id="462"/>
+            <p14:sldId id="463"/>
+            <p14:sldId id="464"/>
+            <p14:sldId id="465"/>
             <p14:sldId id="447"/>
+            <p14:sldId id="466"/>
+            <p14:sldId id="467"/>
+            <p14:sldId id="468"/>
+            <p14:sldId id="469"/>
+            <p14:sldId id="471"/>
+            <p14:sldId id="472"/>
+            <p14:sldId id="470"/>
             <p14:sldId id="416"/>
+            <p14:sldId id="473"/>
             <p14:sldId id="454"/>
-            <p14:sldId id="458"/>
+            <p14:sldId id="474"/>
+            <p14:sldId id="475"/>
+            <p14:sldId id="476"/>
+            <p14:sldId id="477"/>
+            <p14:sldId id="478"/>
           </p14:sldIdLst>
         </p14:section>
         <p14:section name="End" id="{E17367C9-8ACE-479F-BE70-706EA28440B9}">
@@ -239,7 +273,7 @@
           <a:p>
             <a:fld id="{312E7B4A-039C-48A2-9B2C-AF16AA3873D8}" type="datetimeFigureOut">
               <a:rPr lang="en-US" smtClean="0"/>
-              <a:t>10/13/2014</a:t>
+              <a:t>10/14/2014</a:t>
             </a:fld>
             <a:endParaRPr lang="en-US"/>
           </a:p>
@@ -404,7 +438,7 @@
           <a:p>
             <a:fld id="{DA005A0C-54D9-45AA-87D4-C551D08DFCE1}" type="datetimeFigureOut">
               <a:rPr lang="en-US" smtClean="0"/>
-              <a:t>10/13/2014</a:t>
+              <a:t>10/14/2014</a:t>
             </a:fld>
             <a:endParaRPr lang="en-US"/>
           </a:p>
@@ -1106,7 +1140,7 @@
             <a:fld id="{13F0F35F-DD44-4607-AEC1-49D7A4BC4066}" type="slidenum">
               <a:rPr lang="en-US" smtClean="0"/>
               <a:pPr/>
-              <a:t>8</a:t>
+              <a:t>21</a:t>
             </a:fld>
             <a:endParaRPr lang="en-US" dirty="0"/>
           </a:p>
@@ -1116,98 +1150,6 @@
     <p:extLst>
       <p:ext uri="{BB962C8B-B14F-4D97-AF65-F5344CB8AC3E}">
         <p14:creationId xmlns:p14="http://schemas.microsoft.com/office/powerpoint/2010/main" val="3625277357"/>
-      </p:ext>
-    </p:extLst>
-  </p:cSld>
-  <p:clrMapOvr>
-    <a:masterClrMapping/>
-  </p:clrMapOvr>
-</p:notes>
-</file>
-
-<file path=ppt/notesSlides/notesSlide6.xml><?xml version="1.0" encoding="utf-8"?>
-<p:notes xmlns:a="http://schemas.openxmlformats.org/drawingml/2006/main" xmlns:r="http://schemas.openxmlformats.org/officeDocument/2006/relationships" xmlns:p="http://schemas.openxmlformats.org/presentationml/2006/main">
-  <p:cSld>
-    <p:spTree>
-      <p:nvGrpSpPr>
-        <p:cNvPr id="1" name=""/>
-        <p:cNvGrpSpPr/>
-        <p:nvPr/>
-      </p:nvGrpSpPr>
-      <p:grpSpPr>
-        <a:xfrm>
-          <a:off x="0" y="0"/>
-          <a:ext cx="0" cy="0"/>
-          <a:chOff x="0" y="0"/>
-          <a:chExt cx="0" cy="0"/>
-        </a:xfrm>
-      </p:grpSpPr>
-      <p:sp>
-        <p:nvSpPr>
-          <p:cNvPr id="2" name="Slide Image Placeholder 1"/>
-          <p:cNvSpPr>
-            <a:spLocks noGrp="1" noRot="1" noChangeAspect="1"/>
-          </p:cNvSpPr>
-          <p:nvPr>
-            <p:ph type="sldImg"/>
-          </p:nvPr>
-        </p:nvSpPr>
-        <p:spPr/>
-      </p:sp>
-      <p:sp>
-        <p:nvSpPr>
-          <p:cNvPr id="3" name="Notes Placeholder 2"/>
-          <p:cNvSpPr>
-            <a:spLocks noGrp="1"/>
-          </p:cNvSpPr>
-          <p:nvPr>
-            <p:ph type="body" idx="1"/>
-          </p:nvPr>
-        </p:nvSpPr>
-        <p:spPr/>
-        <p:txBody>
-          <a:bodyPr>
-            <a:noAutofit/>
-          </a:bodyPr>
-          <a:lstStyle/>
-          <a:p>
-            <a:endParaRPr lang="en-GB" dirty="0">
-              <a:solidFill>
-                <a:schemeClr val="tx2"/>
-              </a:solidFill>
-              <a:latin typeface="Segoe" pitchFamily="34" charset="0"/>
-            </a:endParaRPr>
-          </a:p>
-        </p:txBody>
-      </p:sp>
-      <p:sp>
-        <p:nvSpPr>
-          <p:cNvPr id="4" name="Slide Number Placeholder 3"/>
-          <p:cNvSpPr>
-            <a:spLocks noGrp="1"/>
-          </p:cNvSpPr>
-          <p:nvPr>
-            <p:ph type="sldNum" sz="quarter" idx="10"/>
-          </p:nvPr>
-        </p:nvSpPr>
-        <p:spPr/>
-        <p:txBody>
-          <a:bodyPr/>
-          <a:lstStyle/>
-          <a:p>
-            <a:fld id="{13F0F35F-DD44-4607-AEC1-49D7A4BC4066}" type="slidenum">
-              <a:rPr lang="en-US" smtClean="0"/>
-              <a:pPr/>
-              <a:t>9</a:t>
-            </a:fld>
-            <a:endParaRPr lang="en-US" dirty="0"/>
-          </a:p>
-        </p:txBody>
-      </p:sp>
-    </p:spTree>
-    <p:extLst>
-      <p:ext uri="{BB962C8B-B14F-4D97-AF65-F5344CB8AC3E}">
-        <p14:creationId xmlns:p14="http://schemas.microsoft.com/office/powerpoint/2010/main" val="2458564682"/>
       </p:ext>
     </p:extLst>
   </p:cSld>
@@ -6739,16 +6681,1715 @@
           <a:chExt cx="0" cy="0"/>
         </a:xfrm>
       </p:grpSpPr>
+      <p:sp>
+        <p:nvSpPr>
+          <p:cNvPr id="4" name="Title 3"/>
+          <p:cNvSpPr>
+            <a:spLocks noGrp="1"/>
+          </p:cNvSpPr>
+          <p:nvPr>
+            <p:ph type="title"/>
+          </p:nvPr>
+        </p:nvSpPr>
+        <p:spPr/>
+        <p:txBody>
+          <a:bodyPr/>
+          <a:lstStyle/>
+          <a:p>
+            <a:r>
+              <a:rPr lang="en-US" dirty="0" err="1" smtClean="0"/>
+              <a:t>localStorage</a:t>
+            </a:r>
+            <a:r>
+              <a:rPr lang="en-US" dirty="0" smtClean="0"/>
+              <a:t> and </a:t>
+            </a:r>
+            <a:r>
+              <a:rPr lang="en-US" dirty="0" err="1" smtClean="0"/>
+              <a:t>sessionStorage</a:t>
+            </a:r>
+            <a:endParaRPr lang="en-US" dirty="0"/>
+          </a:p>
+        </p:txBody>
+      </p:sp>
     </p:spTree>
     <p:extLst>
       <p:ext uri="{BB962C8B-B14F-4D97-AF65-F5344CB8AC3E}">
-        <p14:creationId xmlns:p14="http://schemas.microsoft.com/office/powerpoint/2010/main" val="898363405"/>
+        <p14:creationId xmlns:p14="http://schemas.microsoft.com/office/powerpoint/2010/main" val="3221271594"/>
       </p:ext>
     </p:extLst>
   </p:cSld>
   <p:clrMapOvr>
     <a:masterClrMapping/>
   </p:clrMapOvr>
+  <p:timing>
+    <p:tnLst>
+      <p:par>
+        <p:cTn id="1" dur="indefinite" restart="never" nodeType="tmRoot"/>
+      </p:par>
+    </p:tnLst>
+  </p:timing>
+</p:sld>
+</file>
+
+<file path=ppt/slides/slide11.xml><?xml version="1.0" encoding="utf-8"?>
+<p:sld xmlns:a="http://schemas.openxmlformats.org/drawingml/2006/main" xmlns:r="http://schemas.openxmlformats.org/officeDocument/2006/relationships" xmlns:p="http://schemas.openxmlformats.org/presentationml/2006/main">
+  <p:cSld>
+    <p:spTree>
+      <p:nvGrpSpPr>
+        <p:cNvPr id="1" name=""/>
+        <p:cNvGrpSpPr/>
+        <p:nvPr/>
+      </p:nvGrpSpPr>
+      <p:grpSpPr>
+        <a:xfrm>
+          <a:off x="0" y="0"/>
+          <a:ext cx="0" cy="0"/>
+          <a:chOff x="0" y="0"/>
+          <a:chExt cx="0" cy="0"/>
+        </a:xfrm>
+      </p:grpSpPr>
+      <p:sp>
+        <p:nvSpPr>
+          <p:cNvPr id="2" name="Text Placeholder 1"/>
+          <p:cNvSpPr>
+            <a:spLocks noGrp="1"/>
+          </p:cNvSpPr>
+          <p:nvPr>
+            <p:ph type="body" sz="quarter" idx="10"/>
+          </p:nvPr>
+        </p:nvSpPr>
+        <p:spPr/>
+        <p:txBody>
+          <a:bodyPr/>
+          <a:lstStyle/>
+          <a:p>
+            <a:r>
+              <a:rPr lang="en-US" dirty="0" smtClean="0"/>
+              <a:t>Caching and offline access</a:t>
+            </a:r>
+            <a:endParaRPr lang="en-US" dirty="0"/>
+          </a:p>
+        </p:txBody>
+      </p:sp>
+      <p:sp>
+        <p:nvSpPr>
+          <p:cNvPr id="3" name="Subtitle 2"/>
+          <p:cNvSpPr>
+            <a:spLocks noGrp="1"/>
+          </p:cNvSpPr>
+          <p:nvPr>
+            <p:ph type="subTitle" idx="1"/>
+          </p:nvPr>
+        </p:nvSpPr>
+        <p:spPr/>
+        <p:txBody>
+          <a:bodyPr/>
+          <a:lstStyle/>
+          <a:p>
+            <a:endParaRPr lang="en-US"/>
+          </a:p>
+        </p:txBody>
+      </p:sp>
+    </p:spTree>
+    <p:extLst>
+      <p:ext uri="{BB962C8B-B14F-4D97-AF65-F5344CB8AC3E}">
+        <p14:creationId xmlns:p14="http://schemas.microsoft.com/office/powerpoint/2010/main" val="4190290233"/>
+      </p:ext>
+    </p:extLst>
+  </p:cSld>
+  <p:clrMapOvr>
+    <a:masterClrMapping/>
+  </p:clrMapOvr>
+  <p:timing>
+    <p:tnLst>
+      <p:par>
+        <p:cTn id="1" dur="indefinite" restart="never" nodeType="tmRoot"/>
+      </p:par>
+    </p:tnLst>
+  </p:timing>
+</p:sld>
+</file>
+
+<file path=ppt/slides/slide12.xml><?xml version="1.0" encoding="utf-8"?>
+<p:sld xmlns:a="http://schemas.openxmlformats.org/drawingml/2006/main" xmlns:r="http://schemas.openxmlformats.org/officeDocument/2006/relationships" xmlns:p="http://schemas.openxmlformats.org/presentationml/2006/main">
+  <p:cSld>
+    <p:bg>
+      <p:bgPr>
+        <a:solidFill>
+          <a:schemeClr val="accent5">
+            <a:lumMod val="75000"/>
+          </a:schemeClr>
+        </a:solidFill>
+        <a:effectLst/>
+      </p:bgPr>
+    </p:bg>
+    <p:spTree>
+      <p:nvGrpSpPr>
+        <p:cNvPr id="1" name=""/>
+        <p:cNvGrpSpPr/>
+        <p:nvPr/>
+      </p:nvGrpSpPr>
+      <p:grpSpPr>
+        <a:xfrm>
+          <a:off x="0" y="0"/>
+          <a:ext cx="0" cy="0"/>
+          <a:chOff x="0" y="0"/>
+          <a:chExt cx="0" cy="0"/>
+        </a:xfrm>
+      </p:grpSpPr>
+      <p:sp>
+        <p:nvSpPr>
+          <p:cNvPr id="6" name="TextBox 5"/>
+          <p:cNvSpPr txBox="1"/>
+          <p:nvPr/>
+        </p:nvSpPr>
+        <p:spPr>
+          <a:xfrm>
+            <a:off x="2949177" y="1657350"/>
+            <a:ext cx="6293646" cy="584775"/>
+          </a:xfrm>
+          <a:prstGeom prst="rect">
+            <a:avLst/>
+          </a:prstGeom>
+          <a:noFill/>
+        </p:spPr>
+        <p:txBody>
+          <a:bodyPr wrap="none" rtlCol="0">
+            <a:spAutoFit/>
+          </a:bodyPr>
+          <a:lstStyle/>
+          <a:p>
+            <a:r>
+              <a:rPr lang="en-US" sz="3200" dirty="0" smtClean="0">
+                <a:solidFill>
+                  <a:schemeClr val="bg1"/>
+                </a:solidFill>
+              </a:rPr>
+              <a:t>Browsers do a great job caching data</a:t>
+            </a:r>
+            <a:endParaRPr lang="en-US" sz="3200" dirty="0">
+              <a:solidFill>
+                <a:schemeClr val="bg1"/>
+              </a:solidFill>
+            </a:endParaRPr>
+          </a:p>
+        </p:txBody>
+      </p:sp>
+      <p:sp>
+        <p:nvSpPr>
+          <p:cNvPr id="7" name="TextBox 6"/>
+          <p:cNvSpPr txBox="1"/>
+          <p:nvPr/>
+        </p:nvSpPr>
+        <p:spPr>
+          <a:xfrm>
+            <a:off x="2639734" y="4530090"/>
+            <a:ext cx="6912533" cy="584775"/>
+          </a:xfrm>
+          <a:prstGeom prst="rect">
+            <a:avLst/>
+          </a:prstGeom>
+          <a:noFill/>
+        </p:spPr>
+        <p:txBody>
+          <a:bodyPr wrap="none" rtlCol="0">
+            <a:spAutoFit/>
+          </a:bodyPr>
+          <a:lstStyle/>
+          <a:p>
+            <a:r>
+              <a:rPr lang="en-US" sz="3200" dirty="0" smtClean="0">
+                <a:solidFill>
+                  <a:schemeClr val="bg1"/>
+                </a:solidFill>
+              </a:rPr>
+              <a:t>...if they can figure out what's important</a:t>
+            </a:r>
+            <a:endParaRPr lang="en-US" sz="3200" dirty="0">
+              <a:solidFill>
+                <a:schemeClr val="bg1"/>
+              </a:solidFill>
+            </a:endParaRPr>
+          </a:p>
+        </p:txBody>
+      </p:sp>
+    </p:spTree>
+    <p:extLst>
+      <p:ext uri="{BB962C8B-B14F-4D97-AF65-F5344CB8AC3E}">
+        <p14:creationId xmlns:p14="http://schemas.microsoft.com/office/powerpoint/2010/main" val="2452236329"/>
+      </p:ext>
+    </p:extLst>
+  </p:cSld>
+  <p:clrMapOvr>
+    <a:masterClrMapping/>
+  </p:clrMapOvr>
+  <p:timing>
+    <p:tnLst>
+      <p:par>
+        <p:cTn id="1" dur="indefinite" restart="never" nodeType="tmRoot">
+          <p:childTnLst>
+            <p:seq concurrent="1" nextAc="seek">
+              <p:cTn id="2" dur="indefinite" nodeType="mainSeq">
+                <p:childTnLst>
+                  <p:par>
+                    <p:cTn id="3" fill="hold">
+                      <p:stCondLst>
+                        <p:cond delay="indefinite"/>
+                      </p:stCondLst>
+                      <p:childTnLst>
+                        <p:par>
+                          <p:cTn id="4" fill="hold">
+                            <p:stCondLst>
+                              <p:cond delay="0"/>
+                            </p:stCondLst>
+                            <p:childTnLst>
+                              <p:par>
+                                <p:cTn id="5" presetID="10" presetClass="entr" presetSubtype="0" fill="hold" grpId="0" nodeType="clickEffect">
+                                  <p:stCondLst>
+                                    <p:cond delay="0"/>
+                                  </p:stCondLst>
+                                  <p:childTnLst>
+                                    <p:set>
+                                      <p:cBhvr>
+                                        <p:cTn id="6" dur="1" fill="hold">
+                                          <p:stCondLst>
+                                            <p:cond delay="0"/>
+                                          </p:stCondLst>
+                                        </p:cTn>
+                                        <p:tgtEl>
+                                          <p:spTgt spid="7"/>
+                                        </p:tgtEl>
+                                        <p:attrNameLst>
+                                          <p:attrName>style.visibility</p:attrName>
+                                        </p:attrNameLst>
+                                      </p:cBhvr>
+                                      <p:to>
+                                        <p:strVal val="visible"/>
+                                      </p:to>
+                                    </p:set>
+                                    <p:animEffect transition="in" filter="fade">
+                                      <p:cBhvr>
+                                        <p:cTn id="7" dur="500"/>
+                                        <p:tgtEl>
+                                          <p:spTgt spid="7"/>
+                                        </p:tgtEl>
+                                      </p:cBhvr>
+                                    </p:animEffect>
+                                  </p:childTnLst>
+                                </p:cTn>
+                              </p:par>
+                            </p:childTnLst>
+                          </p:cTn>
+                        </p:par>
+                      </p:childTnLst>
+                    </p:cTn>
+                  </p:par>
+                </p:childTnLst>
+              </p:cTn>
+              <p:prevCondLst>
+                <p:cond evt="onPrev" delay="0">
+                  <p:tgtEl>
+                    <p:sldTgt/>
+                  </p:tgtEl>
+                </p:cond>
+              </p:prevCondLst>
+              <p:nextCondLst>
+                <p:cond evt="onNext" delay="0">
+                  <p:tgtEl>
+                    <p:sldTgt/>
+                  </p:tgtEl>
+                </p:cond>
+              </p:nextCondLst>
+            </p:seq>
+          </p:childTnLst>
+        </p:cTn>
+      </p:par>
+    </p:tnLst>
+    <p:bldLst>
+      <p:bldP spid="7" grpId="0"/>
+    </p:bldLst>
+  </p:timing>
+</p:sld>
+</file>
+
+<file path=ppt/slides/slide13.xml><?xml version="1.0" encoding="utf-8"?>
+<p:sld xmlns:a="http://schemas.openxmlformats.org/drawingml/2006/main" xmlns:r="http://schemas.openxmlformats.org/officeDocument/2006/relationships" xmlns:p="http://schemas.openxmlformats.org/presentationml/2006/main">
+  <p:cSld>
+    <p:spTree>
+      <p:nvGrpSpPr>
+        <p:cNvPr id="1" name=""/>
+        <p:cNvGrpSpPr/>
+        <p:nvPr/>
+      </p:nvGrpSpPr>
+      <p:grpSpPr>
+        <a:xfrm>
+          <a:off x="0" y="0"/>
+          <a:ext cx="0" cy="0"/>
+          <a:chOff x="0" y="0"/>
+          <a:chExt cx="0" cy="0"/>
+        </a:xfrm>
+      </p:grpSpPr>
+      <p:sp>
+        <p:nvSpPr>
+          <p:cNvPr id="2" name="Title 1"/>
+          <p:cNvSpPr>
+            <a:spLocks noGrp="1"/>
+          </p:cNvSpPr>
+          <p:nvPr>
+            <p:ph type="title"/>
+          </p:nvPr>
+        </p:nvSpPr>
+        <p:spPr/>
+        <p:txBody>
+          <a:bodyPr/>
+          <a:lstStyle/>
+          <a:p>
+            <a:r>
+              <a:rPr lang="en-US" dirty="0" smtClean="0"/>
+              <a:t>What's important?</a:t>
+            </a:r>
+            <a:endParaRPr lang="en-US" dirty="0"/>
+          </a:p>
+        </p:txBody>
+      </p:sp>
+      <p:sp>
+        <p:nvSpPr>
+          <p:cNvPr id="3" name="Content Placeholder 2"/>
+          <p:cNvSpPr>
+            <a:spLocks noGrp="1"/>
+          </p:cNvSpPr>
+          <p:nvPr>
+            <p:ph sz="quarter" idx="10"/>
+          </p:nvPr>
+        </p:nvSpPr>
+        <p:spPr/>
+        <p:txBody>
+          <a:bodyPr/>
+          <a:lstStyle/>
+          <a:p>
+            <a:r>
+              <a:rPr lang="en-US" dirty="0" smtClean="0"/>
+              <a:t>That varies by app</a:t>
+            </a:r>
+          </a:p>
+          <a:p>
+            <a:pPr lvl="1"/>
+            <a:r>
+              <a:rPr lang="en-US" dirty="0" smtClean="0"/>
+              <a:t>Images?</a:t>
+            </a:r>
+          </a:p>
+          <a:p>
+            <a:pPr lvl="1"/>
+            <a:r>
+              <a:rPr lang="en-US" dirty="0" smtClean="0"/>
+              <a:t>CSS files?</a:t>
+            </a:r>
+          </a:p>
+          <a:p>
+            <a:pPr lvl="1"/>
+            <a:r>
+              <a:rPr lang="en-US" dirty="0" smtClean="0"/>
+              <a:t>JavaScript files?</a:t>
+            </a:r>
+          </a:p>
+          <a:p>
+            <a:r>
+              <a:rPr lang="en-US" dirty="0" smtClean="0"/>
+              <a:t>Need the ability to tell the browser what's important</a:t>
+            </a:r>
+            <a:endParaRPr lang="en-US" dirty="0"/>
+          </a:p>
+        </p:txBody>
+      </p:sp>
+    </p:spTree>
+    <p:extLst>
+      <p:ext uri="{BB962C8B-B14F-4D97-AF65-F5344CB8AC3E}">
+        <p14:creationId xmlns:p14="http://schemas.microsoft.com/office/powerpoint/2010/main" val="2824245682"/>
+      </p:ext>
+    </p:extLst>
+  </p:cSld>
+  <p:clrMapOvr>
+    <a:masterClrMapping/>
+  </p:clrMapOvr>
+  <p:timing>
+    <p:tnLst>
+      <p:par>
+        <p:cTn id="1" dur="indefinite" restart="never" nodeType="tmRoot"/>
+      </p:par>
+    </p:tnLst>
+  </p:timing>
+</p:sld>
+</file>
+
+<file path=ppt/slides/slide14.xml><?xml version="1.0" encoding="utf-8"?>
+<p:sld xmlns:a="http://schemas.openxmlformats.org/drawingml/2006/main" xmlns:r="http://schemas.openxmlformats.org/officeDocument/2006/relationships" xmlns:p="http://schemas.openxmlformats.org/presentationml/2006/main">
+  <p:cSld>
+    <p:spTree>
+      <p:nvGrpSpPr>
+        <p:cNvPr id="1" name=""/>
+        <p:cNvGrpSpPr/>
+        <p:nvPr/>
+      </p:nvGrpSpPr>
+      <p:grpSpPr>
+        <a:xfrm>
+          <a:off x="0" y="0"/>
+          <a:ext cx="0" cy="0"/>
+          <a:chOff x="0" y="0"/>
+          <a:chExt cx="0" cy="0"/>
+        </a:xfrm>
+      </p:grpSpPr>
+      <p:sp>
+        <p:nvSpPr>
+          <p:cNvPr id="2" name="Title 1"/>
+          <p:cNvSpPr>
+            <a:spLocks noGrp="1"/>
+          </p:cNvSpPr>
+          <p:nvPr>
+            <p:ph type="title"/>
+          </p:nvPr>
+        </p:nvSpPr>
+        <p:spPr/>
+        <p:txBody>
+          <a:bodyPr/>
+          <a:lstStyle/>
+          <a:p>
+            <a:r>
+              <a:rPr lang="en-US" dirty="0" smtClean="0"/>
+              <a:t>Cache manifest</a:t>
+            </a:r>
+            <a:endParaRPr lang="en-US" dirty="0"/>
+          </a:p>
+        </p:txBody>
+      </p:sp>
+      <p:sp>
+        <p:nvSpPr>
+          <p:cNvPr id="3" name="Content Placeholder 2"/>
+          <p:cNvSpPr>
+            <a:spLocks noGrp="1"/>
+          </p:cNvSpPr>
+          <p:nvPr>
+            <p:ph sz="quarter" idx="10"/>
+          </p:nvPr>
+        </p:nvSpPr>
+        <p:spPr/>
+        <p:txBody>
+          <a:bodyPr/>
+          <a:lstStyle/>
+          <a:p>
+            <a:r>
+              <a:rPr lang="en-US" dirty="0" smtClean="0"/>
+              <a:t>HTML5 specification</a:t>
+            </a:r>
+          </a:p>
+          <a:p>
+            <a:r>
+              <a:rPr lang="en-US" dirty="0" smtClean="0"/>
+              <a:t>One manifest file per page</a:t>
+            </a:r>
+          </a:p>
+          <a:p>
+            <a:pPr lvl="1"/>
+            <a:r>
+              <a:rPr lang="en-US" dirty="0" smtClean="0"/>
+              <a:t>Can point multiple pages at the same manifest</a:t>
+            </a:r>
+          </a:p>
+          <a:p>
+            <a:r>
+              <a:rPr lang="en-US" dirty="0" smtClean="0"/>
+              <a:t>Simple text file</a:t>
+            </a:r>
+            <a:endParaRPr lang="en-US" dirty="0"/>
+          </a:p>
+        </p:txBody>
+      </p:sp>
+    </p:spTree>
+    <p:extLst>
+      <p:ext uri="{BB962C8B-B14F-4D97-AF65-F5344CB8AC3E}">
+        <p14:creationId xmlns:p14="http://schemas.microsoft.com/office/powerpoint/2010/main" val="3269870540"/>
+      </p:ext>
+    </p:extLst>
+  </p:cSld>
+  <p:clrMapOvr>
+    <a:masterClrMapping/>
+  </p:clrMapOvr>
+  <p:timing>
+    <p:tnLst>
+      <p:par>
+        <p:cTn id="1" dur="indefinite" restart="never" nodeType="tmRoot"/>
+      </p:par>
+    </p:tnLst>
+  </p:timing>
+</p:sld>
+</file>
+
+<file path=ppt/slides/slide15.xml><?xml version="1.0" encoding="utf-8"?>
+<p:sld xmlns:a="http://schemas.openxmlformats.org/drawingml/2006/main" xmlns:r="http://schemas.openxmlformats.org/officeDocument/2006/relationships" xmlns:p="http://schemas.openxmlformats.org/presentationml/2006/main">
+  <p:cSld>
+    <p:spTree>
+      <p:nvGrpSpPr>
+        <p:cNvPr id="1" name=""/>
+        <p:cNvGrpSpPr/>
+        <p:nvPr/>
+      </p:nvGrpSpPr>
+      <p:grpSpPr>
+        <a:xfrm>
+          <a:off x="0" y="0"/>
+          <a:ext cx="0" cy="0"/>
+          <a:chOff x="0" y="0"/>
+          <a:chExt cx="0" cy="0"/>
+        </a:xfrm>
+      </p:grpSpPr>
+      <p:sp>
+        <p:nvSpPr>
+          <p:cNvPr id="2" name="Title 1"/>
+          <p:cNvSpPr>
+            <a:spLocks noGrp="1"/>
+          </p:cNvSpPr>
+          <p:nvPr>
+            <p:ph type="title"/>
+          </p:nvPr>
+        </p:nvSpPr>
+        <p:spPr/>
+        <p:txBody>
+          <a:bodyPr/>
+          <a:lstStyle/>
+          <a:p>
+            <a:r>
+              <a:rPr lang="en-US" dirty="0" smtClean="0"/>
+              <a:t>Manifest structure</a:t>
+            </a:r>
+            <a:endParaRPr lang="en-US" dirty="0"/>
+          </a:p>
+        </p:txBody>
+      </p:sp>
+      <p:sp>
+        <p:nvSpPr>
+          <p:cNvPr id="3" name="Content Placeholder 2"/>
+          <p:cNvSpPr>
+            <a:spLocks noGrp="1"/>
+          </p:cNvSpPr>
+          <p:nvPr>
+            <p:ph sz="quarter" idx="10"/>
+          </p:nvPr>
+        </p:nvSpPr>
+        <p:spPr/>
+        <p:txBody>
+          <a:bodyPr>
+            <a:normAutofit fontScale="92500" lnSpcReduction="10000"/>
+          </a:bodyPr>
+          <a:lstStyle/>
+          <a:p>
+            <a:pPr marL="0" indent="0">
+              <a:buNone/>
+            </a:pPr>
+            <a:r>
+              <a:rPr lang="en-US" dirty="0" smtClean="0">
+                <a:latin typeface="Consolas" panose="020B0609020204030204" pitchFamily="49" charset="0"/>
+                <a:cs typeface="Consolas" panose="020B0609020204030204" pitchFamily="49" charset="0"/>
+              </a:rPr>
+              <a:t>CACHE MANIFEST</a:t>
+            </a:r>
+          </a:p>
+          <a:p>
+            <a:pPr marL="0" indent="0">
+              <a:buNone/>
+            </a:pPr>
+            <a:r>
+              <a:rPr lang="en-US" dirty="0" smtClean="0">
+                <a:latin typeface="Consolas" panose="020B0609020204030204" pitchFamily="49" charset="0"/>
+                <a:cs typeface="Consolas" panose="020B0609020204030204" pitchFamily="49" charset="0"/>
+              </a:rPr>
+              <a:t>#This is a comment.</a:t>
+            </a:r>
+          </a:p>
+          <a:p>
+            <a:pPr marL="0" indent="0">
+              <a:buNone/>
+            </a:pPr>
+            <a:r>
+              <a:rPr lang="en-US" dirty="0" smtClean="0">
+                <a:latin typeface="Consolas" panose="020B0609020204030204" pitchFamily="49" charset="0"/>
+                <a:cs typeface="Consolas" panose="020B0609020204030204" pitchFamily="49" charset="0"/>
+              </a:rPr>
+              <a:t>#CACHE MANIFEST is required</a:t>
+            </a:r>
+          </a:p>
+          <a:p>
+            <a:pPr marL="0" indent="0">
+              <a:buNone/>
+            </a:pPr>
+            <a:endParaRPr lang="en-US" dirty="0" smtClean="0">
+              <a:latin typeface="Consolas" panose="020B0609020204030204" pitchFamily="49" charset="0"/>
+              <a:cs typeface="Consolas" panose="020B0609020204030204" pitchFamily="49" charset="0"/>
+            </a:endParaRPr>
+          </a:p>
+          <a:p>
+            <a:pPr marL="0" indent="0">
+              <a:buNone/>
+            </a:pPr>
+            <a:r>
+              <a:rPr lang="en-US" dirty="0" smtClean="0">
+                <a:latin typeface="Consolas" panose="020B0609020204030204" pitchFamily="49" charset="0"/>
+                <a:cs typeface="Consolas" panose="020B0609020204030204" pitchFamily="49" charset="0"/>
+              </a:rPr>
+              <a:t>NETWORK:</a:t>
+            </a:r>
+          </a:p>
+          <a:p>
+            <a:pPr marL="0" indent="0">
+              <a:buNone/>
+            </a:pPr>
+            <a:endParaRPr lang="en-US" dirty="0" smtClean="0">
+              <a:latin typeface="Consolas" panose="020B0609020204030204" pitchFamily="49" charset="0"/>
+              <a:cs typeface="Consolas" panose="020B0609020204030204" pitchFamily="49" charset="0"/>
+            </a:endParaRPr>
+          </a:p>
+          <a:p>
+            <a:pPr marL="0" indent="0">
+              <a:buNone/>
+            </a:pPr>
+            <a:r>
+              <a:rPr lang="en-US" dirty="0" smtClean="0">
+                <a:latin typeface="Consolas" panose="020B0609020204030204" pitchFamily="49" charset="0"/>
+                <a:cs typeface="Consolas" panose="020B0609020204030204" pitchFamily="49" charset="0"/>
+              </a:rPr>
+              <a:t>CACHE:</a:t>
+            </a:r>
+          </a:p>
+          <a:p>
+            <a:pPr marL="0" indent="0">
+              <a:buNone/>
+            </a:pPr>
+            <a:endParaRPr lang="en-US" dirty="0" smtClean="0">
+              <a:latin typeface="Consolas" panose="020B0609020204030204" pitchFamily="49" charset="0"/>
+              <a:cs typeface="Consolas" panose="020B0609020204030204" pitchFamily="49" charset="0"/>
+            </a:endParaRPr>
+          </a:p>
+          <a:p>
+            <a:pPr marL="0" indent="0">
+              <a:buNone/>
+            </a:pPr>
+            <a:r>
+              <a:rPr lang="en-US" dirty="0" smtClean="0">
+                <a:latin typeface="Consolas" panose="020B0609020204030204" pitchFamily="49" charset="0"/>
+                <a:cs typeface="Consolas" panose="020B0609020204030204" pitchFamily="49" charset="0"/>
+              </a:rPr>
+              <a:t>FALLBACK:</a:t>
+            </a:r>
+          </a:p>
+        </p:txBody>
+      </p:sp>
+      <p:sp>
+        <p:nvSpPr>
+          <p:cNvPr id="4" name="Rounded Rectangle 3"/>
+          <p:cNvSpPr/>
+          <p:nvPr/>
+        </p:nvSpPr>
+        <p:spPr>
+          <a:xfrm>
+            <a:off x="3406140" y="3679090"/>
+            <a:ext cx="4560570" cy="708660"/>
+          </a:xfrm>
+          <a:prstGeom prst="roundRect">
+            <a:avLst/>
+          </a:prstGeom>
+        </p:spPr>
+        <p:style>
+          <a:lnRef idx="1">
+            <a:schemeClr val="accent6"/>
+          </a:lnRef>
+          <a:fillRef idx="2">
+            <a:schemeClr val="accent6"/>
+          </a:fillRef>
+          <a:effectRef idx="1">
+            <a:schemeClr val="accent6"/>
+          </a:effectRef>
+          <a:fontRef idx="minor">
+            <a:schemeClr val="dk1"/>
+          </a:fontRef>
+        </p:style>
+        <p:txBody>
+          <a:bodyPr rtlCol="0" anchor="ctr"/>
+          <a:lstStyle/>
+          <a:p>
+            <a:pPr algn="ctr"/>
+            <a:r>
+              <a:rPr lang="en-US" sz="2400" dirty="0" smtClean="0"/>
+              <a:t>Files requiring server access</a:t>
+            </a:r>
+            <a:endParaRPr lang="en-US" sz="2400" dirty="0"/>
+          </a:p>
+        </p:txBody>
+      </p:sp>
+      <p:sp>
+        <p:nvSpPr>
+          <p:cNvPr id="5" name="Rounded Rectangle 4"/>
+          <p:cNvSpPr/>
+          <p:nvPr/>
+        </p:nvSpPr>
+        <p:spPr>
+          <a:xfrm>
+            <a:off x="3406140" y="4824522"/>
+            <a:ext cx="4560570" cy="708660"/>
+          </a:xfrm>
+          <a:prstGeom prst="roundRect">
+            <a:avLst/>
+          </a:prstGeom>
+        </p:spPr>
+        <p:style>
+          <a:lnRef idx="1">
+            <a:schemeClr val="accent3"/>
+          </a:lnRef>
+          <a:fillRef idx="2">
+            <a:schemeClr val="accent3"/>
+          </a:fillRef>
+          <a:effectRef idx="1">
+            <a:schemeClr val="accent3"/>
+          </a:effectRef>
+          <a:fontRef idx="minor">
+            <a:schemeClr val="dk1"/>
+          </a:fontRef>
+        </p:style>
+        <p:txBody>
+          <a:bodyPr rtlCol="0" anchor="ctr"/>
+          <a:lstStyle/>
+          <a:p>
+            <a:pPr algn="ctr"/>
+            <a:r>
+              <a:rPr lang="en-US" sz="2400" dirty="0" smtClean="0"/>
+              <a:t>Files to be downloaded</a:t>
+            </a:r>
+            <a:endParaRPr lang="en-US" sz="2400" dirty="0"/>
+          </a:p>
+        </p:txBody>
+      </p:sp>
+      <p:sp>
+        <p:nvSpPr>
+          <p:cNvPr id="6" name="Rounded Rectangle 5"/>
+          <p:cNvSpPr/>
+          <p:nvPr/>
+        </p:nvSpPr>
+        <p:spPr>
+          <a:xfrm>
+            <a:off x="3406140" y="5894654"/>
+            <a:ext cx="4560570" cy="708660"/>
+          </a:xfrm>
+          <a:prstGeom prst="roundRect">
+            <a:avLst/>
+          </a:prstGeom>
+        </p:spPr>
+        <p:style>
+          <a:lnRef idx="1">
+            <a:schemeClr val="accent2"/>
+          </a:lnRef>
+          <a:fillRef idx="2">
+            <a:schemeClr val="accent2"/>
+          </a:fillRef>
+          <a:effectRef idx="1">
+            <a:schemeClr val="accent2"/>
+          </a:effectRef>
+          <a:fontRef idx="minor">
+            <a:schemeClr val="dk1"/>
+          </a:fontRef>
+        </p:style>
+        <p:txBody>
+          <a:bodyPr rtlCol="0" anchor="ctr"/>
+          <a:lstStyle/>
+          <a:p>
+            <a:pPr algn="ctr"/>
+            <a:r>
+              <a:rPr lang="en-US" sz="2400" dirty="0" smtClean="0"/>
+              <a:t>Files to use if server access is lost</a:t>
+            </a:r>
+            <a:endParaRPr lang="en-US" sz="2400" dirty="0"/>
+          </a:p>
+        </p:txBody>
+      </p:sp>
+    </p:spTree>
+    <p:extLst>
+      <p:ext uri="{BB962C8B-B14F-4D97-AF65-F5344CB8AC3E}">
+        <p14:creationId xmlns:p14="http://schemas.microsoft.com/office/powerpoint/2010/main" val="2959695429"/>
+      </p:ext>
+    </p:extLst>
+  </p:cSld>
+  <p:clrMapOvr>
+    <a:masterClrMapping/>
+  </p:clrMapOvr>
+  <p:timing>
+    <p:tnLst>
+      <p:par>
+        <p:cTn id="1" dur="indefinite" restart="never" nodeType="tmRoot">
+          <p:childTnLst>
+            <p:seq concurrent="1" nextAc="seek">
+              <p:cTn id="2" dur="indefinite" nodeType="mainSeq">
+                <p:childTnLst>
+                  <p:par>
+                    <p:cTn id="3" fill="hold">
+                      <p:stCondLst>
+                        <p:cond delay="indefinite"/>
+                      </p:stCondLst>
+                      <p:childTnLst>
+                        <p:par>
+                          <p:cTn id="4" fill="hold">
+                            <p:stCondLst>
+                              <p:cond delay="0"/>
+                            </p:stCondLst>
+                            <p:childTnLst>
+                              <p:par>
+                                <p:cTn id="5" presetID="10" presetClass="entr" presetSubtype="0" fill="hold" nodeType="clickEffect">
+                                  <p:stCondLst>
+                                    <p:cond delay="0"/>
+                                  </p:stCondLst>
+                                  <p:childTnLst>
+                                    <p:set>
+                                      <p:cBhvr>
+                                        <p:cTn id="6" dur="1" fill="hold">
+                                          <p:stCondLst>
+                                            <p:cond delay="0"/>
+                                          </p:stCondLst>
+                                        </p:cTn>
+                                        <p:tgtEl>
+                                          <p:spTgt spid="3">
+                                            <p:txEl>
+                                              <p:pRg st="4" end="4"/>
+                                            </p:txEl>
+                                          </p:spTgt>
+                                        </p:tgtEl>
+                                        <p:attrNameLst>
+                                          <p:attrName>style.visibility</p:attrName>
+                                        </p:attrNameLst>
+                                      </p:cBhvr>
+                                      <p:to>
+                                        <p:strVal val="visible"/>
+                                      </p:to>
+                                    </p:set>
+                                    <p:animEffect transition="in" filter="fade">
+                                      <p:cBhvr>
+                                        <p:cTn id="7" dur="500"/>
+                                        <p:tgtEl>
+                                          <p:spTgt spid="3">
+                                            <p:txEl>
+                                              <p:pRg st="4" end="4"/>
+                                            </p:txEl>
+                                          </p:spTgt>
+                                        </p:tgtEl>
+                                      </p:cBhvr>
+                                    </p:animEffect>
+                                  </p:childTnLst>
+                                </p:cTn>
+                              </p:par>
+                              <p:par>
+                                <p:cTn id="8" presetID="10" presetClass="entr" presetSubtype="0" fill="hold" grpId="0" nodeType="withEffect">
+                                  <p:stCondLst>
+                                    <p:cond delay="0"/>
+                                  </p:stCondLst>
+                                  <p:childTnLst>
+                                    <p:set>
+                                      <p:cBhvr>
+                                        <p:cTn id="9" dur="1" fill="hold">
+                                          <p:stCondLst>
+                                            <p:cond delay="0"/>
+                                          </p:stCondLst>
+                                        </p:cTn>
+                                        <p:tgtEl>
+                                          <p:spTgt spid="4"/>
+                                        </p:tgtEl>
+                                        <p:attrNameLst>
+                                          <p:attrName>style.visibility</p:attrName>
+                                        </p:attrNameLst>
+                                      </p:cBhvr>
+                                      <p:to>
+                                        <p:strVal val="visible"/>
+                                      </p:to>
+                                    </p:set>
+                                    <p:animEffect transition="in" filter="fade">
+                                      <p:cBhvr>
+                                        <p:cTn id="10" dur="500"/>
+                                        <p:tgtEl>
+                                          <p:spTgt spid="4"/>
+                                        </p:tgtEl>
+                                      </p:cBhvr>
+                                    </p:animEffect>
+                                  </p:childTnLst>
+                                </p:cTn>
+                              </p:par>
+                            </p:childTnLst>
+                          </p:cTn>
+                        </p:par>
+                      </p:childTnLst>
+                    </p:cTn>
+                  </p:par>
+                  <p:par>
+                    <p:cTn id="11" fill="hold">
+                      <p:stCondLst>
+                        <p:cond delay="indefinite"/>
+                      </p:stCondLst>
+                      <p:childTnLst>
+                        <p:par>
+                          <p:cTn id="12" fill="hold">
+                            <p:stCondLst>
+                              <p:cond delay="0"/>
+                            </p:stCondLst>
+                            <p:childTnLst>
+                              <p:par>
+                                <p:cTn id="13" presetID="10" presetClass="entr" presetSubtype="0" fill="hold" nodeType="clickEffect">
+                                  <p:stCondLst>
+                                    <p:cond delay="0"/>
+                                  </p:stCondLst>
+                                  <p:childTnLst>
+                                    <p:set>
+                                      <p:cBhvr>
+                                        <p:cTn id="14" dur="1" fill="hold">
+                                          <p:stCondLst>
+                                            <p:cond delay="0"/>
+                                          </p:stCondLst>
+                                        </p:cTn>
+                                        <p:tgtEl>
+                                          <p:spTgt spid="3">
+                                            <p:txEl>
+                                              <p:pRg st="6" end="6"/>
+                                            </p:txEl>
+                                          </p:spTgt>
+                                        </p:tgtEl>
+                                        <p:attrNameLst>
+                                          <p:attrName>style.visibility</p:attrName>
+                                        </p:attrNameLst>
+                                      </p:cBhvr>
+                                      <p:to>
+                                        <p:strVal val="visible"/>
+                                      </p:to>
+                                    </p:set>
+                                    <p:animEffect transition="in" filter="fade">
+                                      <p:cBhvr>
+                                        <p:cTn id="15" dur="500"/>
+                                        <p:tgtEl>
+                                          <p:spTgt spid="3">
+                                            <p:txEl>
+                                              <p:pRg st="6" end="6"/>
+                                            </p:txEl>
+                                          </p:spTgt>
+                                        </p:tgtEl>
+                                      </p:cBhvr>
+                                    </p:animEffect>
+                                  </p:childTnLst>
+                                </p:cTn>
+                              </p:par>
+                              <p:par>
+                                <p:cTn id="16" presetID="10" presetClass="entr" presetSubtype="0" fill="hold" grpId="0" nodeType="withEffect">
+                                  <p:stCondLst>
+                                    <p:cond delay="0"/>
+                                  </p:stCondLst>
+                                  <p:childTnLst>
+                                    <p:set>
+                                      <p:cBhvr>
+                                        <p:cTn id="17" dur="1" fill="hold">
+                                          <p:stCondLst>
+                                            <p:cond delay="0"/>
+                                          </p:stCondLst>
+                                        </p:cTn>
+                                        <p:tgtEl>
+                                          <p:spTgt spid="5"/>
+                                        </p:tgtEl>
+                                        <p:attrNameLst>
+                                          <p:attrName>style.visibility</p:attrName>
+                                        </p:attrNameLst>
+                                      </p:cBhvr>
+                                      <p:to>
+                                        <p:strVal val="visible"/>
+                                      </p:to>
+                                    </p:set>
+                                    <p:animEffect transition="in" filter="fade">
+                                      <p:cBhvr>
+                                        <p:cTn id="18" dur="500"/>
+                                        <p:tgtEl>
+                                          <p:spTgt spid="5"/>
+                                        </p:tgtEl>
+                                      </p:cBhvr>
+                                    </p:animEffect>
+                                  </p:childTnLst>
+                                </p:cTn>
+                              </p:par>
+                            </p:childTnLst>
+                          </p:cTn>
+                        </p:par>
+                      </p:childTnLst>
+                    </p:cTn>
+                  </p:par>
+                  <p:par>
+                    <p:cTn id="19" fill="hold">
+                      <p:stCondLst>
+                        <p:cond delay="indefinite"/>
+                      </p:stCondLst>
+                      <p:childTnLst>
+                        <p:par>
+                          <p:cTn id="20" fill="hold">
+                            <p:stCondLst>
+                              <p:cond delay="0"/>
+                            </p:stCondLst>
+                            <p:childTnLst>
+                              <p:par>
+                                <p:cTn id="21" presetID="10" presetClass="entr" presetSubtype="0" fill="hold" nodeType="clickEffect">
+                                  <p:stCondLst>
+                                    <p:cond delay="0"/>
+                                  </p:stCondLst>
+                                  <p:childTnLst>
+                                    <p:set>
+                                      <p:cBhvr>
+                                        <p:cTn id="22" dur="1" fill="hold">
+                                          <p:stCondLst>
+                                            <p:cond delay="0"/>
+                                          </p:stCondLst>
+                                        </p:cTn>
+                                        <p:tgtEl>
+                                          <p:spTgt spid="3">
+                                            <p:txEl>
+                                              <p:pRg st="8" end="8"/>
+                                            </p:txEl>
+                                          </p:spTgt>
+                                        </p:tgtEl>
+                                        <p:attrNameLst>
+                                          <p:attrName>style.visibility</p:attrName>
+                                        </p:attrNameLst>
+                                      </p:cBhvr>
+                                      <p:to>
+                                        <p:strVal val="visible"/>
+                                      </p:to>
+                                    </p:set>
+                                    <p:animEffect transition="in" filter="fade">
+                                      <p:cBhvr>
+                                        <p:cTn id="23" dur="500"/>
+                                        <p:tgtEl>
+                                          <p:spTgt spid="3">
+                                            <p:txEl>
+                                              <p:pRg st="8" end="8"/>
+                                            </p:txEl>
+                                          </p:spTgt>
+                                        </p:tgtEl>
+                                      </p:cBhvr>
+                                    </p:animEffect>
+                                  </p:childTnLst>
+                                </p:cTn>
+                              </p:par>
+                              <p:par>
+                                <p:cTn id="24" presetID="10" presetClass="entr" presetSubtype="0" fill="hold" grpId="0" nodeType="withEffect">
+                                  <p:stCondLst>
+                                    <p:cond delay="0"/>
+                                  </p:stCondLst>
+                                  <p:childTnLst>
+                                    <p:set>
+                                      <p:cBhvr>
+                                        <p:cTn id="25" dur="1" fill="hold">
+                                          <p:stCondLst>
+                                            <p:cond delay="0"/>
+                                          </p:stCondLst>
+                                        </p:cTn>
+                                        <p:tgtEl>
+                                          <p:spTgt spid="6"/>
+                                        </p:tgtEl>
+                                        <p:attrNameLst>
+                                          <p:attrName>style.visibility</p:attrName>
+                                        </p:attrNameLst>
+                                      </p:cBhvr>
+                                      <p:to>
+                                        <p:strVal val="visible"/>
+                                      </p:to>
+                                    </p:set>
+                                    <p:animEffect transition="in" filter="fade">
+                                      <p:cBhvr>
+                                        <p:cTn id="26" dur="500"/>
+                                        <p:tgtEl>
+                                          <p:spTgt spid="6"/>
+                                        </p:tgtEl>
+                                      </p:cBhvr>
+                                    </p:animEffect>
+                                  </p:childTnLst>
+                                </p:cTn>
+                              </p:par>
+                            </p:childTnLst>
+                          </p:cTn>
+                        </p:par>
+                      </p:childTnLst>
+                    </p:cTn>
+                  </p:par>
+                </p:childTnLst>
+              </p:cTn>
+              <p:prevCondLst>
+                <p:cond evt="onPrev" delay="0">
+                  <p:tgtEl>
+                    <p:sldTgt/>
+                  </p:tgtEl>
+                </p:cond>
+              </p:prevCondLst>
+              <p:nextCondLst>
+                <p:cond evt="onNext" delay="0">
+                  <p:tgtEl>
+                    <p:sldTgt/>
+                  </p:tgtEl>
+                </p:cond>
+              </p:nextCondLst>
+            </p:seq>
+          </p:childTnLst>
+        </p:cTn>
+      </p:par>
+    </p:tnLst>
+    <p:bldLst>
+      <p:bldP spid="4" grpId="0" animBg="1"/>
+      <p:bldP spid="5" grpId="0" animBg="1"/>
+      <p:bldP spid="6" grpId="0" animBg="1"/>
+    </p:bldLst>
+  </p:timing>
+</p:sld>
+</file>
+
+<file path=ppt/slides/slide16.xml><?xml version="1.0" encoding="utf-8"?>
+<p:sld xmlns:a="http://schemas.openxmlformats.org/drawingml/2006/main" xmlns:r="http://schemas.openxmlformats.org/officeDocument/2006/relationships" xmlns:p="http://schemas.openxmlformats.org/presentationml/2006/main">
+  <p:cSld>
+    <p:spTree>
+      <p:nvGrpSpPr>
+        <p:cNvPr id="1" name=""/>
+        <p:cNvGrpSpPr/>
+        <p:nvPr/>
+      </p:nvGrpSpPr>
+      <p:grpSpPr>
+        <a:xfrm>
+          <a:off x="0" y="0"/>
+          <a:ext cx="0" cy="0"/>
+          <a:chOff x="0" y="0"/>
+          <a:chExt cx="0" cy="0"/>
+        </a:xfrm>
+      </p:grpSpPr>
+      <p:sp>
+        <p:nvSpPr>
+          <p:cNvPr id="2" name="Title 1"/>
+          <p:cNvSpPr>
+            <a:spLocks noGrp="1"/>
+          </p:cNvSpPr>
+          <p:nvPr>
+            <p:ph type="title"/>
+          </p:nvPr>
+        </p:nvSpPr>
+        <p:spPr/>
+        <p:txBody>
+          <a:bodyPr/>
+          <a:lstStyle/>
+          <a:p>
+            <a:r>
+              <a:rPr lang="en-US" dirty="0" smtClean="0"/>
+              <a:t>Manifest versioning</a:t>
+            </a:r>
+            <a:endParaRPr lang="en-US" dirty="0"/>
+          </a:p>
+        </p:txBody>
+      </p:sp>
+      <p:sp>
+        <p:nvSpPr>
+          <p:cNvPr id="3" name="Content Placeholder 2"/>
+          <p:cNvSpPr>
+            <a:spLocks noGrp="1"/>
+          </p:cNvSpPr>
+          <p:nvPr>
+            <p:ph sz="quarter" idx="10"/>
+          </p:nvPr>
+        </p:nvSpPr>
+        <p:spPr/>
+        <p:txBody>
+          <a:bodyPr/>
+          <a:lstStyle/>
+          <a:p>
+            <a:r>
+              <a:rPr lang="en-US" dirty="0" smtClean="0"/>
+              <a:t>Once you tell a browser to cache a file, that's what it's going to do</a:t>
+            </a:r>
+          </a:p>
+          <a:p>
+            <a:pPr lvl="1"/>
+            <a:r>
+              <a:rPr lang="en-US" dirty="0" smtClean="0"/>
+              <a:t>Browsers don't like to delete items from cache</a:t>
+            </a:r>
+          </a:p>
+          <a:p>
+            <a:pPr lvl="1"/>
+            <a:r>
+              <a:rPr lang="en-US" dirty="0" smtClean="0"/>
+              <a:t>File changes may not appear</a:t>
+            </a:r>
+          </a:p>
+          <a:p>
+            <a:r>
+              <a:rPr lang="en-US" dirty="0" smtClean="0"/>
+              <a:t>Best practices</a:t>
+            </a:r>
+          </a:p>
+          <a:p>
+            <a:pPr lvl="1"/>
+            <a:r>
+              <a:rPr lang="en-US" dirty="0" smtClean="0"/>
+              <a:t>Cache static files</a:t>
+            </a:r>
+          </a:p>
+          <a:p>
+            <a:pPr lvl="1"/>
+            <a:r>
+              <a:rPr lang="en-US" dirty="0" smtClean="0"/>
+              <a:t>Add date time and version comments to the manifest</a:t>
+            </a:r>
+          </a:p>
+          <a:p>
+            <a:pPr lvl="2"/>
+            <a:r>
+              <a:rPr lang="en-US" dirty="0" smtClean="0"/>
+              <a:t>Changes to the manifest file cause a </a:t>
+            </a:r>
+            <a:r>
+              <a:rPr lang="en-US" dirty="0" err="1" smtClean="0"/>
+              <a:t>resync</a:t>
+            </a:r>
+            <a:endParaRPr lang="en-US" dirty="0" smtClean="0"/>
+          </a:p>
+          <a:p>
+            <a:pPr lvl="3"/>
+            <a:r>
+              <a:rPr lang="en-US" dirty="0" smtClean="0"/>
+              <a:t>Not a standard</a:t>
+            </a:r>
+          </a:p>
+        </p:txBody>
+      </p:sp>
+    </p:spTree>
+    <p:extLst>
+      <p:ext uri="{BB962C8B-B14F-4D97-AF65-F5344CB8AC3E}">
+        <p14:creationId xmlns:p14="http://schemas.microsoft.com/office/powerpoint/2010/main" val="493988325"/>
+      </p:ext>
+    </p:extLst>
+  </p:cSld>
+  <p:clrMapOvr>
+    <a:masterClrMapping/>
+  </p:clrMapOvr>
+  <p:timing>
+    <p:tnLst>
+      <p:par>
+        <p:cTn id="1" dur="indefinite" restart="never" nodeType="tmRoot"/>
+      </p:par>
+    </p:tnLst>
+  </p:timing>
+</p:sld>
+</file>
+
+<file path=ppt/slides/slide17.xml><?xml version="1.0" encoding="utf-8"?>
+<p:sld xmlns:a="http://schemas.openxmlformats.org/drawingml/2006/main" xmlns:r="http://schemas.openxmlformats.org/officeDocument/2006/relationships" xmlns:p="http://schemas.openxmlformats.org/presentationml/2006/main">
+  <p:cSld>
+    <p:spTree>
+      <p:nvGrpSpPr>
+        <p:cNvPr id="1" name=""/>
+        <p:cNvGrpSpPr/>
+        <p:nvPr/>
+      </p:nvGrpSpPr>
+      <p:grpSpPr>
+        <a:xfrm>
+          <a:off x="0" y="0"/>
+          <a:ext cx="0" cy="0"/>
+          <a:chOff x="0" y="0"/>
+          <a:chExt cx="0" cy="0"/>
+        </a:xfrm>
+      </p:grpSpPr>
+      <p:sp>
+        <p:nvSpPr>
+          <p:cNvPr id="2" name="Title 1"/>
+          <p:cNvSpPr>
+            <a:spLocks noGrp="1"/>
+          </p:cNvSpPr>
+          <p:nvPr>
+            <p:ph type="title"/>
+          </p:nvPr>
+        </p:nvSpPr>
+        <p:spPr/>
+        <p:txBody>
+          <a:bodyPr/>
+          <a:lstStyle/>
+          <a:p>
+            <a:r>
+              <a:rPr lang="en-US" dirty="0" smtClean="0"/>
+              <a:t>Forcing cache update</a:t>
+            </a:r>
+            <a:endParaRPr lang="en-US" dirty="0"/>
+          </a:p>
+        </p:txBody>
+      </p:sp>
+      <p:sp>
+        <p:nvSpPr>
+          <p:cNvPr id="3" name="Content Placeholder 2"/>
+          <p:cNvSpPr>
+            <a:spLocks noGrp="1"/>
+          </p:cNvSpPr>
+          <p:nvPr>
+            <p:ph sz="quarter" idx="10"/>
+          </p:nvPr>
+        </p:nvSpPr>
+        <p:spPr/>
+        <p:txBody>
+          <a:bodyPr/>
+          <a:lstStyle/>
+          <a:p>
+            <a:pPr marL="0" indent="0">
+              <a:buNone/>
+            </a:pPr>
+            <a:r>
+              <a:rPr lang="en-US" sz="2800" dirty="0" err="1" smtClean="0">
+                <a:solidFill>
+                  <a:schemeClr val="tx2">
+                    <a:lumMod val="75000"/>
+                  </a:schemeClr>
+                </a:solidFill>
+                <a:latin typeface="Consolas" panose="020B0609020204030204" pitchFamily="49" charset="0"/>
+                <a:cs typeface="Consolas" panose="020B0609020204030204" pitchFamily="49" charset="0"/>
+              </a:rPr>
+              <a:t>var</a:t>
+            </a:r>
+            <a:r>
+              <a:rPr lang="en-US" sz="2800" dirty="0" smtClean="0">
+                <a:latin typeface="Consolas" panose="020B0609020204030204" pitchFamily="49" charset="0"/>
+                <a:cs typeface="Consolas" panose="020B0609020204030204" pitchFamily="49" charset="0"/>
+              </a:rPr>
+              <a:t> cache = </a:t>
+            </a:r>
+            <a:r>
+              <a:rPr lang="en-US" sz="2800" dirty="0" err="1" smtClean="0">
+                <a:latin typeface="Consolas" panose="020B0609020204030204" pitchFamily="49" charset="0"/>
+                <a:cs typeface="Consolas" panose="020B0609020204030204" pitchFamily="49" charset="0"/>
+              </a:rPr>
+              <a:t>window.applicationCache</a:t>
+            </a:r>
+            <a:r>
+              <a:rPr lang="en-US" sz="2800" dirty="0" smtClean="0">
+                <a:latin typeface="Consolas" panose="020B0609020204030204" pitchFamily="49" charset="0"/>
+                <a:cs typeface="Consolas" panose="020B0609020204030204" pitchFamily="49" charset="0"/>
+              </a:rPr>
+              <a:t>;</a:t>
+            </a:r>
+          </a:p>
+          <a:p>
+            <a:pPr marL="0" indent="0">
+              <a:buNone/>
+            </a:pPr>
+            <a:endParaRPr lang="en-US" sz="2800" dirty="0" smtClean="0">
+              <a:latin typeface="Consolas" panose="020B0609020204030204" pitchFamily="49" charset="0"/>
+              <a:cs typeface="Consolas" panose="020B0609020204030204" pitchFamily="49" charset="0"/>
+            </a:endParaRPr>
+          </a:p>
+          <a:p>
+            <a:pPr marL="0" indent="0">
+              <a:buNone/>
+            </a:pPr>
+            <a:r>
+              <a:rPr lang="en-US" sz="2800" dirty="0" smtClean="0">
+                <a:solidFill>
+                  <a:srgbClr val="007233"/>
+                </a:solidFill>
+                <a:latin typeface="Consolas" panose="020B0609020204030204" pitchFamily="49" charset="0"/>
+                <a:cs typeface="Consolas" panose="020B0609020204030204" pitchFamily="49" charset="0"/>
+              </a:rPr>
+              <a:t>// force update</a:t>
+            </a:r>
+          </a:p>
+          <a:p>
+            <a:pPr marL="0" indent="0">
+              <a:buNone/>
+            </a:pPr>
+            <a:r>
+              <a:rPr lang="en-US" sz="2800" dirty="0" err="1" smtClean="0">
+                <a:latin typeface="Consolas" panose="020B0609020204030204" pitchFamily="49" charset="0"/>
+                <a:cs typeface="Consolas" panose="020B0609020204030204" pitchFamily="49" charset="0"/>
+              </a:rPr>
+              <a:t>cache.update</a:t>
+            </a:r>
+            <a:r>
+              <a:rPr lang="en-US" sz="2800" dirty="0" smtClean="0">
+                <a:latin typeface="Consolas" panose="020B0609020204030204" pitchFamily="49" charset="0"/>
+                <a:cs typeface="Consolas" panose="020B0609020204030204" pitchFamily="49" charset="0"/>
+              </a:rPr>
+              <a:t>();</a:t>
+            </a:r>
+          </a:p>
+          <a:p>
+            <a:pPr marL="0" indent="0">
+              <a:buNone/>
+            </a:pPr>
+            <a:endParaRPr lang="en-US" sz="2800" dirty="0" smtClean="0">
+              <a:latin typeface="Consolas" panose="020B0609020204030204" pitchFamily="49" charset="0"/>
+              <a:cs typeface="Consolas" panose="020B0609020204030204" pitchFamily="49" charset="0"/>
+            </a:endParaRPr>
+          </a:p>
+          <a:p>
+            <a:pPr marL="0" indent="0">
+              <a:buNone/>
+            </a:pPr>
+            <a:r>
+              <a:rPr lang="en-US" sz="2800" dirty="0">
+                <a:solidFill>
+                  <a:srgbClr val="007233"/>
+                </a:solidFill>
+                <a:latin typeface="Consolas" panose="020B0609020204030204" pitchFamily="49" charset="0"/>
+                <a:cs typeface="Consolas" panose="020B0609020204030204" pitchFamily="49" charset="0"/>
+              </a:rPr>
+              <a:t>// </a:t>
+            </a:r>
+            <a:r>
+              <a:rPr lang="en-US" sz="2800" dirty="0" smtClean="0">
+                <a:solidFill>
+                  <a:srgbClr val="007233"/>
+                </a:solidFill>
+                <a:latin typeface="Consolas" panose="020B0609020204030204" pitchFamily="49" charset="0"/>
+                <a:cs typeface="Consolas" panose="020B0609020204030204" pitchFamily="49" charset="0"/>
+              </a:rPr>
+              <a:t>once update is ready, apply changes</a:t>
+            </a:r>
+            <a:endParaRPr lang="en-US" sz="2800" dirty="0">
+              <a:solidFill>
+                <a:srgbClr val="007233"/>
+              </a:solidFill>
+              <a:latin typeface="Consolas" panose="020B0609020204030204" pitchFamily="49" charset="0"/>
+              <a:cs typeface="Consolas" panose="020B0609020204030204" pitchFamily="49" charset="0"/>
+            </a:endParaRPr>
+          </a:p>
+          <a:p>
+            <a:pPr marL="0" indent="0">
+              <a:buNone/>
+            </a:pPr>
+            <a:r>
+              <a:rPr lang="en-US" sz="2800" dirty="0" smtClean="0">
+                <a:latin typeface="Consolas" panose="020B0609020204030204" pitchFamily="49" charset="0"/>
+                <a:cs typeface="Consolas" panose="020B0609020204030204" pitchFamily="49" charset="0"/>
+              </a:rPr>
+              <a:t>if(</a:t>
+            </a:r>
+            <a:r>
+              <a:rPr lang="en-US" sz="2800" dirty="0" err="1" smtClean="0">
+                <a:latin typeface="Consolas" panose="020B0609020204030204" pitchFamily="49" charset="0"/>
+                <a:cs typeface="Consolas" panose="020B0609020204030204" pitchFamily="49" charset="0"/>
+              </a:rPr>
+              <a:t>cache.status</a:t>
+            </a:r>
+            <a:r>
+              <a:rPr lang="en-US" sz="2800" dirty="0" smtClean="0">
+                <a:latin typeface="Consolas" panose="020B0609020204030204" pitchFamily="49" charset="0"/>
+                <a:cs typeface="Consolas" panose="020B0609020204030204" pitchFamily="49" charset="0"/>
+              </a:rPr>
+              <a:t> == </a:t>
+            </a:r>
+            <a:r>
+              <a:rPr lang="en-US" sz="2800" dirty="0" err="1" smtClean="0">
+                <a:latin typeface="Consolas" panose="020B0609020204030204" pitchFamily="49" charset="0"/>
+                <a:cs typeface="Consolas" panose="020B0609020204030204" pitchFamily="49" charset="0"/>
+              </a:rPr>
+              <a:t>window.applicationCache.UPDATEREADY</a:t>
+            </a:r>
+            <a:r>
+              <a:rPr lang="en-US" sz="2800" dirty="0" smtClean="0">
+                <a:latin typeface="Consolas" panose="020B0609020204030204" pitchFamily="49" charset="0"/>
+                <a:cs typeface="Consolas" panose="020B0609020204030204" pitchFamily="49" charset="0"/>
+              </a:rPr>
+              <a:t>) </a:t>
+            </a:r>
+          </a:p>
+          <a:p>
+            <a:pPr marL="0" indent="0">
+              <a:buNone/>
+            </a:pPr>
+            <a:r>
+              <a:rPr lang="en-US" sz="2800" dirty="0">
+                <a:latin typeface="Consolas" panose="020B0609020204030204" pitchFamily="49" charset="0"/>
+                <a:cs typeface="Consolas" panose="020B0609020204030204" pitchFamily="49" charset="0"/>
+              </a:rPr>
+              <a:t> </a:t>
+            </a:r>
+            <a:r>
+              <a:rPr lang="en-US" sz="2800" dirty="0" smtClean="0">
+                <a:latin typeface="Consolas" panose="020B0609020204030204" pitchFamily="49" charset="0"/>
+                <a:cs typeface="Consolas" panose="020B0609020204030204" pitchFamily="49" charset="0"/>
+              </a:rPr>
+              <a:t>   </a:t>
+            </a:r>
+            <a:r>
+              <a:rPr lang="en-US" sz="2800" dirty="0" err="1" smtClean="0">
+                <a:latin typeface="Consolas" panose="020B0609020204030204" pitchFamily="49" charset="0"/>
+                <a:cs typeface="Consolas" panose="020B0609020204030204" pitchFamily="49" charset="0"/>
+              </a:rPr>
+              <a:t>cache.swapCache</a:t>
+            </a:r>
+            <a:r>
+              <a:rPr lang="en-US" sz="2800" dirty="0" smtClean="0">
+                <a:latin typeface="Consolas" panose="020B0609020204030204" pitchFamily="49" charset="0"/>
+                <a:cs typeface="Consolas" panose="020B0609020204030204" pitchFamily="49" charset="0"/>
+              </a:rPr>
+              <a:t>();</a:t>
+            </a:r>
+            <a:endParaRPr lang="en-US" sz="2800" dirty="0">
+              <a:latin typeface="Consolas" panose="020B0609020204030204" pitchFamily="49" charset="0"/>
+              <a:cs typeface="Consolas" panose="020B0609020204030204" pitchFamily="49" charset="0"/>
+            </a:endParaRPr>
+          </a:p>
+        </p:txBody>
+      </p:sp>
+    </p:spTree>
+    <p:extLst>
+      <p:ext uri="{BB962C8B-B14F-4D97-AF65-F5344CB8AC3E}">
+        <p14:creationId xmlns:p14="http://schemas.microsoft.com/office/powerpoint/2010/main" val="2154584048"/>
+      </p:ext>
+    </p:extLst>
+  </p:cSld>
+  <p:clrMapOvr>
+    <a:masterClrMapping/>
+  </p:clrMapOvr>
+  <p:timing>
+    <p:tnLst>
+      <p:par>
+        <p:cTn id="1" dur="indefinite" restart="never" nodeType="tmRoot"/>
+      </p:par>
+    </p:tnLst>
+  </p:timing>
+</p:sld>
+</file>
+
+<file path=ppt/slides/slide18.xml><?xml version="1.0" encoding="utf-8"?>
+<p:sld xmlns:a="http://schemas.openxmlformats.org/drawingml/2006/main" xmlns:r="http://schemas.openxmlformats.org/officeDocument/2006/relationships" xmlns:p="http://schemas.openxmlformats.org/presentationml/2006/main">
+  <p:cSld>
+    <p:spTree>
+      <p:nvGrpSpPr>
+        <p:cNvPr id="1" name=""/>
+        <p:cNvGrpSpPr/>
+        <p:nvPr/>
+      </p:nvGrpSpPr>
+      <p:grpSpPr>
+        <a:xfrm>
+          <a:off x="0" y="0"/>
+          <a:ext cx="0" cy="0"/>
+          <a:chOff x="0" y="0"/>
+          <a:chExt cx="0" cy="0"/>
+        </a:xfrm>
+      </p:grpSpPr>
+      <p:sp>
+        <p:nvSpPr>
+          <p:cNvPr id="4" name="Title 3"/>
+          <p:cNvSpPr>
+            <a:spLocks noGrp="1"/>
+          </p:cNvSpPr>
+          <p:nvPr>
+            <p:ph type="title"/>
+          </p:nvPr>
+        </p:nvSpPr>
+        <p:spPr/>
+        <p:txBody>
+          <a:bodyPr/>
+          <a:lstStyle/>
+          <a:p>
+            <a:r>
+              <a:rPr lang="en-US" dirty="0" smtClean="0"/>
+              <a:t>Cache manifest</a:t>
+            </a:r>
+            <a:endParaRPr lang="en-US" dirty="0"/>
+          </a:p>
+        </p:txBody>
+      </p:sp>
+    </p:spTree>
+    <p:extLst>
+      <p:ext uri="{BB962C8B-B14F-4D97-AF65-F5344CB8AC3E}">
+        <p14:creationId xmlns:p14="http://schemas.microsoft.com/office/powerpoint/2010/main" val="2052660534"/>
+      </p:ext>
+    </p:extLst>
+  </p:cSld>
+  <p:clrMapOvr>
+    <a:masterClrMapping/>
+  </p:clrMapOvr>
+  <p:timing>
+    <p:tnLst>
+      <p:par>
+        <p:cTn id="1" dur="indefinite" restart="never" nodeType="tmRoot"/>
+      </p:par>
+    </p:tnLst>
+  </p:timing>
+</p:sld>
+</file>
+
+<file path=ppt/slides/slide19.xml><?xml version="1.0" encoding="utf-8"?>
+<p:sld xmlns:a="http://schemas.openxmlformats.org/drawingml/2006/main" xmlns:r="http://schemas.openxmlformats.org/officeDocument/2006/relationships" xmlns:p="http://schemas.openxmlformats.org/presentationml/2006/main">
+  <p:cSld>
+    <p:spTree>
+      <p:nvGrpSpPr>
+        <p:cNvPr id="1" name=""/>
+        <p:cNvGrpSpPr/>
+        <p:nvPr/>
+      </p:nvGrpSpPr>
+      <p:grpSpPr>
+        <a:xfrm>
+          <a:off x="0" y="0"/>
+          <a:ext cx="0" cy="0"/>
+          <a:chOff x="0" y="0"/>
+          <a:chExt cx="0" cy="0"/>
+        </a:xfrm>
+      </p:grpSpPr>
+      <p:sp>
+        <p:nvSpPr>
+          <p:cNvPr id="2" name="Text Placeholder 1"/>
+          <p:cNvSpPr>
+            <a:spLocks noGrp="1"/>
+          </p:cNvSpPr>
+          <p:nvPr>
+            <p:ph type="body" sz="quarter" idx="10"/>
+          </p:nvPr>
+        </p:nvSpPr>
+        <p:spPr/>
+        <p:txBody>
+          <a:bodyPr/>
+          <a:lstStyle/>
+          <a:p>
+            <a:r>
+              <a:rPr lang="en-US" dirty="0" smtClean="0"/>
+              <a:t>Geography</a:t>
+            </a:r>
+            <a:endParaRPr lang="en-US" dirty="0"/>
+          </a:p>
+        </p:txBody>
+      </p:sp>
+      <p:sp>
+        <p:nvSpPr>
+          <p:cNvPr id="3" name="Subtitle 2"/>
+          <p:cNvSpPr>
+            <a:spLocks noGrp="1"/>
+          </p:cNvSpPr>
+          <p:nvPr>
+            <p:ph type="subTitle" idx="1"/>
+          </p:nvPr>
+        </p:nvSpPr>
+        <p:spPr/>
+        <p:txBody>
+          <a:bodyPr/>
+          <a:lstStyle/>
+          <a:p>
+            <a:endParaRPr lang="en-US"/>
+          </a:p>
+        </p:txBody>
+      </p:sp>
+    </p:spTree>
+    <p:extLst>
+      <p:ext uri="{BB962C8B-B14F-4D97-AF65-F5344CB8AC3E}">
+        <p14:creationId xmlns:p14="http://schemas.microsoft.com/office/powerpoint/2010/main" val="4243374243"/>
+      </p:ext>
+    </p:extLst>
+  </p:cSld>
+  <p:clrMapOvr>
+    <a:masterClrMapping/>
+  </p:clrMapOvr>
+  <p:timing>
+    <p:tnLst>
+      <p:par>
+        <p:cTn id="1" dur="indefinite" restart="never" nodeType="tmRoot"/>
+      </p:par>
+    </p:tnLst>
+  </p:timing>
 </p:sld>
 </file>
 
@@ -6820,14 +8461,14 @@
                 <a:gridCol w="5762625">
                   <a:extLst>
                     <a:ext uri="{9D8B030D-6E8A-4147-A177-3AD203B41FA5}">
-                      <a16:colId xmlns="" xmlns:a16="http://schemas.microsoft.com/office/drawing/2014/main" val="1632794655"/>
+                      <a16:colId xmlns:a16="http://schemas.microsoft.com/office/drawing/2014/main" xmlns="" val="1632794655"/>
                     </a:ext>
                   </a:extLst>
                 </a:gridCol>
                 <a:gridCol w="5762625">
                   <a:extLst>
                     <a:ext uri="{9D8B030D-6E8A-4147-A177-3AD203B41FA5}">
-                      <a16:colId xmlns="" xmlns:a16="http://schemas.microsoft.com/office/drawing/2014/main" val="2011313899"/>
+                      <a16:colId xmlns:a16="http://schemas.microsoft.com/office/drawing/2014/main" xmlns="" val="2011313899"/>
                     </a:ext>
                   </a:extLst>
                 </a:gridCol>
@@ -6865,7 +8506,7 @@
                 </a:tc>
                 <a:extLst>
                   <a:ext uri="{0D108BD9-81ED-4DB2-BD59-A6C34878D82A}">
-                    <a16:rowId xmlns="" xmlns:a16="http://schemas.microsoft.com/office/drawing/2014/main" val="1789177411"/>
+                    <a16:rowId xmlns:a16="http://schemas.microsoft.com/office/drawing/2014/main" xmlns="" val="1789177411"/>
                   </a:ext>
                 </a:extLst>
               </a:tr>
@@ -6926,7 +8567,7 @@
                 </a:tc>
                 <a:extLst>
                   <a:ext uri="{0D108BD9-81ED-4DB2-BD59-A6C34878D82A}">
-                    <a16:rowId xmlns="" xmlns:a16="http://schemas.microsoft.com/office/drawing/2014/main" val="3842815335"/>
+                    <a16:rowId xmlns:a16="http://schemas.microsoft.com/office/drawing/2014/main" xmlns="" val="3842815335"/>
                   </a:ext>
                 </a:extLst>
               </a:tr>
@@ -6973,7 +8614,7 @@
                 </a:tc>
                 <a:extLst>
                   <a:ext uri="{0D108BD9-81ED-4DB2-BD59-A6C34878D82A}">
-                    <a16:rowId xmlns="" xmlns:a16="http://schemas.microsoft.com/office/drawing/2014/main" val="321066646"/>
+                    <a16:rowId xmlns:a16="http://schemas.microsoft.com/office/drawing/2014/main" xmlns="" val="321066646"/>
                   </a:ext>
                 </a:extLst>
               </a:tr>
@@ -7044,7 +8685,7 @@
                 </a:tc>
                 <a:extLst>
                   <a:ext uri="{0D108BD9-81ED-4DB2-BD59-A6C34878D82A}">
-                    <a16:rowId xmlns="" xmlns:a16="http://schemas.microsoft.com/office/drawing/2014/main" val="3812060533"/>
+                    <a16:rowId xmlns:a16="http://schemas.microsoft.com/office/drawing/2014/main" xmlns="" val="3812060533"/>
                   </a:ext>
                 </a:extLst>
               </a:tr>
@@ -7076,21 +8717,7 @@
                           <a:latin typeface="Segoe UI Light" panose="020B0502040204020203" pitchFamily="34" charset="0"/>
                           <a:cs typeface="Segoe UI Light" panose="020B0502040204020203" pitchFamily="34" charset="0"/>
                         </a:rPr>
-                        <a:t>04 | Setting </a:t>
-                      </a:r>
-                      <a:r>
-                        <a:rPr lang="en-US" sz="2400" dirty="0" smtClean="0">
-                          <a:latin typeface="Segoe UI Light" panose="020B0502040204020203" pitchFamily="34" charset="0"/>
-                          <a:cs typeface="Segoe UI Light" panose="020B0502040204020203" pitchFamily="34" charset="0"/>
-                        </a:rPr>
-                        <a:t>Up </a:t>
-                      </a:r>
-                      <a:r>
-                        <a:rPr lang="en-US" sz="2400" dirty="0" smtClean="0">
-                          <a:latin typeface="Segoe UI Light" panose="020B0502040204020203" pitchFamily="34" charset="0"/>
-                          <a:cs typeface="Segoe UI Light" panose="020B0502040204020203" pitchFamily="34" charset="0"/>
-                        </a:rPr>
-                        <a:t>the</a:t>
+                        <a:t>04 | Setting Up the</a:t>
                       </a:r>
                       <a:r>
                         <a:rPr lang="en-US" sz="2400" baseline="0" dirty="0" smtClean="0">
@@ -7135,14 +8762,743 @@
   <p:clrMapOvr>
     <a:masterClrMapping/>
   </p:clrMapOvr>
-  <mc:AlternateContent xmlns:mc="http://schemas.openxmlformats.org/markup-compatibility/2006">
-    <mc:Choice xmlns:p14="http://schemas.microsoft.com/office/powerpoint/2010/main" Requires="p14">
+  <mc:AlternateContent xmlns:mc="http://schemas.openxmlformats.org/markup-compatibility/2006" xmlns:p14="http://schemas.microsoft.com/office/powerpoint/2010/main">
+    <mc:Choice Requires="p14">
       <p:transition spd="slow" p14:dur="2000"/>
     </mc:Choice>
-    <mc:Fallback>
+    <mc:Fallback xmlns="">
       <p:transition spd="slow"/>
     </mc:Fallback>
   </mc:AlternateContent>
+  <p:timing>
+    <p:tnLst>
+      <p:par>
+        <p:cTn id="1" dur="indefinite" restart="never" nodeType="tmRoot"/>
+      </p:par>
+    </p:tnLst>
+  </p:timing>
+</p:sld>
+</file>
+
+<file path=ppt/slides/slide20.xml><?xml version="1.0" encoding="utf-8"?>
+<p:sld xmlns:a="http://schemas.openxmlformats.org/drawingml/2006/main" xmlns:r="http://schemas.openxmlformats.org/officeDocument/2006/relationships" xmlns:p="http://schemas.openxmlformats.org/presentationml/2006/main">
+  <p:cSld>
+    <p:bg>
+      <p:bgPr>
+        <a:solidFill>
+          <a:schemeClr val="accent4">
+            <a:lumMod val="75000"/>
+          </a:schemeClr>
+        </a:solidFill>
+        <a:effectLst/>
+      </p:bgPr>
+    </p:bg>
+    <p:spTree>
+      <p:nvGrpSpPr>
+        <p:cNvPr id="1" name=""/>
+        <p:cNvGrpSpPr/>
+        <p:nvPr/>
+      </p:nvGrpSpPr>
+      <p:grpSpPr>
+        <a:xfrm>
+          <a:off x="0" y="0"/>
+          <a:ext cx="0" cy="0"/>
+          <a:chOff x="0" y="0"/>
+          <a:chExt cx="0" cy="0"/>
+        </a:xfrm>
+      </p:grpSpPr>
+      <p:sp>
+        <p:nvSpPr>
+          <p:cNvPr id="4" name="TextBox 3"/>
+          <p:cNvSpPr txBox="1"/>
+          <p:nvPr/>
+        </p:nvSpPr>
+        <p:spPr>
+          <a:xfrm>
+            <a:off x="2099970" y="2967335"/>
+            <a:ext cx="7992060" cy="1384995"/>
+          </a:xfrm>
+          <a:prstGeom prst="rect">
+            <a:avLst/>
+          </a:prstGeom>
+          <a:noFill/>
+        </p:spPr>
+        <p:txBody>
+          <a:bodyPr wrap="none" rtlCol="0">
+            <a:spAutoFit/>
+          </a:bodyPr>
+          <a:lstStyle/>
+          <a:p>
+            <a:pPr algn="ctr"/>
+            <a:r>
+              <a:rPr lang="en-US" sz="2800" dirty="0" smtClean="0">
+                <a:solidFill>
+                  <a:schemeClr val="bg1"/>
+                </a:solidFill>
+              </a:rPr>
+              <a:t>Goal:</a:t>
+            </a:r>
+          </a:p>
+          <a:p>
+            <a:pPr algn="ctr"/>
+            <a:endParaRPr lang="en-US" sz="2800" dirty="0">
+              <a:solidFill>
+                <a:schemeClr val="bg1"/>
+              </a:solidFill>
+            </a:endParaRPr>
+          </a:p>
+          <a:p>
+            <a:pPr algn="ctr"/>
+            <a:r>
+              <a:rPr lang="en-US" sz="2800" dirty="0" smtClean="0">
+                <a:solidFill>
+                  <a:schemeClr val="bg1"/>
+                </a:solidFill>
+              </a:rPr>
+              <a:t>Have our app appear as though it was locally installed</a:t>
+            </a:r>
+            <a:endParaRPr lang="en-US" sz="2800" dirty="0">
+              <a:solidFill>
+                <a:schemeClr val="bg1"/>
+              </a:solidFill>
+            </a:endParaRPr>
+          </a:p>
+        </p:txBody>
+      </p:sp>
+    </p:spTree>
+    <p:extLst>
+      <p:ext uri="{BB962C8B-B14F-4D97-AF65-F5344CB8AC3E}">
+        <p14:creationId xmlns:p14="http://schemas.microsoft.com/office/powerpoint/2010/main" val="4094772944"/>
+      </p:ext>
+    </p:extLst>
+  </p:cSld>
+  <p:clrMapOvr>
+    <a:masterClrMapping/>
+  </p:clrMapOvr>
+  <p:timing>
+    <p:tnLst>
+      <p:par>
+        <p:cTn id="1" dur="indefinite" restart="never" nodeType="tmRoot"/>
+      </p:par>
+    </p:tnLst>
+  </p:timing>
+</p:sld>
+</file>
+
+<file path=ppt/slides/slide21.xml><?xml version="1.0" encoding="utf-8"?>
+<p:sld xmlns:a="http://schemas.openxmlformats.org/drawingml/2006/main" xmlns:r="http://schemas.openxmlformats.org/officeDocument/2006/relationships" xmlns:p="http://schemas.openxmlformats.org/presentationml/2006/main">
+  <p:cSld>
+    <p:spTree>
+      <p:nvGrpSpPr>
+        <p:cNvPr id="1" name=""/>
+        <p:cNvGrpSpPr/>
+        <p:nvPr/>
+      </p:nvGrpSpPr>
+      <p:grpSpPr>
+        <a:xfrm>
+          <a:off x="0" y="0"/>
+          <a:ext cx="0" cy="0"/>
+          <a:chOff x="0" y="0"/>
+          <a:chExt cx="0" cy="0"/>
+        </a:xfrm>
+      </p:grpSpPr>
+      <p:sp>
+        <p:nvSpPr>
+          <p:cNvPr id="7" name="Content Placeholder 6"/>
+          <p:cNvSpPr>
+            <a:spLocks noGrp="1"/>
+          </p:cNvSpPr>
+          <p:nvPr>
+            <p:ph sz="quarter" idx="10"/>
+          </p:nvPr>
+        </p:nvSpPr>
+        <p:spPr/>
+        <p:txBody>
+          <a:bodyPr>
+            <a:normAutofit/>
+          </a:bodyPr>
+          <a:lstStyle/>
+          <a:p>
+            <a:r>
+              <a:rPr lang="en-GB" dirty="0" smtClean="0"/>
+              <a:t>Determine where the user is</a:t>
+            </a:r>
+          </a:p>
+          <a:p>
+            <a:pPr lvl="1"/>
+            <a:r>
+              <a:rPr lang="en-GB" dirty="0" smtClean="0"/>
+              <a:t>Store locations</a:t>
+            </a:r>
+          </a:p>
+          <a:p>
+            <a:pPr lvl="1"/>
+            <a:r>
+              <a:rPr lang="en-GB" dirty="0" smtClean="0"/>
+              <a:t>Directions</a:t>
+            </a:r>
+          </a:p>
+        </p:txBody>
+      </p:sp>
+      <p:sp>
+        <p:nvSpPr>
+          <p:cNvPr id="2" name="Title 1"/>
+          <p:cNvSpPr>
+            <a:spLocks noGrp="1"/>
+          </p:cNvSpPr>
+          <p:nvPr>
+            <p:ph type="title"/>
+          </p:nvPr>
+        </p:nvSpPr>
+        <p:spPr/>
+        <p:txBody>
+          <a:bodyPr/>
+          <a:lstStyle/>
+          <a:p>
+            <a:r>
+              <a:rPr lang="en-US" dirty="0" smtClean="0"/>
+              <a:t>Geography</a:t>
+            </a:r>
+            <a:endParaRPr lang="en-US" dirty="0"/>
+          </a:p>
+        </p:txBody>
+      </p:sp>
+    </p:spTree>
+    <p:extLst>
+      <p:ext uri="{BB962C8B-B14F-4D97-AF65-F5344CB8AC3E}">
+        <p14:creationId xmlns:p14="http://schemas.microsoft.com/office/powerpoint/2010/main" val="2567384094"/>
+      </p:ext>
+    </p:extLst>
+  </p:cSld>
+  <p:clrMapOvr>
+    <a:masterClrMapping/>
+  </p:clrMapOvr>
+  <p:timing>
+    <p:tnLst>
+      <p:par>
+        <p:cTn id="1" dur="indefinite" restart="never" nodeType="tmRoot"/>
+      </p:par>
+    </p:tnLst>
+  </p:timing>
+</p:sld>
+</file>
+
+<file path=ppt/slides/slide22.xml><?xml version="1.0" encoding="utf-8"?>
+<p:sld xmlns:a="http://schemas.openxmlformats.org/drawingml/2006/main" xmlns:r="http://schemas.openxmlformats.org/officeDocument/2006/relationships" xmlns:p="http://schemas.openxmlformats.org/presentationml/2006/main">
+  <p:cSld>
+    <p:spTree>
+      <p:nvGrpSpPr>
+        <p:cNvPr id="1" name=""/>
+        <p:cNvGrpSpPr/>
+        <p:nvPr/>
+      </p:nvGrpSpPr>
+      <p:grpSpPr>
+        <a:xfrm>
+          <a:off x="0" y="0"/>
+          <a:ext cx="0" cy="0"/>
+          <a:chOff x="0" y="0"/>
+          <a:chExt cx="0" cy="0"/>
+        </a:xfrm>
+      </p:grpSpPr>
+      <p:sp>
+        <p:nvSpPr>
+          <p:cNvPr id="2" name="Title 1"/>
+          <p:cNvSpPr>
+            <a:spLocks noGrp="1"/>
+          </p:cNvSpPr>
+          <p:nvPr>
+            <p:ph type="title"/>
+          </p:nvPr>
+        </p:nvSpPr>
+        <p:spPr/>
+        <p:txBody>
+          <a:bodyPr/>
+          <a:lstStyle/>
+          <a:p>
+            <a:r>
+              <a:rPr lang="en-US" dirty="0" smtClean="0"/>
+              <a:t>geolocation</a:t>
+            </a:r>
+            <a:endParaRPr lang="en-US" dirty="0"/>
+          </a:p>
+        </p:txBody>
+      </p:sp>
+      <p:sp>
+        <p:nvSpPr>
+          <p:cNvPr id="3" name="Content Placeholder 2"/>
+          <p:cNvSpPr>
+            <a:spLocks noGrp="1"/>
+          </p:cNvSpPr>
+          <p:nvPr>
+            <p:ph sz="quarter" idx="10"/>
+          </p:nvPr>
+        </p:nvSpPr>
+        <p:spPr/>
+        <p:txBody>
+          <a:bodyPr/>
+          <a:lstStyle/>
+          <a:p>
+            <a:r>
+              <a:rPr lang="en-US" dirty="0" smtClean="0"/>
+              <a:t>HTML5 object</a:t>
+            </a:r>
+          </a:p>
+          <a:p>
+            <a:r>
+              <a:rPr lang="en-US" dirty="0" smtClean="0"/>
+              <a:t>Determines user location</a:t>
+            </a:r>
+          </a:p>
+          <a:p>
+            <a:pPr lvl="1"/>
+            <a:r>
+              <a:rPr lang="en-US" dirty="0" smtClean="0"/>
+              <a:t>GPS</a:t>
+            </a:r>
+          </a:p>
+          <a:p>
+            <a:pPr lvl="1"/>
+            <a:r>
+              <a:rPr lang="en-US" dirty="0" smtClean="0"/>
+              <a:t>Cell tower triangulation</a:t>
+            </a:r>
+          </a:p>
+          <a:p>
+            <a:pPr lvl="1"/>
+            <a:r>
+              <a:rPr lang="en-US" dirty="0" smtClean="0"/>
+              <a:t>IP Address</a:t>
+            </a:r>
+          </a:p>
+          <a:p>
+            <a:pPr marL="457046" lvl="1" indent="0">
+              <a:buNone/>
+            </a:pPr>
+            <a:r>
+              <a:rPr lang="en-US" b="1" dirty="0" smtClean="0"/>
+              <a:t>How it works behind the scenes doesn’t interest us</a:t>
+            </a:r>
+          </a:p>
+          <a:p>
+            <a:r>
+              <a:rPr lang="en-US" dirty="0" smtClean="0"/>
+              <a:t>User is prompted to provide location information</a:t>
+            </a:r>
+            <a:endParaRPr lang="en-US" dirty="0"/>
+          </a:p>
+        </p:txBody>
+      </p:sp>
+    </p:spTree>
+    <p:extLst>
+      <p:ext uri="{BB962C8B-B14F-4D97-AF65-F5344CB8AC3E}">
+        <p14:creationId xmlns:p14="http://schemas.microsoft.com/office/powerpoint/2010/main" val="3960056874"/>
+      </p:ext>
+    </p:extLst>
+  </p:cSld>
+  <p:clrMapOvr>
+    <a:masterClrMapping/>
+  </p:clrMapOvr>
+  <p:timing>
+    <p:tnLst>
+      <p:par>
+        <p:cTn id="1" dur="indefinite" restart="never" nodeType="tmRoot"/>
+      </p:par>
+    </p:tnLst>
+  </p:timing>
+</p:sld>
+</file>
+
+<file path=ppt/slides/slide23.xml><?xml version="1.0" encoding="utf-8"?>
+<p:sld xmlns:a="http://schemas.openxmlformats.org/drawingml/2006/main" xmlns:r="http://schemas.openxmlformats.org/officeDocument/2006/relationships" xmlns:p="http://schemas.openxmlformats.org/presentationml/2006/main">
+  <p:cSld>
+    <p:spTree>
+      <p:nvGrpSpPr>
+        <p:cNvPr id="1" name=""/>
+        <p:cNvGrpSpPr/>
+        <p:nvPr/>
+      </p:nvGrpSpPr>
+      <p:grpSpPr>
+        <a:xfrm>
+          <a:off x="0" y="0"/>
+          <a:ext cx="0" cy="0"/>
+          <a:chOff x="0" y="0"/>
+          <a:chExt cx="0" cy="0"/>
+        </a:xfrm>
+      </p:grpSpPr>
+      <p:sp>
+        <p:nvSpPr>
+          <p:cNvPr id="2" name="Title 1"/>
+          <p:cNvSpPr>
+            <a:spLocks noGrp="1"/>
+          </p:cNvSpPr>
+          <p:nvPr>
+            <p:ph type="title"/>
+          </p:nvPr>
+        </p:nvSpPr>
+        <p:spPr/>
+        <p:txBody>
+          <a:bodyPr/>
+          <a:lstStyle/>
+          <a:p>
+            <a:r>
+              <a:rPr lang="en-US" dirty="0" smtClean="0"/>
+              <a:t>geolocation object methods</a:t>
+            </a:r>
+            <a:endParaRPr lang="en-US" dirty="0"/>
+          </a:p>
+        </p:txBody>
+      </p:sp>
+      <p:sp>
+        <p:nvSpPr>
+          <p:cNvPr id="3" name="Content Placeholder 2"/>
+          <p:cNvSpPr>
+            <a:spLocks noGrp="1"/>
+          </p:cNvSpPr>
+          <p:nvPr>
+            <p:ph sz="quarter" idx="10"/>
+          </p:nvPr>
+        </p:nvSpPr>
+        <p:spPr/>
+        <p:txBody>
+          <a:bodyPr/>
+          <a:lstStyle/>
+          <a:p>
+            <a:r>
+              <a:rPr lang="en-US" dirty="0" err="1" smtClean="0"/>
+              <a:t>getPosition</a:t>
+            </a:r>
+            <a:endParaRPr lang="en-US" dirty="0" smtClean="0"/>
+          </a:p>
+          <a:p>
+            <a:pPr lvl="1"/>
+            <a:r>
+              <a:rPr lang="en-US" dirty="0" smtClean="0"/>
+              <a:t>Determine current location</a:t>
+            </a:r>
+          </a:p>
+          <a:p>
+            <a:pPr lvl="1"/>
+            <a:r>
+              <a:rPr lang="en-US" dirty="0" smtClean="0"/>
+              <a:t>Success and failure callback functions</a:t>
+            </a:r>
+          </a:p>
+          <a:p>
+            <a:r>
+              <a:rPr lang="en-US" dirty="0" err="1" smtClean="0"/>
+              <a:t>watchPosition</a:t>
+            </a:r>
+            <a:endParaRPr lang="en-US" dirty="0" smtClean="0"/>
+          </a:p>
+          <a:p>
+            <a:pPr lvl="1"/>
+            <a:r>
+              <a:rPr lang="en-US" dirty="0" smtClean="0"/>
+              <a:t>Track user</a:t>
+            </a:r>
+            <a:endParaRPr lang="en-US" dirty="0"/>
+          </a:p>
+        </p:txBody>
+      </p:sp>
+    </p:spTree>
+    <p:extLst>
+      <p:ext uri="{BB962C8B-B14F-4D97-AF65-F5344CB8AC3E}">
+        <p14:creationId xmlns:p14="http://schemas.microsoft.com/office/powerpoint/2010/main" val="3208176272"/>
+      </p:ext>
+    </p:extLst>
+  </p:cSld>
+  <p:clrMapOvr>
+    <a:masterClrMapping/>
+  </p:clrMapOvr>
+  <p:timing>
+    <p:tnLst>
+      <p:par>
+        <p:cTn id="1" dur="indefinite" restart="never" nodeType="tmRoot"/>
+      </p:par>
+    </p:tnLst>
+  </p:timing>
+</p:sld>
+</file>
+
+<file path=ppt/slides/slide24.xml><?xml version="1.0" encoding="utf-8"?>
+<p:sld xmlns:a="http://schemas.openxmlformats.org/drawingml/2006/main" xmlns:r="http://schemas.openxmlformats.org/officeDocument/2006/relationships" xmlns:p="http://schemas.openxmlformats.org/presentationml/2006/main">
+  <p:cSld>
+    <p:spTree>
+      <p:nvGrpSpPr>
+        <p:cNvPr id="1" name=""/>
+        <p:cNvGrpSpPr/>
+        <p:nvPr/>
+      </p:nvGrpSpPr>
+      <p:grpSpPr>
+        <a:xfrm>
+          <a:off x="0" y="0"/>
+          <a:ext cx="0" cy="0"/>
+          <a:chOff x="0" y="0"/>
+          <a:chExt cx="0" cy="0"/>
+        </a:xfrm>
+      </p:grpSpPr>
+      <p:sp>
+        <p:nvSpPr>
+          <p:cNvPr id="2" name="Title 1"/>
+          <p:cNvSpPr>
+            <a:spLocks noGrp="1"/>
+          </p:cNvSpPr>
+          <p:nvPr>
+            <p:ph type="title"/>
+          </p:nvPr>
+        </p:nvSpPr>
+        <p:spPr/>
+        <p:txBody>
+          <a:bodyPr/>
+          <a:lstStyle/>
+          <a:p>
+            <a:r>
+              <a:rPr lang="en-US" dirty="0" smtClean="0"/>
+              <a:t>position object</a:t>
+            </a:r>
+            <a:endParaRPr lang="en-US" dirty="0"/>
+          </a:p>
+        </p:txBody>
+      </p:sp>
+      <p:sp>
+        <p:nvSpPr>
+          <p:cNvPr id="3" name="Content Placeholder 2"/>
+          <p:cNvSpPr>
+            <a:spLocks noGrp="1"/>
+          </p:cNvSpPr>
+          <p:nvPr>
+            <p:ph sz="quarter" idx="10"/>
+          </p:nvPr>
+        </p:nvSpPr>
+        <p:spPr/>
+        <p:txBody>
+          <a:bodyPr/>
+          <a:lstStyle/>
+          <a:p>
+            <a:r>
+              <a:rPr lang="en-US" dirty="0" smtClean="0"/>
+              <a:t>Passed into success callback</a:t>
+            </a:r>
+          </a:p>
+          <a:p>
+            <a:r>
+              <a:rPr lang="en-US" dirty="0" smtClean="0"/>
+              <a:t>Properties</a:t>
+            </a:r>
+          </a:p>
+          <a:p>
+            <a:pPr lvl="1"/>
+            <a:r>
+              <a:rPr lang="en-US" dirty="0" err="1" smtClean="0"/>
+              <a:t>coords</a:t>
+            </a:r>
+            <a:endParaRPr lang="en-US" dirty="0" smtClean="0"/>
+          </a:p>
+          <a:p>
+            <a:pPr lvl="2"/>
+            <a:r>
+              <a:rPr lang="en-US" dirty="0" smtClean="0"/>
+              <a:t>latitude</a:t>
+            </a:r>
+          </a:p>
+          <a:p>
+            <a:pPr lvl="2"/>
+            <a:r>
+              <a:rPr lang="en-US" dirty="0" smtClean="0"/>
+              <a:t>longitude</a:t>
+            </a:r>
+          </a:p>
+          <a:p>
+            <a:pPr lvl="2"/>
+            <a:r>
+              <a:rPr lang="en-US" dirty="0" smtClean="0"/>
+              <a:t>accuracy</a:t>
+            </a:r>
+          </a:p>
+          <a:p>
+            <a:pPr lvl="2"/>
+            <a:r>
+              <a:rPr lang="en-US" dirty="0" smtClean="0"/>
+              <a:t>altitude</a:t>
+            </a:r>
+          </a:p>
+          <a:p>
+            <a:pPr lvl="2"/>
+            <a:r>
+              <a:rPr lang="en-US" dirty="0" err="1" smtClean="0"/>
+              <a:t>altitudeAccuracy</a:t>
+            </a:r>
+            <a:endParaRPr lang="en-US" dirty="0"/>
+          </a:p>
+        </p:txBody>
+      </p:sp>
+    </p:spTree>
+    <p:extLst>
+      <p:ext uri="{BB962C8B-B14F-4D97-AF65-F5344CB8AC3E}">
+        <p14:creationId xmlns:p14="http://schemas.microsoft.com/office/powerpoint/2010/main" val="803784577"/>
+      </p:ext>
+    </p:extLst>
+  </p:cSld>
+  <p:clrMapOvr>
+    <a:masterClrMapping/>
+  </p:clrMapOvr>
+  <p:timing>
+    <p:tnLst>
+      <p:par>
+        <p:cTn id="1" dur="indefinite" restart="never" nodeType="tmRoot"/>
+      </p:par>
+    </p:tnLst>
+  </p:timing>
+</p:sld>
+</file>
+
+<file path=ppt/slides/slide25.xml><?xml version="1.0" encoding="utf-8"?>
+<p:sld xmlns:a="http://schemas.openxmlformats.org/drawingml/2006/main" xmlns:r="http://schemas.openxmlformats.org/officeDocument/2006/relationships" xmlns:p="http://schemas.openxmlformats.org/presentationml/2006/main">
+  <p:cSld>
+    <p:spTree>
+      <p:nvGrpSpPr>
+        <p:cNvPr id="1" name=""/>
+        <p:cNvGrpSpPr/>
+        <p:nvPr/>
+      </p:nvGrpSpPr>
+      <p:grpSpPr>
+        <a:xfrm>
+          <a:off x="0" y="0"/>
+          <a:ext cx="0" cy="0"/>
+          <a:chOff x="0" y="0"/>
+          <a:chExt cx="0" cy="0"/>
+        </a:xfrm>
+      </p:grpSpPr>
+      <p:sp>
+        <p:nvSpPr>
+          <p:cNvPr id="4" name="Title 3"/>
+          <p:cNvSpPr>
+            <a:spLocks noGrp="1"/>
+          </p:cNvSpPr>
+          <p:nvPr>
+            <p:ph type="title"/>
+          </p:nvPr>
+        </p:nvSpPr>
+        <p:spPr/>
+        <p:txBody>
+          <a:bodyPr/>
+          <a:lstStyle/>
+          <a:p>
+            <a:r>
+              <a:rPr lang="en-US" dirty="0" smtClean="0"/>
+              <a:t>Geolocation</a:t>
+            </a:r>
+            <a:endParaRPr lang="en-US" dirty="0"/>
+          </a:p>
+        </p:txBody>
+      </p:sp>
+    </p:spTree>
+    <p:extLst>
+      <p:ext uri="{BB962C8B-B14F-4D97-AF65-F5344CB8AC3E}">
+        <p14:creationId xmlns:p14="http://schemas.microsoft.com/office/powerpoint/2010/main" val="2845629475"/>
+      </p:ext>
+    </p:extLst>
+  </p:cSld>
+  <p:clrMapOvr>
+    <a:masterClrMapping/>
+  </p:clrMapOvr>
+  <p:timing>
+    <p:tnLst>
+      <p:par>
+        <p:cTn id="1" dur="indefinite" restart="never" nodeType="tmRoot"/>
+      </p:par>
+    </p:tnLst>
+  </p:timing>
+</p:sld>
+</file>
+
+<file path=ppt/slides/slide26.xml><?xml version="1.0" encoding="utf-8"?>
+<p:sld xmlns:a="http://schemas.openxmlformats.org/drawingml/2006/main" xmlns:r="http://schemas.openxmlformats.org/officeDocument/2006/relationships" xmlns:p="http://schemas.openxmlformats.org/presentationml/2006/main">
+  <p:cSld>
+    <p:spTree>
+      <p:nvGrpSpPr>
+        <p:cNvPr id="1" name=""/>
+        <p:cNvGrpSpPr/>
+        <p:nvPr/>
+      </p:nvGrpSpPr>
+      <p:grpSpPr>
+        <a:xfrm>
+          <a:off x="0" y="0"/>
+          <a:ext cx="0" cy="0"/>
+          <a:chOff x="0" y="0"/>
+          <a:chExt cx="0" cy="0"/>
+        </a:xfrm>
+      </p:grpSpPr>
+      <p:sp>
+        <p:nvSpPr>
+          <p:cNvPr id="2" name="Title 1"/>
+          <p:cNvSpPr>
+            <a:spLocks noGrp="1"/>
+          </p:cNvSpPr>
+          <p:nvPr>
+            <p:ph type="title"/>
+          </p:nvPr>
+        </p:nvSpPr>
+        <p:spPr/>
+        <p:txBody>
+          <a:bodyPr/>
+          <a:lstStyle/>
+          <a:p>
+            <a:r>
+              <a:rPr lang="en-US" dirty="0" smtClean="0"/>
+              <a:t>Frayed Knot</a:t>
+            </a:r>
+            <a:endParaRPr lang="en-US" dirty="0"/>
+          </a:p>
+        </p:txBody>
+      </p:sp>
+    </p:spTree>
+    <p:extLst>
+      <p:ext uri="{BB962C8B-B14F-4D97-AF65-F5344CB8AC3E}">
+        <p14:creationId xmlns:p14="http://schemas.microsoft.com/office/powerpoint/2010/main" val="2115609273"/>
+      </p:ext>
+    </p:extLst>
+  </p:cSld>
+  <p:clrMapOvr>
+    <a:masterClrMapping/>
+  </p:clrMapOvr>
+  <p:timing>
+    <p:tnLst>
+      <p:par>
+        <p:cTn id="1" dur="indefinite" restart="never" nodeType="tmRoot"/>
+      </p:par>
+    </p:tnLst>
+  </p:timing>
+</p:sld>
+</file>
+
+<file path=ppt/slides/slide27.xml><?xml version="1.0" encoding="utf-8"?>
+<p:sld xmlns:a="http://schemas.openxmlformats.org/drawingml/2006/main" xmlns:r="http://schemas.openxmlformats.org/officeDocument/2006/relationships" xmlns:p="http://schemas.openxmlformats.org/presentationml/2006/main">
+  <p:cSld>
+    <p:spTree>
+      <p:nvGrpSpPr>
+        <p:cNvPr id="1" name=""/>
+        <p:cNvGrpSpPr/>
+        <p:nvPr/>
+      </p:nvGrpSpPr>
+      <p:grpSpPr>
+        <a:xfrm>
+          <a:off x="0" y="0"/>
+          <a:ext cx="0" cy="0"/>
+          <a:chOff x="0" y="0"/>
+          <a:chExt cx="0" cy="0"/>
+        </a:xfrm>
+      </p:grpSpPr>
+    </p:spTree>
+    <p:extLst>
+      <p:ext uri="{BB962C8B-B14F-4D97-AF65-F5344CB8AC3E}">
+        <p14:creationId xmlns:p14="http://schemas.microsoft.com/office/powerpoint/2010/main" val="898363405"/>
+      </p:ext>
+    </p:extLst>
+  </p:cSld>
+  <p:clrMapOvr>
+    <a:masterClrMapping/>
+  </p:clrMapOvr>
   <p:timing>
     <p:tnLst>
       <p:par>
@@ -7195,11 +9551,7 @@
             <a:pPr marL="914400" indent="-914400"/>
             <a:r>
               <a:rPr lang="en-US" dirty="0" smtClean="0"/>
-              <a:t>06 | </a:t>
-            </a:r>
-            <a:r>
-              <a:rPr lang="en-US" dirty="0" smtClean="0"/>
-              <a:t>Offline Data</a:t>
+              <a:t>06 | Offline Data</a:t>
             </a:r>
             <a:endParaRPr lang="en-US" dirty="0"/>
           </a:p>
@@ -7307,21 +9659,19 @@
           <a:p>
             <a:r>
               <a:rPr lang="en-GB" dirty="0" smtClean="0"/>
-              <a:t>Section 1</a:t>
-            </a:r>
-            <a:endParaRPr lang="en-GB" dirty="0"/>
+              <a:t>Browser storage</a:t>
+            </a:r>
           </a:p>
           <a:p>
             <a:r>
               <a:rPr lang="en-GB" dirty="0" smtClean="0"/>
-              <a:t>Section 2</a:t>
-            </a:r>
-            <a:endParaRPr lang="en-GB" dirty="0"/>
+              <a:t>Caching and offline access</a:t>
+            </a:r>
           </a:p>
           <a:p>
             <a:r>
               <a:rPr lang="en-GB" dirty="0" smtClean="0"/>
-              <a:t>Section 3</a:t>
+              <a:t>Geolocation</a:t>
             </a:r>
             <a:endParaRPr lang="en-GB" dirty="0"/>
           </a:p>
@@ -7343,8 +9693,8 @@
           <a:lstStyle/>
           <a:p>
             <a:r>
-              <a:rPr lang="en-US" smtClean="0"/>
-              <a:t>Module Overview</a:t>
+              <a:rPr lang="en-US" dirty="0" smtClean="0"/>
+              <a:t>Offline data</a:t>
             </a:r>
             <a:endParaRPr lang="en-US" dirty="0"/>
           </a:p>
@@ -7404,7 +9754,7 @@
           <a:p>
             <a:r>
               <a:rPr lang="en-US" dirty="0" smtClean="0"/>
-              <a:t>Section 1</a:t>
+              <a:t>Browser storage</a:t>
             </a:r>
             <a:endParaRPr lang="en-US" dirty="0"/>
           </a:p>
@@ -7425,7 +9775,7 @@
           <a:bodyPr/>
           <a:lstStyle/>
           <a:p>
-            <a:endParaRPr lang="en-US"/>
+            <a:endParaRPr lang="en-US" dirty="0"/>
           </a:p>
         </p:txBody>
       </p:sp>
@@ -7439,12 +9789,30 @@
   <p:clrMapOvr>
     <a:masterClrMapping/>
   </p:clrMapOvr>
+  <p:timing>
+    <p:tnLst>
+      <p:par>
+        <p:cTn id="1" dur="indefinite" restart="never" nodeType="tmRoot"/>
+      </p:par>
+    </p:tnLst>
+  </p:timing>
 </p:sld>
 </file>
 
 <file path=ppt/slides/slide6.xml><?xml version="1.0" encoding="utf-8"?>
 <p:sld xmlns:a="http://schemas.openxmlformats.org/drawingml/2006/main" xmlns:r="http://schemas.openxmlformats.org/officeDocument/2006/relationships" xmlns:p="http://schemas.openxmlformats.org/presentationml/2006/main">
   <p:cSld>
+    <p:bg>
+      <p:bgPr>
+        <a:solidFill>
+          <a:schemeClr val="accent2">
+            <a:lumMod val="60000"/>
+            <a:lumOff val="40000"/>
+          </a:schemeClr>
+        </a:solidFill>
+        <a:effectLst/>
+      </p:bgPr>
+    </p:bg>
     <p:spTree>
       <p:nvGrpSpPr>
         <p:cNvPr id="1" name=""/>
@@ -7461,56 +9829,176 @@
       </p:grpSpPr>
       <p:sp>
         <p:nvSpPr>
-          <p:cNvPr id="2" name="Text Placeholder 1"/>
-          <p:cNvSpPr>
-            <a:spLocks noGrp="1"/>
-          </p:cNvSpPr>
-          <p:nvPr>
-            <p:ph type="body" sz="quarter" idx="10"/>
-          </p:nvPr>
-        </p:nvSpPr>
-        <p:spPr/>
-        <p:txBody>
-          <a:bodyPr/>
+          <p:cNvPr id="4" name="TextBox 3"/>
+          <p:cNvSpPr txBox="1"/>
+          <p:nvPr/>
+        </p:nvSpPr>
+        <p:spPr>
+          <a:xfrm>
+            <a:off x="4382037" y="1223010"/>
+            <a:ext cx="3427926" cy="707886"/>
+          </a:xfrm>
+          <a:prstGeom prst="rect">
+            <a:avLst/>
+          </a:prstGeom>
+          <a:noFill/>
+        </p:spPr>
+        <p:txBody>
+          <a:bodyPr wrap="none" rtlCol="0">
+            <a:spAutoFit/>
+          </a:bodyPr>
           <a:lstStyle/>
           <a:p>
             <a:r>
-              <a:rPr lang="en-US" dirty="0" smtClean="0"/>
-              <a:t>Section 2</a:t>
-            </a:r>
-            <a:endParaRPr lang="en-US" dirty="0"/>
-          </a:p>
-        </p:txBody>
-      </p:sp>
-      <p:sp>
-        <p:nvSpPr>
-          <p:cNvPr id="3" name="Subtitle 2"/>
-          <p:cNvSpPr>
-            <a:spLocks noGrp="1"/>
-          </p:cNvSpPr>
-          <p:nvPr>
-            <p:ph type="subTitle" idx="1"/>
-          </p:nvPr>
-        </p:nvSpPr>
-        <p:spPr/>
-        <p:txBody>
-          <a:bodyPr/>
+              <a:rPr lang="en-US" sz="4000" dirty="0" smtClean="0">
+                <a:solidFill>
+                  <a:schemeClr val="bg1"/>
+                </a:solidFill>
+              </a:rPr>
+              <a:t>Cookies are evil</a:t>
+            </a:r>
+            <a:endParaRPr lang="en-US" sz="4000" dirty="0">
+              <a:solidFill>
+                <a:schemeClr val="bg1"/>
+              </a:solidFill>
+            </a:endParaRPr>
+          </a:p>
+        </p:txBody>
+      </p:sp>
+      <p:sp>
+        <p:nvSpPr>
+          <p:cNvPr id="5" name="TextBox 4"/>
+          <p:cNvSpPr txBox="1"/>
+          <p:nvPr/>
+        </p:nvSpPr>
+        <p:spPr>
+          <a:xfrm>
+            <a:off x="2856876" y="4171950"/>
+            <a:ext cx="6478248" cy="461665"/>
+          </a:xfrm>
+          <a:prstGeom prst="rect">
+            <a:avLst/>
+          </a:prstGeom>
+          <a:noFill/>
+        </p:spPr>
+        <p:txBody>
+          <a:bodyPr wrap="none" rtlCol="0">
+            <a:spAutoFit/>
+          </a:bodyPr>
           <a:lstStyle/>
           <a:p>
-            <a:endParaRPr lang="en-US"/>
+            <a:r>
+              <a:rPr lang="en-US" sz="2400" dirty="0" smtClean="0">
+                <a:solidFill>
+                  <a:schemeClr val="bg1"/>
+                </a:solidFill>
+              </a:rPr>
+              <a:t>OK, maybe not evil. But they're certainly not good.</a:t>
+            </a:r>
+            <a:endParaRPr lang="en-US" sz="2400" dirty="0">
+              <a:solidFill>
+                <a:schemeClr val="bg1"/>
+              </a:solidFill>
+            </a:endParaRPr>
           </a:p>
         </p:txBody>
       </p:sp>
     </p:spTree>
     <p:extLst>
       <p:ext uri="{BB962C8B-B14F-4D97-AF65-F5344CB8AC3E}">
-        <p14:creationId xmlns:p14="http://schemas.microsoft.com/office/powerpoint/2010/main" val="4190290233"/>
+        <p14:creationId xmlns:p14="http://schemas.microsoft.com/office/powerpoint/2010/main" val="110788664"/>
       </p:ext>
     </p:extLst>
   </p:cSld>
   <p:clrMapOvr>
     <a:masterClrMapping/>
   </p:clrMapOvr>
+  <p:timing>
+    <p:tnLst>
+      <p:par>
+        <p:cTn id="1" dur="indefinite" restart="never" nodeType="tmRoot">
+          <p:childTnLst>
+            <p:seq concurrent="1" nextAc="seek">
+              <p:cTn id="2" dur="indefinite" nodeType="mainSeq">
+                <p:childTnLst>
+                  <p:par>
+                    <p:cTn id="3" fill="hold">
+                      <p:stCondLst>
+                        <p:cond delay="indefinite"/>
+                      </p:stCondLst>
+                      <p:childTnLst>
+                        <p:par>
+                          <p:cTn id="4" fill="hold">
+                            <p:stCondLst>
+                              <p:cond delay="0"/>
+                            </p:stCondLst>
+                            <p:childTnLst>
+                              <p:par>
+                                <p:cTn id="5" presetID="10" presetClass="entr" presetSubtype="0" fill="hold" grpId="0" nodeType="clickEffect">
+                                  <p:stCondLst>
+                                    <p:cond delay="0"/>
+                                  </p:stCondLst>
+                                  <p:childTnLst>
+                                    <p:set>
+                                      <p:cBhvr>
+                                        <p:cTn id="6" dur="1" fill="hold">
+                                          <p:stCondLst>
+                                            <p:cond delay="0"/>
+                                          </p:stCondLst>
+                                        </p:cTn>
+                                        <p:tgtEl>
+                                          <p:spTgt spid="5"/>
+                                        </p:tgtEl>
+                                        <p:attrNameLst>
+                                          <p:attrName>style.visibility</p:attrName>
+                                        </p:attrNameLst>
+                                      </p:cBhvr>
+                                      <p:to>
+                                        <p:strVal val="visible"/>
+                                      </p:to>
+                                    </p:set>
+                                    <p:animEffect transition="in" filter="fade">
+                                      <p:cBhvr>
+                                        <p:cTn id="7" dur="500"/>
+                                        <p:tgtEl>
+                                          <p:spTgt spid="5"/>
+                                        </p:tgtEl>
+                                      </p:cBhvr>
+                                    </p:animEffect>
+                                  </p:childTnLst>
+                                </p:cTn>
+                              </p:par>
+                            </p:childTnLst>
+                          </p:cTn>
+                        </p:par>
+                      </p:childTnLst>
+                    </p:cTn>
+                  </p:par>
+                </p:childTnLst>
+              </p:cTn>
+              <p:prevCondLst>
+                <p:cond evt="onPrev" delay="0">
+                  <p:tgtEl>
+                    <p:sldTgt/>
+                  </p:tgtEl>
+                </p:cond>
+              </p:prevCondLst>
+              <p:nextCondLst>
+                <p:cond evt="onNext" delay="0">
+                  <p:tgtEl>
+                    <p:sldTgt/>
+                  </p:tgtEl>
+                </p:cond>
+              </p:nextCondLst>
+            </p:seq>
+          </p:childTnLst>
+        </p:cTn>
+      </p:par>
+    </p:tnLst>
+    <p:bldLst>
+      <p:bldP spid="5" grpId="0"/>
+    </p:bldLst>
+  </p:timing>
 </p:sld>
 </file>
 
@@ -7533,12 +10021,12 @@
       </p:grpSpPr>
       <p:sp>
         <p:nvSpPr>
-          <p:cNvPr id="2" name="Text Placeholder 1"/>
+          <p:cNvPr id="2" name="Title 1"/>
           <p:cNvSpPr>
             <a:spLocks noGrp="1"/>
           </p:cNvSpPr>
           <p:nvPr>
-            <p:ph type="body" sz="quarter" idx="10"/>
+            <p:ph type="title"/>
           </p:nvPr>
         </p:nvSpPr>
         <p:spPr/>
@@ -7548,7 +10036,7 @@
           <a:p>
             <a:r>
               <a:rPr lang="en-US" dirty="0" smtClean="0"/>
-              <a:t>Section 3</a:t>
+              <a:t>Cookie issues</a:t>
             </a:r>
             <a:endParaRPr lang="en-US" dirty="0"/>
           </a:p>
@@ -7556,12 +10044,12 @@
       </p:sp>
       <p:sp>
         <p:nvSpPr>
-          <p:cNvPr id="3" name="Subtitle 2"/>
+          <p:cNvPr id="3" name="Content Placeholder 2"/>
           <p:cNvSpPr>
             <a:spLocks noGrp="1"/>
           </p:cNvSpPr>
           <p:nvPr>
-            <p:ph type="subTitle" idx="1"/>
+            <p:ph sz="quarter" idx="10"/>
           </p:nvPr>
         </p:nvSpPr>
         <p:spPr/>
@@ -7569,20 +10057,43 @@
           <a:bodyPr/>
           <a:lstStyle/>
           <a:p>
-            <a:endParaRPr lang="en-US"/>
+            <a:r>
+              <a:rPr lang="en-US" dirty="0" smtClean="0"/>
+              <a:t>Small (4K)</a:t>
+            </a:r>
+          </a:p>
+          <a:p>
+            <a:r>
+              <a:rPr lang="en-US" dirty="0" smtClean="0"/>
+              <a:t>Text only</a:t>
+            </a:r>
+          </a:p>
+          <a:p>
+            <a:r>
+              <a:rPr lang="en-US" dirty="0" smtClean="0"/>
+              <a:t>Easy to spoof</a:t>
+            </a:r>
+            <a:endParaRPr lang="en-US" dirty="0"/>
           </a:p>
         </p:txBody>
       </p:sp>
     </p:spTree>
     <p:extLst>
       <p:ext uri="{BB962C8B-B14F-4D97-AF65-F5344CB8AC3E}">
-        <p14:creationId xmlns:p14="http://schemas.microsoft.com/office/powerpoint/2010/main" val="4243374243"/>
+        <p14:creationId xmlns:p14="http://schemas.microsoft.com/office/powerpoint/2010/main" val="2241593659"/>
       </p:ext>
     </p:extLst>
   </p:cSld>
   <p:clrMapOvr>
     <a:masterClrMapping/>
   </p:clrMapOvr>
+  <p:timing>
+    <p:tnLst>
+      <p:par>
+        <p:cTn id="1" dur="indefinite" restart="never" nodeType="tmRoot"/>
+      </p:par>
+    </p:tnLst>
+  </p:timing>
 </p:sld>
 </file>
 
@@ -7605,27 +10116,6 @@
       </p:grpSpPr>
       <p:sp>
         <p:nvSpPr>
-          <p:cNvPr id="7" name="Content Placeholder 6"/>
-          <p:cNvSpPr>
-            <a:spLocks noGrp="1"/>
-          </p:cNvSpPr>
-          <p:nvPr>
-            <p:ph sz="quarter" idx="10"/>
-          </p:nvPr>
-        </p:nvSpPr>
-        <p:spPr/>
-        <p:txBody>
-          <a:bodyPr>
-            <a:normAutofit/>
-          </a:bodyPr>
-          <a:lstStyle/>
-          <a:p>
-            <a:endParaRPr lang="en-GB" dirty="0"/>
-          </a:p>
-        </p:txBody>
-      </p:sp>
-      <p:sp>
-        <p:nvSpPr>
           <p:cNvPr id="2" name="Title 1"/>
           <p:cNvSpPr>
             <a:spLocks noGrp="1"/>
@@ -7641,7 +10131,135 @@
           <a:p>
             <a:r>
               <a:rPr lang="en-US" dirty="0" smtClean="0"/>
-              <a:t>Resources</a:t>
+              <a:t>Storage options</a:t>
+            </a:r>
+            <a:endParaRPr lang="en-US" dirty="0"/>
+          </a:p>
+        </p:txBody>
+      </p:sp>
+      <p:sp>
+        <p:nvSpPr>
+          <p:cNvPr id="3" name="Content Placeholder 2"/>
+          <p:cNvSpPr>
+            <a:spLocks noGrp="1"/>
+          </p:cNvSpPr>
+          <p:nvPr>
+            <p:ph sz="quarter" idx="10"/>
+          </p:nvPr>
+        </p:nvSpPr>
+        <p:spPr/>
+        <p:txBody>
+          <a:bodyPr/>
+          <a:lstStyle/>
+          <a:p>
+            <a:r>
+              <a:rPr lang="en-US" dirty="0" smtClean="0"/>
+              <a:t>HTML5 offers two new storage options</a:t>
+            </a:r>
+          </a:p>
+          <a:p>
+            <a:pPr lvl="1"/>
+            <a:r>
+              <a:rPr lang="en-US" dirty="0" err="1" smtClean="0"/>
+              <a:t>localStorage</a:t>
+            </a:r>
+            <a:endParaRPr lang="en-US" dirty="0" smtClean="0"/>
+          </a:p>
+          <a:p>
+            <a:pPr lvl="1"/>
+            <a:r>
+              <a:rPr lang="en-US" dirty="0" err="1" smtClean="0"/>
+              <a:t>sessionStorage</a:t>
+            </a:r>
+            <a:endParaRPr lang="en-US" dirty="0" smtClean="0"/>
+          </a:p>
+          <a:p>
+            <a:r>
+              <a:rPr lang="en-US" dirty="0" smtClean="0"/>
+              <a:t>Advantages</a:t>
+            </a:r>
+          </a:p>
+          <a:p>
+            <a:pPr lvl="1"/>
+            <a:r>
+              <a:rPr lang="en-US" dirty="0" smtClean="0"/>
+              <a:t>Simple API</a:t>
+            </a:r>
+          </a:p>
+          <a:p>
+            <a:pPr lvl="1"/>
+            <a:r>
+              <a:rPr lang="en-US" dirty="0" smtClean="0"/>
+              <a:t>Key/value pairs</a:t>
+            </a:r>
+          </a:p>
+          <a:p>
+            <a:pPr lvl="1"/>
+            <a:r>
+              <a:rPr lang="en-US" dirty="0" smtClean="0"/>
+              <a:t>Up to 5MB (maybe even 10!)</a:t>
+            </a:r>
+          </a:p>
+          <a:p>
+            <a:pPr lvl="1"/>
+            <a:r>
+              <a:rPr lang="en-US" dirty="0" smtClean="0"/>
+              <a:t>Store objects*</a:t>
+            </a:r>
+          </a:p>
+          <a:p>
+            <a:pPr lvl="1"/>
+            <a:r>
+              <a:rPr lang="en-US" dirty="0" smtClean="0"/>
+              <a:t>More persistent storage</a:t>
+            </a:r>
+            <a:endParaRPr lang="en-US" dirty="0"/>
+          </a:p>
+          <a:p>
+            <a:pPr marL="457046" lvl="1" indent="0">
+              <a:buNone/>
+            </a:pPr>
+            <a:endParaRPr lang="en-US" dirty="0"/>
+          </a:p>
+        </p:txBody>
+      </p:sp>
+      <p:sp>
+        <p:nvSpPr>
+          <p:cNvPr id="4" name="Rounded Rectangle 3"/>
+          <p:cNvSpPr/>
+          <p:nvPr/>
+        </p:nvSpPr>
+        <p:spPr>
+          <a:xfrm>
+            <a:off x="6720840" y="5935664"/>
+            <a:ext cx="5303520" cy="742950"/>
+          </a:xfrm>
+          <a:prstGeom prst="roundRect">
+            <a:avLst/>
+          </a:prstGeom>
+        </p:spPr>
+        <p:style>
+          <a:lnRef idx="1">
+            <a:schemeClr val="accent2"/>
+          </a:lnRef>
+          <a:fillRef idx="2">
+            <a:schemeClr val="accent2"/>
+          </a:fillRef>
+          <a:effectRef idx="1">
+            <a:schemeClr val="accent2"/>
+          </a:effectRef>
+          <a:fontRef idx="minor">
+            <a:schemeClr val="dk1"/>
+          </a:fontRef>
+        </p:style>
+        <p:txBody>
+          <a:bodyPr rtlCol="0" anchor="ctr"/>
+          <a:lstStyle/>
+          <a:p>
+            <a:pPr algn="ctr"/>
+            <a:r>
+              <a:rPr lang="en-US" dirty="0" smtClean="0"/>
+              <a:t>*Well, they need to be converted to JSON</a:t>
             </a:r>
             <a:endParaRPr lang="en-US" dirty="0"/>
           </a:p>
@@ -7650,7 +10268,7 @@
     </p:spTree>
     <p:extLst>
       <p:ext uri="{BB962C8B-B14F-4D97-AF65-F5344CB8AC3E}">
-        <p14:creationId xmlns:p14="http://schemas.microsoft.com/office/powerpoint/2010/main" val="2567384094"/>
+        <p14:creationId xmlns:p14="http://schemas.microsoft.com/office/powerpoint/2010/main" val="2448506753"/>
       </p:ext>
     </p:extLst>
   </p:cSld>
@@ -7660,9 +10278,88 @@
   <p:timing>
     <p:tnLst>
       <p:par>
-        <p:cTn id="1" dur="indefinite" restart="never" nodeType="tmRoot"/>
+        <p:cTn id="1" dur="indefinite" restart="never" nodeType="tmRoot">
+          <p:childTnLst>
+            <p:seq concurrent="1" nextAc="seek">
+              <p:cTn id="2" dur="indefinite" nodeType="mainSeq">
+                <p:childTnLst>
+                  <p:par>
+                    <p:cTn id="3" fill="hold">
+                      <p:stCondLst>
+                        <p:cond delay="indefinite"/>
+                      </p:stCondLst>
+                      <p:childTnLst>
+                        <p:par>
+                          <p:cTn id="4" fill="hold">
+                            <p:stCondLst>
+                              <p:cond delay="0"/>
+                            </p:stCondLst>
+                            <p:childTnLst>
+                              <p:par>
+                                <p:cTn id="5" presetID="10" presetClass="entr" presetSubtype="0" fill="hold" grpId="0" nodeType="clickEffect">
+                                  <p:stCondLst>
+                                    <p:cond delay="0"/>
+                                  </p:stCondLst>
+                                  <p:childTnLst>
+                                    <p:set>
+                                      <p:cBhvr>
+                                        <p:cTn id="6" dur="1" fill="hold">
+                                          <p:stCondLst>
+                                            <p:cond delay="0"/>
+                                          </p:stCondLst>
+                                        </p:cTn>
+                                        <p:tgtEl>
+                                          <p:spTgt spid="4"/>
+                                        </p:tgtEl>
+                                        <p:attrNameLst>
+                                          <p:attrName>style.visibility</p:attrName>
+                                        </p:attrNameLst>
+                                      </p:cBhvr>
+                                      <p:to>
+                                        <p:strVal val="visible"/>
+                                      </p:to>
+                                    </p:set>
+                                    <p:animEffect transition="in" filter="fade">
+                                      <p:cBhvr>
+                                        <p:cTn id="7" dur="500"/>
+                                        <p:tgtEl>
+                                          <p:spTgt spid="4"/>
+                                        </p:tgtEl>
+                                      </p:cBhvr>
+                                    </p:animEffect>
+                                  </p:childTnLst>
+                                </p:cTn>
+                              </p:par>
+                            </p:childTnLst>
+                          </p:cTn>
+                        </p:par>
+                      </p:childTnLst>
+                    </p:cTn>
+                  </p:par>
+                </p:childTnLst>
+              </p:cTn>
+              <p:prevCondLst>
+                <p:cond evt="onPrev" delay="0">
+                  <p:tgtEl>
+                    <p:sldTgt/>
+                  </p:tgtEl>
+                </p:cond>
+              </p:prevCondLst>
+              <p:nextCondLst>
+                <p:cond evt="onNext" delay="0">
+                  <p:tgtEl>
+                    <p:sldTgt/>
+                  </p:tgtEl>
+                </p:cond>
+              </p:nextCondLst>
+            </p:seq>
+          </p:childTnLst>
+        </p:cTn>
       </p:par>
     </p:tnLst>
+    <p:bldLst>
+      <p:bldP spid="4" grpId="0" animBg="1"/>
+    </p:bldLst>
   </p:timing>
 </p:sld>
 </file>
@@ -7686,43 +10383,6 @@
       </p:grpSpPr>
       <p:sp>
         <p:nvSpPr>
-          <p:cNvPr id="7" name="Content Placeholder 6"/>
-          <p:cNvSpPr>
-            <a:spLocks noGrp="1"/>
-          </p:cNvSpPr>
-          <p:nvPr>
-            <p:ph sz="quarter" idx="10"/>
-          </p:nvPr>
-        </p:nvSpPr>
-        <p:spPr/>
-        <p:txBody>
-          <a:bodyPr>
-            <a:normAutofit/>
-          </a:bodyPr>
-          <a:lstStyle/>
-          <a:p>
-            <a:r>
-              <a:rPr lang="en-GB" dirty="0" smtClean="0"/>
-              <a:t>Section 1</a:t>
-            </a:r>
-          </a:p>
-          <a:p>
-            <a:r>
-              <a:rPr lang="en-GB" dirty="0" smtClean="0"/>
-              <a:t>Section 2</a:t>
-            </a:r>
-          </a:p>
-          <a:p>
-            <a:r>
-              <a:rPr lang="en-GB" dirty="0" smtClean="0"/>
-              <a:t>Section 3</a:t>
-            </a:r>
-            <a:endParaRPr lang="en-GB" dirty="0"/>
-          </a:p>
-        </p:txBody>
-      </p:sp>
-      <p:sp>
-        <p:nvSpPr>
           <p:cNvPr id="2" name="Title 1"/>
           <p:cNvSpPr>
             <a:spLocks noGrp="1"/>
@@ -7737,8 +10397,68 @@
           <a:lstStyle/>
           <a:p>
             <a:r>
-              <a:rPr lang="en-US" dirty="0" smtClean="0"/>
-              <a:t>Summary</a:t>
+              <a:rPr lang="en-US" dirty="0" err="1" smtClean="0"/>
+              <a:t>localStorage</a:t>
+            </a:r>
+            <a:r>
+              <a:rPr lang="en-US" dirty="0" smtClean="0"/>
+              <a:t> vs </a:t>
+            </a:r>
+            <a:r>
+              <a:rPr lang="en-US" dirty="0" err="1" smtClean="0"/>
+              <a:t>sessionStorage</a:t>
+            </a:r>
+            <a:endParaRPr lang="en-US" dirty="0"/>
+          </a:p>
+        </p:txBody>
+      </p:sp>
+      <p:sp>
+        <p:nvSpPr>
+          <p:cNvPr id="3" name="Content Placeholder 2"/>
+          <p:cNvSpPr>
+            <a:spLocks noGrp="1"/>
+          </p:cNvSpPr>
+          <p:nvPr>
+            <p:ph sz="quarter" idx="10"/>
+          </p:nvPr>
+        </p:nvSpPr>
+        <p:spPr/>
+        <p:txBody>
+          <a:bodyPr/>
+          <a:lstStyle/>
+          <a:p>
+            <a:r>
+              <a:rPr lang="en-US" dirty="0" err="1" smtClean="0"/>
+              <a:t>localStorage</a:t>
+            </a:r>
+            <a:endParaRPr lang="en-US" dirty="0" smtClean="0"/>
+          </a:p>
+          <a:p>
+            <a:pPr lvl="1"/>
+            <a:r>
+              <a:rPr lang="en-US" dirty="0" smtClean="0"/>
+              <a:t>Persists until deleted</a:t>
+            </a:r>
+          </a:p>
+          <a:p>
+            <a:r>
+              <a:rPr lang="en-US" dirty="0" err="1" smtClean="0"/>
+              <a:t>sessionStorage</a:t>
+            </a:r>
+            <a:endParaRPr lang="en-US" dirty="0" smtClean="0"/>
+          </a:p>
+          <a:p>
+            <a:pPr lvl="1"/>
+            <a:r>
+              <a:rPr lang="en-US" dirty="0" smtClean="0"/>
+              <a:t>Persists until tab closed</a:t>
+            </a:r>
+          </a:p>
+          <a:p>
+            <a:pPr lvl="1"/>
+            <a:r>
+              <a:rPr lang="en-US" dirty="0" smtClean="0"/>
+              <a:t>Separate object for each tab</a:t>
             </a:r>
             <a:endParaRPr lang="en-US" dirty="0"/>
           </a:p>
@@ -7747,7 +10467,7 @@
     </p:spTree>
     <p:extLst>
       <p:ext uri="{BB962C8B-B14F-4D97-AF65-F5344CB8AC3E}">
-        <p14:creationId xmlns:p14="http://schemas.microsoft.com/office/powerpoint/2010/main" val="393125443"/>
+        <p14:creationId xmlns:p14="http://schemas.microsoft.com/office/powerpoint/2010/main" val="3911509981"/>
       </p:ext>
     </p:extLst>
   </p:cSld>
@@ -8857,6 +11577,21 @@
 </file>
 
 <file path=customXml/item1.xml><?xml version="1.0" encoding="utf-8"?>
+<p:properties xmlns:p="http://schemas.microsoft.com/office/2006/metadata/properties" xmlns:xsi="http://www.w3.org/2001/XMLSchema-instance" xmlns:pc="http://schemas.microsoft.com/office/infopath/2007/PartnerControls">
+  <documentManagement/>
+</p:properties>
+</file>
+
+<file path=customXml/item2.xml><?xml version="1.0" encoding="utf-8"?>
+<?mso-contentType ?>
+<FormTemplates xmlns="http://schemas.microsoft.com/sharepoint/v3/contenttype/forms">
+  <Display>DocumentLibraryForm</Display>
+  <Edit>DocumentLibraryForm</Edit>
+  <New>DocumentLibraryForm</New>
+</FormTemplates>
+</file>
+
+<file path=customXml/item3.xml><?xml version="1.0" encoding="utf-8"?>
 <ct:contentTypeSchema xmlns:ct="http://schemas.microsoft.com/office/2006/metadata/contentType" xmlns:ma="http://schemas.microsoft.com/office/2006/metadata/properties/metaAttributes" ct:_="" ma:_="" ma:contentTypeName="Document" ma:contentTypeID="0x010100CF3CFFA86DA93345A891C3CCBC738F63" ma:contentTypeVersion="1" ma:contentTypeDescription="Create a new document." ma:contentTypeScope="" ma:versionID="060e45d69093970729cdde03e78aa3cc">
   <xsd:schema xmlns:xsd="http://www.w3.org/2001/XMLSchema" xmlns:xs="http://www.w3.org/2001/XMLSchema" xmlns:p="http://schemas.microsoft.com/office/2006/metadata/properties" xmlns:ns3="ecd1fa32-ae44-48d6-80a1-71a52da60b4a" targetNamespace="http://schemas.microsoft.com/office/2006/metadata/properties" ma:root="true" ma:fieldsID="2fc9741b54117334ed0e10932dac3600" ns3:_="">
     <xsd:import namespace="ecd1fa32-ae44-48d6-80a1-71a52da60b4a"/>
@@ -8996,22 +11731,31 @@
 </ct:contentTypeSchema>
 </file>
 
-<file path=customXml/item2.xml><?xml version="1.0" encoding="utf-8"?>
-<?mso-contentType ?>
-<FormTemplates xmlns="http://schemas.microsoft.com/sharepoint/v3/contenttype/forms">
-  <Display>DocumentLibraryForm</Display>
-  <Edit>DocumentLibraryForm</Edit>
-  <New>DocumentLibraryForm</New>
-</FormTemplates>
+<file path=customXml/itemProps1.xml><?xml version="1.0" encoding="utf-8"?>
+<ds:datastoreItem xmlns:ds="http://schemas.openxmlformats.org/officeDocument/2006/customXml" ds:itemID="{7025FDD9-4C58-4084-9F89-0E6ADD6FFF55}">
+  <ds:schemaRefs>
+    <ds:schemaRef ds:uri="http://schemas.microsoft.com/office/2006/metadata/properties"/>
+    <ds:schemaRef ds:uri="http://purl.org/dc/terms/"/>
+    <ds:schemaRef ds:uri="http://schemas.openxmlformats.org/package/2006/metadata/core-properties"/>
+    <ds:schemaRef ds:uri="http://schemas.microsoft.com/office/2006/documentManagement/types"/>
+    <ds:schemaRef ds:uri="http://schemas.microsoft.com/office/infopath/2007/PartnerControls"/>
+    <ds:schemaRef ds:uri="ecd1fa32-ae44-48d6-80a1-71a52da60b4a"/>
+    <ds:schemaRef ds:uri="http://purl.org/dc/elements/1.1/"/>
+    <ds:schemaRef ds:uri="http://www.w3.org/XML/1998/namespace"/>
+    <ds:schemaRef ds:uri="http://purl.org/dc/dcmitype/"/>
+  </ds:schemaRefs>
+</ds:datastoreItem>
 </file>
 
-<file path=customXml/item3.xml><?xml version="1.0" encoding="utf-8"?>
-<p:properties xmlns:p="http://schemas.microsoft.com/office/2006/metadata/properties" xmlns:xsi="http://www.w3.org/2001/XMLSchema-instance" xmlns:pc="http://schemas.microsoft.com/office/infopath/2007/PartnerControls">
-  <documentManagement/>
-</p:properties>
+<file path=customXml/itemProps2.xml><?xml version="1.0" encoding="utf-8"?>
+<ds:datastoreItem xmlns:ds="http://schemas.openxmlformats.org/officeDocument/2006/customXml" ds:itemID="{B0CA13EC-1D3C-4D6F-8D1C-E8A452CFC79A}">
+  <ds:schemaRefs>
+    <ds:schemaRef ds:uri="http://schemas.microsoft.com/sharepoint/v3/contenttype/forms"/>
+  </ds:schemaRefs>
+</ds:datastoreItem>
 </file>
 
-<file path=customXml/itemProps1.xml><?xml version="1.0" encoding="utf-8"?>
+<file path=customXml/itemProps3.xml><?xml version="1.0" encoding="utf-8"?>
 <ds:datastoreItem xmlns:ds="http://schemas.openxmlformats.org/officeDocument/2006/customXml" ds:itemID="{A545FFDC-6555-4FAD-8A13-72F96FEB882E}">
   <ds:schemaRefs>
     <ds:schemaRef ds:uri="http://schemas.microsoft.com/office/2006/metadata/contentType"/>
@@ -9027,28 +11771,4 @@
     <ds:schemaRef ds:uri="http://schemas.microsoft.com/internal/obd"/>
   </ds:schemaRefs>
 </ds:datastoreItem>
-</file>
-
-<file path=customXml/itemProps2.xml><?xml version="1.0" encoding="utf-8"?>
-<ds:datastoreItem xmlns:ds="http://schemas.openxmlformats.org/officeDocument/2006/customXml" ds:itemID="{B0CA13EC-1D3C-4D6F-8D1C-E8A452CFC79A}">
-  <ds:schemaRefs>
-    <ds:schemaRef ds:uri="http://schemas.microsoft.com/sharepoint/v3/contenttype/forms"/>
-  </ds:schemaRefs>
-</ds:datastoreItem>
-</file>
-
-<file path=customXml/itemProps3.xml><?xml version="1.0" encoding="utf-8"?>
-<ds:datastoreItem xmlns:ds="http://schemas.openxmlformats.org/officeDocument/2006/customXml" ds:itemID="{7025FDD9-4C58-4084-9F89-0E6ADD6FFF55}">
-  <ds:schemaRefs>
-    <ds:schemaRef ds:uri="http://schemas.microsoft.com/office/2006/metadata/properties"/>
-    <ds:schemaRef ds:uri="http://purl.org/dc/terms/"/>
-    <ds:schemaRef ds:uri="http://schemas.openxmlformats.org/package/2006/metadata/core-properties"/>
-    <ds:schemaRef ds:uri="http://schemas.microsoft.com/office/2006/documentManagement/types"/>
-    <ds:schemaRef ds:uri="http://schemas.microsoft.com/office/infopath/2007/PartnerControls"/>
-    <ds:schemaRef ds:uri="ecd1fa32-ae44-48d6-80a1-71a52da60b4a"/>
-    <ds:schemaRef ds:uri="http://purl.org/dc/elements/1.1/"/>
-    <ds:schemaRef ds:uri="http://www.w3.org/XML/1998/namespace"/>
-    <ds:schemaRef ds:uri="http://purl.org/dc/dcmitype/"/>
-  </ds:schemaRefs>
-</ds:datastoreItem>
 </file>
--- a/Slides/M6 Offline Data.pptx
+++ b/Slides/M6 Offline Data.pptx
@@ -6,10 +6,10 @@
     <p:sldMasterId id="2147483674" r:id="rId5"/>
   </p:sldMasterIdLst>
   <p:notesMasterIdLst>
-    <p:notesMasterId r:id="rId33"/>
+    <p:notesMasterId r:id="rId32"/>
   </p:notesMasterIdLst>
   <p:handoutMasterIdLst>
-    <p:handoutMasterId r:id="rId34"/>
+    <p:handoutMasterId r:id="rId33"/>
   </p:handoutMasterIdLst>
   <p:sldIdLst>
     <p:sldId id="459" r:id="rId6"/>
@@ -37,8 +37,7 @@
     <p:sldId id="475" r:id="rId28"/>
     <p:sldId id="476" r:id="rId29"/>
     <p:sldId id="477" r:id="rId30"/>
-    <p:sldId id="478" r:id="rId31"/>
-    <p:sldId id="269" r:id="rId32"/>
+    <p:sldId id="269" r:id="rId31"/>
   </p:sldIdLst>
   <p:sldSz cx="12192000" cy="6858000"/>
   <p:notesSz cx="6858000" cy="9144000"/>
@@ -171,7 +170,6 @@
             <p14:sldId id="475"/>
             <p14:sldId id="476"/>
             <p14:sldId id="477"/>
-            <p14:sldId id="478"/>
           </p14:sldIdLst>
         </p14:section>
         <p14:section name="End" id="{E17367C9-8ACE-479F-BE70-706EA28440B9}">
@@ -273,7 +271,7 @@
           <a:p>
             <a:fld id="{312E7B4A-039C-48A2-9B2C-AF16AA3873D8}" type="datetimeFigureOut">
               <a:rPr lang="en-US" smtClean="0"/>
-              <a:t>10/14/2014</a:t>
+              <a:t>10/21/2014</a:t>
             </a:fld>
             <a:endParaRPr lang="en-US"/>
           </a:p>
@@ -438,7 +436,7 @@
           <a:p>
             <a:fld id="{DA005A0C-54D9-45AA-87D4-C551D08DFCE1}" type="datetimeFigureOut">
               <a:rPr lang="en-US" smtClean="0"/>
-              <a:t>10/14/2014</a:t>
+              <a:t>10/21/2014</a:t>
             </a:fld>
             <a:endParaRPr lang="en-US"/>
           </a:p>
@@ -8461,14 +8459,14 @@
                 <a:gridCol w="5762625">
                   <a:extLst>
                     <a:ext uri="{9D8B030D-6E8A-4147-A177-3AD203B41FA5}">
-                      <a16:colId xmlns:a16="http://schemas.microsoft.com/office/drawing/2014/main" xmlns="" val="1632794655"/>
+                      <a16:colId xmlns="" xmlns:a16="http://schemas.microsoft.com/office/drawing/2014/main" val="1632794655"/>
                     </a:ext>
                   </a:extLst>
                 </a:gridCol>
                 <a:gridCol w="5762625">
                   <a:extLst>
                     <a:ext uri="{9D8B030D-6E8A-4147-A177-3AD203B41FA5}">
-                      <a16:colId xmlns:a16="http://schemas.microsoft.com/office/drawing/2014/main" xmlns="" val="2011313899"/>
+                      <a16:colId xmlns="" xmlns:a16="http://schemas.microsoft.com/office/drawing/2014/main" val="2011313899"/>
                     </a:ext>
                   </a:extLst>
                 </a:gridCol>
@@ -8506,7 +8504,7 @@
                 </a:tc>
                 <a:extLst>
                   <a:ext uri="{0D108BD9-81ED-4DB2-BD59-A6C34878D82A}">
-                    <a16:rowId xmlns:a16="http://schemas.microsoft.com/office/drawing/2014/main" xmlns="" val="1789177411"/>
+                    <a16:rowId xmlns="" xmlns:a16="http://schemas.microsoft.com/office/drawing/2014/main" val="1789177411"/>
                   </a:ext>
                 </a:extLst>
               </a:tr>
@@ -8567,7 +8565,7 @@
                 </a:tc>
                 <a:extLst>
                   <a:ext uri="{0D108BD9-81ED-4DB2-BD59-A6C34878D82A}">
-                    <a16:rowId xmlns:a16="http://schemas.microsoft.com/office/drawing/2014/main" xmlns="" val="3842815335"/>
+                    <a16:rowId xmlns="" xmlns:a16="http://schemas.microsoft.com/office/drawing/2014/main" val="3842815335"/>
                   </a:ext>
                 </a:extLst>
               </a:tr>
@@ -8614,7 +8612,7 @@
                 </a:tc>
                 <a:extLst>
                   <a:ext uri="{0D108BD9-81ED-4DB2-BD59-A6C34878D82A}">
-                    <a16:rowId xmlns:a16="http://schemas.microsoft.com/office/drawing/2014/main" xmlns="" val="321066646"/>
+                    <a16:rowId xmlns="" xmlns:a16="http://schemas.microsoft.com/office/drawing/2014/main" val="321066646"/>
                   </a:ext>
                 </a:extLst>
               </a:tr>
@@ -8685,7 +8683,7 @@
                 </a:tc>
                 <a:extLst>
                   <a:ext uri="{0D108BD9-81ED-4DB2-BD59-A6C34878D82A}">
-                    <a16:rowId xmlns:a16="http://schemas.microsoft.com/office/drawing/2014/main" xmlns="" val="3812060533"/>
+                    <a16:rowId xmlns="" xmlns:a16="http://schemas.microsoft.com/office/drawing/2014/main" val="3812060533"/>
                   </a:ext>
                 </a:extLst>
               </a:tr>
@@ -9429,66 +9427,6 @@
           <a:chExt cx="0" cy="0"/>
         </a:xfrm>
       </p:grpSpPr>
-      <p:sp>
-        <p:nvSpPr>
-          <p:cNvPr id="2" name="Title 1"/>
-          <p:cNvSpPr>
-            <a:spLocks noGrp="1"/>
-          </p:cNvSpPr>
-          <p:nvPr>
-            <p:ph type="title"/>
-          </p:nvPr>
-        </p:nvSpPr>
-        <p:spPr/>
-        <p:txBody>
-          <a:bodyPr/>
-          <a:lstStyle/>
-          <a:p>
-            <a:r>
-              <a:rPr lang="en-US" dirty="0" smtClean="0"/>
-              <a:t>Frayed Knot</a:t>
-            </a:r>
-            <a:endParaRPr lang="en-US" dirty="0"/>
-          </a:p>
-        </p:txBody>
-      </p:sp>
-    </p:spTree>
-    <p:extLst>
-      <p:ext uri="{BB962C8B-B14F-4D97-AF65-F5344CB8AC3E}">
-        <p14:creationId xmlns:p14="http://schemas.microsoft.com/office/powerpoint/2010/main" val="2115609273"/>
-      </p:ext>
-    </p:extLst>
-  </p:cSld>
-  <p:clrMapOvr>
-    <a:masterClrMapping/>
-  </p:clrMapOvr>
-  <p:timing>
-    <p:tnLst>
-      <p:par>
-        <p:cTn id="1" dur="indefinite" restart="never" nodeType="tmRoot"/>
-      </p:par>
-    </p:tnLst>
-  </p:timing>
-</p:sld>
-</file>
-
-<file path=ppt/slides/slide27.xml><?xml version="1.0" encoding="utf-8"?>
-<p:sld xmlns:a="http://schemas.openxmlformats.org/drawingml/2006/main" xmlns:r="http://schemas.openxmlformats.org/officeDocument/2006/relationships" xmlns:p="http://schemas.openxmlformats.org/presentationml/2006/main">
-  <p:cSld>
-    <p:spTree>
-      <p:nvGrpSpPr>
-        <p:cNvPr id="1" name=""/>
-        <p:cNvGrpSpPr/>
-        <p:nvPr/>
-      </p:nvGrpSpPr>
-      <p:grpSpPr>
-        <a:xfrm>
-          <a:off x="0" y="0"/>
-          <a:ext cx="0" cy="0"/>
-          <a:chOff x="0" y="0"/>
-          <a:chExt cx="0" cy="0"/>
-        </a:xfrm>
-      </p:grpSpPr>
     </p:spTree>
     <p:extLst>
       <p:ext uri="{BB962C8B-B14F-4D97-AF65-F5344CB8AC3E}">
@@ -9806,8 +9744,7 @@
       <p:bgPr>
         <a:solidFill>
           <a:schemeClr val="accent2">
-            <a:lumMod val="60000"/>
-            <a:lumOff val="40000"/>
+            <a:lumMod val="75000"/>
           </a:schemeClr>
         </a:solidFill>
         <a:effectLst/>
@@ -11577,21 +11514,6 @@
 </file>
 
 <file path=customXml/item1.xml><?xml version="1.0" encoding="utf-8"?>
-<p:properties xmlns:p="http://schemas.microsoft.com/office/2006/metadata/properties" xmlns:xsi="http://www.w3.org/2001/XMLSchema-instance" xmlns:pc="http://schemas.microsoft.com/office/infopath/2007/PartnerControls">
-  <documentManagement/>
-</p:properties>
-</file>
-
-<file path=customXml/item2.xml><?xml version="1.0" encoding="utf-8"?>
-<?mso-contentType ?>
-<FormTemplates xmlns="http://schemas.microsoft.com/sharepoint/v3/contenttype/forms">
-  <Display>DocumentLibraryForm</Display>
-  <Edit>DocumentLibraryForm</Edit>
-  <New>DocumentLibraryForm</New>
-</FormTemplates>
-</file>
-
-<file path=customXml/item3.xml><?xml version="1.0" encoding="utf-8"?>
 <ct:contentTypeSchema xmlns:ct="http://schemas.microsoft.com/office/2006/metadata/contentType" xmlns:ma="http://schemas.microsoft.com/office/2006/metadata/properties/metaAttributes" ct:_="" ma:_="" ma:contentTypeName="Document" ma:contentTypeID="0x010100CF3CFFA86DA93345A891C3CCBC738F63" ma:contentTypeVersion="1" ma:contentTypeDescription="Create a new document." ma:contentTypeScope="" ma:versionID="060e45d69093970729cdde03e78aa3cc">
   <xsd:schema xmlns:xsd="http://www.w3.org/2001/XMLSchema" xmlns:xs="http://www.w3.org/2001/XMLSchema" xmlns:p="http://schemas.microsoft.com/office/2006/metadata/properties" xmlns:ns3="ecd1fa32-ae44-48d6-80a1-71a52da60b4a" targetNamespace="http://schemas.microsoft.com/office/2006/metadata/properties" ma:root="true" ma:fieldsID="2fc9741b54117334ed0e10932dac3600" ns3:_="">
     <xsd:import namespace="ecd1fa32-ae44-48d6-80a1-71a52da60b4a"/>
@@ -11731,31 +11653,22 @@
 </ct:contentTypeSchema>
 </file>
 
-<file path=customXml/itemProps1.xml><?xml version="1.0" encoding="utf-8"?>
-<ds:datastoreItem xmlns:ds="http://schemas.openxmlformats.org/officeDocument/2006/customXml" ds:itemID="{7025FDD9-4C58-4084-9F89-0E6ADD6FFF55}">
-  <ds:schemaRefs>
-    <ds:schemaRef ds:uri="http://schemas.microsoft.com/office/2006/metadata/properties"/>
-    <ds:schemaRef ds:uri="http://purl.org/dc/terms/"/>
-    <ds:schemaRef ds:uri="http://schemas.openxmlformats.org/package/2006/metadata/core-properties"/>
-    <ds:schemaRef ds:uri="http://schemas.microsoft.com/office/2006/documentManagement/types"/>
-    <ds:schemaRef ds:uri="http://schemas.microsoft.com/office/infopath/2007/PartnerControls"/>
-    <ds:schemaRef ds:uri="ecd1fa32-ae44-48d6-80a1-71a52da60b4a"/>
-    <ds:schemaRef ds:uri="http://purl.org/dc/elements/1.1/"/>
-    <ds:schemaRef ds:uri="http://www.w3.org/XML/1998/namespace"/>
-    <ds:schemaRef ds:uri="http://purl.org/dc/dcmitype/"/>
-  </ds:schemaRefs>
-</ds:datastoreItem>
+<file path=customXml/item2.xml><?xml version="1.0" encoding="utf-8"?>
+<?mso-contentType ?>
+<FormTemplates xmlns="http://schemas.microsoft.com/sharepoint/v3/contenttype/forms">
+  <Display>DocumentLibraryForm</Display>
+  <Edit>DocumentLibraryForm</Edit>
+  <New>DocumentLibraryForm</New>
+</FormTemplates>
 </file>
 
-<file path=customXml/itemProps2.xml><?xml version="1.0" encoding="utf-8"?>
-<ds:datastoreItem xmlns:ds="http://schemas.openxmlformats.org/officeDocument/2006/customXml" ds:itemID="{B0CA13EC-1D3C-4D6F-8D1C-E8A452CFC79A}">
-  <ds:schemaRefs>
-    <ds:schemaRef ds:uri="http://schemas.microsoft.com/sharepoint/v3/contenttype/forms"/>
-  </ds:schemaRefs>
-</ds:datastoreItem>
+<file path=customXml/item3.xml><?xml version="1.0" encoding="utf-8"?>
+<p:properties xmlns:p="http://schemas.microsoft.com/office/2006/metadata/properties" xmlns:xsi="http://www.w3.org/2001/XMLSchema-instance" xmlns:pc="http://schemas.microsoft.com/office/infopath/2007/PartnerControls">
+  <documentManagement/>
+</p:properties>
 </file>
 
-<file path=customXml/itemProps3.xml><?xml version="1.0" encoding="utf-8"?>
+<file path=customXml/itemProps1.xml><?xml version="1.0" encoding="utf-8"?>
 <ds:datastoreItem xmlns:ds="http://schemas.openxmlformats.org/officeDocument/2006/customXml" ds:itemID="{A545FFDC-6555-4FAD-8A13-72F96FEB882E}">
   <ds:schemaRefs>
     <ds:schemaRef ds:uri="http://schemas.microsoft.com/office/2006/metadata/contentType"/>
@@ -11771,4 +11684,28 @@
     <ds:schemaRef ds:uri="http://schemas.microsoft.com/internal/obd"/>
   </ds:schemaRefs>
 </ds:datastoreItem>
+</file>
+
+<file path=customXml/itemProps2.xml><?xml version="1.0" encoding="utf-8"?>
+<ds:datastoreItem xmlns:ds="http://schemas.openxmlformats.org/officeDocument/2006/customXml" ds:itemID="{B0CA13EC-1D3C-4D6F-8D1C-E8A452CFC79A}">
+  <ds:schemaRefs>
+    <ds:schemaRef ds:uri="http://schemas.microsoft.com/sharepoint/v3/contenttype/forms"/>
+  </ds:schemaRefs>
+</ds:datastoreItem>
+</file>
+
+<file path=customXml/itemProps3.xml><?xml version="1.0" encoding="utf-8"?>
+<ds:datastoreItem xmlns:ds="http://schemas.openxmlformats.org/officeDocument/2006/customXml" ds:itemID="{7025FDD9-4C58-4084-9F89-0E6ADD6FFF55}">
+  <ds:schemaRefs>
+    <ds:schemaRef ds:uri="http://schemas.microsoft.com/office/2006/metadata/properties"/>
+    <ds:schemaRef ds:uri="http://purl.org/dc/terms/"/>
+    <ds:schemaRef ds:uri="http://schemas.openxmlformats.org/package/2006/metadata/core-properties"/>
+    <ds:schemaRef ds:uri="http://schemas.microsoft.com/office/2006/documentManagement/types"/>
+    <ds:schemaRef ds:uri="http://schemas.microsoft.com/office/infopath/2007/PartnerControls"/>
+    <ds:schemaRef ds:uri="ecd1fa32-ae44-48d6-80a1-71a52da60b4a"/>
+    <ds:schemaRef ds:uri="http://purl.org/dc/elements/1.1/"/>
+    <ds:schemaRef ds:uri="http://www.w3.org/XML/1998/namespace"/>
+    <ds:schemaRef ds:uri="http://purl.org/dc/dcmitype/"/>
+  </ds:schemaRefs>
+</ds:datastoreItem>
 </file>
--- a/Slides/M6 Offline Data.pptx
+++ b/Slides/M6 Offline Data.pptx
@@ -6,10 +6,10 @@
     <p:sldMasterId id="2147483674" r:id="rId5"/>
   </p:sldMasterIdLst>
   <p:notesMasterIdLst>
-    <p:notesMasterId r:id="rId32"/>
+    <p:notesMasterId r:id="rId31"/>
   </p:notesMasterIdLst>
   <p:handoutMasterIdLst>
-    <p:handoutMasterId r:id="rId33"/>
+    <p:handoutMasterId r:id="rId32"/>
   </p:handoutMasterIdLst>
   <p:sldIdLst>
     <p:sldId id="459" r:id="rId6"/>
@@ -31,13 +31,12 @@
     <p:sldId id="472" r:id="rId22"/>
     <p:sldId id="470" r:id="rId23"/>
     <p:sldId id="416" r:id="rId24"/>
-    <p:sldId id="473" r:id="rId25"/>
-    <p:sldId id="454" r:id="rId26"/>
-    <p:sldId id="474" r:id="rId27"/>
-    <p:sldId id="475" r:id="rId28"/>
-    <p:sldId id="476" r:id="rId29"/>
-    <p:sldId id="477" r:id="rId30"/>
-    <p:sldId id="269" r:id="rId31"/>
+    <p:sldId id="454" r:id="rId25"/>
+    <p:sldId id="474" r:id="rId26"/>
+    <p:sldId id="475" r:id="rId27"/>
+    <p:sldId id="476" r:id="rId28"/>
+    <p:sldId id="477" r:id="rId29"/>
+    <p:sldId id="269" r:id="rId30"/>
   </p:sldIdLst>
   <p:sldSz cx="12192000" cy="6858000"/>
   <p:notesSz cx="6858000" cy="9144000"/>
@@ -164,7 +163,6 @@
             <p14:sldId id="472"/>
             <p14:sldId id="470"/>
             <p14:sldId id="416"/>
-            <p14:sldId id="473"/>
             <p14:sldId id="454"/>
             <p14:sldId id="474"/>
             <p14:sldId id="475"/>
@@ -271,7 +269,7 @@
           <a:p>
             <a:fld id="{312E7B4A-039C-48A2-9B2C-AF16AA3873D8}" type="datetimeFigureOut">
               <a:rPr lang="en-US" smtClean="0"/>
-              <a:t>10/21/2014</a:t>
+              <a:t>10/22/2014</a:t>
             </a:fld>
             <a:endParaRPr lang="en-US"/>
           </a:p>
@@ -436,7 +434,7 @@
           <a:p>
             <a:fld id="{DA005A0C-54D9-45AA-87D4-C551D08DFCE1}" type="datetimeFigureOut">
               <a:rPr lang="en-US" smtClean="0"/>
-              <a:t>10/21/2014</a:t>
+              <a:t>10/22/2014</a:t>
             </a:fld>
             <a:endParaRPr lang="en-US"/>
           </a:p>
@@ -1138,7 +1136,7 @@
             <a:fld id="{13F0F35F-DD44-4607-AEC1-49D7A4BC4066}" type="slidenum">
               <a:rPr lang="en-US" smtClean="0"/>
               <a:pPr/>
-              <a:t>21</a:t>
+              <a:t>20</a:t>
             </a:fld>
             <a:endParaRPr lang="en-US" dirty="0"/>
           </a:p>
@@ -8459,14 +8457,14 @@
                 <a:gridCol w="5762625">
                   <a:extLst>
                     <a:ext uri="{9D8B030D-6E8A-4147-A177-3AD203B41FA5}">
-                      <a16:colId xmlns="" xmlns:a16="http://schemas.microsoft.com/office/drawing/2014/main" val="1632794655"/>
+                      <a16:colId xmlns:a16="http://schemas.microsoft.com/office/drawing/2014/main" xmlns="" val="1632794655"/>
                     </a:ext>
                   </a:extLst>
                 </a:gridCol>
                 <a:gridCol w="5762625">
                   <a:extLst>
                     <a:ext uri="{9D8B030D-6E8A-4147-A177-3AD203B41FA5}">
-                      <a16:colId xmlns="" xmlns:a16="http://schemas.microsoft.com/office/drawing/2014/main" val="2011313899"/>
+                      <a16:colId xmlns:a16="http://schemas.microsoft.com/office/drawing/2014/main" xmlns="" val="2011313899"/>
                     </a:ext>
                   </a:extLst>
                 </a:gridCol>
@@ -8504,7 +8502,7 @@
                 </a:tc>
                 <a:extLst>
                   <a:ext uri="{0D108BD9-81ED-4DB2-BD59-A6C34878D82A}">
-                    <a16:rowId xmlns="" xmlns:a16="http://schemas.microsoft.com/office/drawing/2014/main" val="1789177411"/>
+                    <a16:rowId xmlns:a16="http://schemas.microsoft.com/office/drawing/2014/main" xmlns="" val="1789177411"/>
                   </a:ext>
                 </a:extLst>
               </a:tr>
@@ -8565,7 +8563,7 @@
                 </a:tc>
                 <a:extLst>
                   <a:ext uri="{0D108BD9-81ED-4DB2-BD59-A6C34878D82A}">
-                    <a16:rowId xmlns="" xmlns:a16="http://schemas.microsoft.com/office/drawing/2014/main" val="3842815335"/>
+                    <a16:rowId xmlns:a16="http://schemas.microsoft.com/office/drawing/2014/main" xmlns="" val="3842815335"/>
                   </a:ext>
                 </a:extLst>
               </a:tr>
@@ -8612,7 +8610,7 @@
                 </a:tc>
                 <a:extLst>
                   <a:ext uri="{0D108BD9-81ED-4DB2-BD59-A6C34878D82A}">
-                    <a16:rowId xmlns="" xmlns:a16="http://schemas.microsoft.com/office/drawing/2014/main" val="321066646"/>
+                    <a16:rowId xmlns:a16="http://schemas.microsoft.com/office/drawing/2014/main" xmlns="" val="321066646"/>
                   </a:ext>
                 </a:extLst>
               </a:tr>
@@ -8683,7 +8681,7 @@
                 </a:tc>
                 <a:extLst>
                   <a:ext uri="{0D108BD9-81ED-4DB2-BD59-A6C34878D82A}">
-                    <a16:rowId xmlns="" xmlns:a16="http://schemas.microsoft.com/office/drawing/2014/main" val="3812060533"/>
+                    <a16:rowId xmlns:a16="http://schemas.microsoft.com/office/drawing/2014/main" xmlns="" val="3812060533"/>
                   </a:ext>
                 </a:extLst>
               </a:tr>
@@ -8781,16 +8779,6 @@
 <file path=ppt/slides/slide20.xml><?xml version="1.0" encoding="utf-8"?>
 <p:sld xmlns:a="http://schemas.openxmlformats.org/drawingml/2006/main" xmlns:r="http://schemas.openxmlformats.org/officeDocument/2006/relationships" xmlns:p="http://schemas.openxmlformats.org/presentationml/2006/main">
   <p:cSld>
-    <p:bg>
-      <p:bgPr>
-        <a:solidFill>
-          <a:schemeClr val="accent4">
-            <a:lumMod val="75000"/>
-          </a:schemeClr>
-        </a:solidFill>
-        <a:effectLst/>
-      </p:bgPr>
-    </p:bg>
     <p:spTree>
       <p:nvGrpSpPr>
         <p:cNvPr id="1" name=""/>
@@ -8807,66 +8795,69 @@
       </p:grpSpPr>
       <p:sp>
         <p:nvSpPr>
-          <p:cNvPr id="4" name="TextBox 3"/>
-          <p:cNvSpPr txBox="1"/>
-          <p:nvPr/>
-        </p:nvSpPr>
-        <p:spPr>
-          <a:xfrm>
-            <a:off x="2099970" y="2967335"/>
-            <a:ext cx="7992060" cy="1384995"/>
-          </a:xfrm>
-          <a:prstGeom prst="rect">
-            <a:avLst/>
-          </a:prstGeom>
-          <a:noFill/>
-        </p:spPr>
-        <p:txBody>
-          <a:bodyPr wrap="none" rtlCol="0">
-            <a:spAutoFit/>
+          <p:cNvPr id="7" name="Content Placeholder 6"/>
+          <p:cNvSpPr>
+            <a:spLocks noGrp="1"/>
+          </p:cNvSpPr>
+          <p:nvPr>
+            <p:ph sz="quarter" idx="10"/>
+          </p:nvPr>
+        </p:nvSpPr>
+        <p:spPr/>
+        <p:txBody>
+          <a:bodyPr>
+            <a:normAutofit/>
           </a:bodyPr>
           <a:lstStyle/>
           <a:p>
-            <a:pPr algn="ctr"/>
-            <a:r>
-              <a:rPr lang="en-US" sz="2800" dirty="0" smtClean="0">
-                <a:solidFill>
-                  <a:schemeClr val="bg1"/>
-                </a:solidFill>
-              </a:rPr>
-              <a:t>Goal:</a:t>
-            </a:r>
-          </a:p>
-          <a:p>
-            <a:pPr algn="ctr"/>
-            <a:endParaRPr lang="en-US" sz="2800" dirty="0">
-              <a:solidFill>
-                <a:schemeClr val="bg1"/>
-              </a:solidFill>
-            </a:endParaRPr>
-          </a:p>
-          <a:p>
-            <a:pPr algn="ctr"/>
-            <a:r>
-              <a:rPr lang="en-US" sz="2800" dirty="0" smtClean="0">
-                <a:solidFill>
-                  <a:schemeClr val="bg1"/>
-                </a:solidFill>
-              </a:rPr>
-              <a:t>Have our app appear as though it was locally installed</a:t>
-            </a:r>
-            <a:endParaRPr lang="en-US" sz="2800" dirty="0">
-              <a:solidFill>
-                <a:schemeClr val="bg1"/>
-              </a:solidFill>
-            </a:endParaRPr>
+            <a:r>
+              <a:rPr lang="en-GB" dirty="0" smtClean="0"/>
+              <a:t>Determine where the user is</a:t>
+            </a:r>
+          </a:p>
+          <a:p>
+            <a:pPr lvl="1"/>
+            <a:r>
+              <a:rPr lang="en-GB" dirty="0" smtClean="0"/>
+              <a:t>Store locations</a:t>
+            </a:r>
+          </a:p>
+          <a:p>
+            <a:pPr lvl="1"/>
+            <a:r>
+              <a:rPr lang="en-GB" dirty="0" smtClean="0"/>
+              <a:t>Directions</a:t>
+            </a:r>
+          </a:p>
+        </p:txBody>
+      </p:sp>
+      <p:sp>
+        <p:nvSpPr>
+          <p:cNvPr id="2" name="Title 1"/>
+          <p:cNvSpPr>
+            <a:spLocks noGrp="1"/>
+          </p:cNvSpPr>
+          <p:nvPr>
+            <p:ph type="title"/>
+          </p:nvPr>
+        </p:nvSpPr>
+        <p:spPr/>
+        <p:txBody>
+          <a:bodyPr/>
+          <a:lstStyle/>
+          <a:p>
+            <a:r>
+              <a:rPr lang="en-US" dirty="0" smtClean="0"/>
+              <a:t>Geography</a:t>
+            </a:r>
+            <a:endParaRPr lang="en-US" dirty="0"/>
           </a:p>
         </p:txBody>
       </p:sp>
     </p:spTree>
     <p:extLst>
       <p:ext uri="{BB962C8B-B14F-4D97-AF65-F5344CB8AC3E}">
-        <p14:creationId xmlns:p14="http://schemas.microsoft.com/office/powerpoint/2010/main" val="4094772944"/>
+        <p14:creationId xmlns:p14="http://schemas.microsoft.com/office/powerpoint/2010/main" val="2567384094"/>
       </p:ext>
     </p:extLst>
   </p:cSld>
@@ -8902,44 +8893,6 @@
       </p:grpSpPr>
       <p:sp>
         <p:nvSpPr>
-          <p:cNvPr id="7" name="Content Placeholder 6"/>
-          <p:cNvSpPr>
-            <a:spLocks noGrp="1"/>
-          </p:cNvSpPr>
-          <p:nvPr>
-            <p:ph sz="quarter" idx="10"/>
-          </p:nvPr>
-        </p:nvSpPr>
-        <p:spPr/>
-        <p:txBody>
-          <a:bodyPr>
-            <a:normAutofit/>
-          </a:bodyPr>
-          <a:lstStyle/>
-          <a:p>
-            <a:r>
-              <a:rPr lang="en-GB" dirty="0" smtClean="0"/>
-              <a:t>Determine where the user is</a:t>
-            </a:r>
-          </a:p>
-          <a:p>
-            <a:pPr lvl="1"/>
-            <a:r>
-              <a:rPr lang="en-GB" dirty="0" smtClean="0"/>
-              <a:t>Store locations</a:t>
-            </a:r>
-          </a:p>
-          <a:p>
-            <a:pPr lvl="1"/>
-            <a:r>
-              <a:rPr lang="en-GB" dirty="0" smtClean="0"/>
-              <a:t>Directions</a:t>
-            </a:r>
-          </a:p>
-        </p:txBody>
-      </p:sp>
-      <p:sp>
-        <p:nvSpPr>
           <p:cNvPr id="2" name="Title 1"/>
           <p:cNvSpPr>
             <a:spLocks noGrp="1"/>
@@ -8955,7 +8908,72 @@
           <a:p>
             <a:r>
               <a:rPr lang="en-US" dirty="0" smtClean="0"/>
-              <a:t>Geography</a:t>
+              <a:t>geolocation</a:t>
+            </a:r>
+            <a:endParaRPr lang="en-US" dirty="0"/>
+          </a:p>
+        </p:txBody>
+      </p:sp>
+      <p:sp>
+        <p:nvSpPr>
+          <p:cNvPr id="3" name="Content Placeholder 2"/>
+          <p:cNvSpPr>
+            <a:spLocks noGrp="1"/>
+          </p:cNvSpPr>
+          <p:nvPr>
+            <p:ph sz="quarter" idx="10"/>
+          </p:nvPr>
+        </p:nvSpPr>
+        <p:spPr/>
+        <p:txBody>
+          <a:bodyPr/>
+          <a:lstStyle/>
+          <a:p>
+            <a:r>
+              <a:rPr lang="en-US" dirty="0" smtClean="0"/>
+              <a:t>HTML5 object</a:t>
+            </a:r>
+          </a:p>
+          <a:p>
+            <a:r>
+              <a:rPr lang="en-US" dirty="0" smtClean="0"/>
+              <a:t>Determines user location</a:t>
+            </a:r>
+          </a:p>
+          <a:p>
+            <a:pPr lvl="1"/>
+            <a:r>
+              <a:rPr lang="en-US" dirty="0" smtClean="0"/>
+              <a:t>GPS</a:t>
+            </a:r>
+          </a:p>
+          <a:p>
+            <a:pPr lvl="1"/>
+            <a:r>
+              <a:rPr lang="en-US" dirty="0" smtClean="0"/>
+              <a:t>Cell tower triangulation</a:t>
+            </a:r>
+          </a:p>
+          <a:p>
+            <a:pPr lvl="1"/>
+            <a:r>
+              <a:rPr lang="en-US" dirty="0" smtClean="0"/>
+              <a:t>IP Address</a:t>
+            </a:r>
+          </a:p>
+          <a:p>
+            <a:pPr marL="457046" lvl="1" indent="0">
+              <a:buNone/>
+            </a:pPr>
+            <a:r>
+              <a:rPr lang="en-US" b="1" dirty="0" smtClean="0"/>
+              <a:t>How it works behind the scenes doesn’t interest us</a:t>
+            </a:r>
+          </a:p>
+          <a:p>
+            <a:r>
+              <a:rPr lang="en-US" dirty="0" smtClean="0"/>
+              <a:t>User is prompted to provide location information</a:t>
             </a:r>
             <a:endParaRPr lang="en-US" dirty="0"/>
           </a:p>
@@ -8964,7 +8982,7 @@
     </p:spTree>
     <p:extLst>
       <p:ext uri="{BB962C8B-B14F-4D97-AF65-F5344CB8AC3E}">
-        <p14:creationId xmlns:p14="http://schemas.microsoft.com/office/powerpoint/2010/main" val="2567384094"/>
+        <p14:creationId xmlns:p14="http://schemas.microsoft.com/office/powerpoint/2010/main" val="3960056874"/>
       </p:ext>
     </p:extLst>
   </p:cSld>
@@ -9015,7 +9033,7 @@
           <a:p>
             <a:r>
               <a:rPr lang="en-US" dirty="0" smtClean="0"/>
-              <a:t>geolocation</a:t>
+              <a:t>geolocation object methods</a:t>
             </a:r>
             <a:endParaRPr lang="en-US" dirty="0"/>
           </a:p>
@@ -9037,50 +9055,37 @@
           <a:lstStyle/>
           <a:p>
             <a:r>
-              <a:rPr lang="en-US" dirty="0" smtClean="0"/>
-              <a:t>HTML5 object</a:t>
-            </a:r>
-          </a:p>
-          <a:p>
-            <a:r>
-              <a:rPr lang="en-US" dirty="0" smtClean="0"/>
-              <a:t>Determines user location</a:t>
-            </a:r>
+              <a:rPr lang="en-US" dirty="0" err="1" smtClean="0"/>
+              <a:t>getPosition</a:t>
+            </a:r>
+            <a:endParaRPr lang="en-US" dirty="0" smtClean="0"/>
           </a:p>
           <a:p>
             <a:pPr lvl="1"/>
             <a:r>
               <a:rPr lang="en-US" dirty="0" smtClean="0"/>
-              <a:t>GPS</a:t>
+              <a:t>Determine current location</a:t>
             </a:r>
           </a:p>
           <a:p>
             <a:pPr lvl="1"/>
             <a:r>
               <a:rPr lang="en-US" dirty="0" smtClean="0"/>
-              <a:t>Cell tower triangulation</a:t>
-            </a:r>
+              <a:t>Success and failure callback functions</a:t>
+            </a:r>
+          </a:p>
+          <a:p>
+            <a:r>
+              <a:rPr lang="en-US" dirty="0" err="1" smtClean="0"/>
+              <a:t>watchPosition</a:t>
+            </a:r>
+            <a:endParaRPr lang="en-US" dirty="0" smtClean="0"/>
           </a:p>
           <a:p>
             <a:pPr lvl="1"/>
             <a:r>
               <a:rPr lang="en-US" dirty="0" smtClean="0"/>
-              <a:t>IP Address</a:t>
-            </a:r>
-          </a:p>
-          <a:p>
-            <a:pPr marL="457046" lvl="1" indent="0">
-              <a:buNone/>
-            </a:pPr>
-            <a:r>
-              <a:rPr lang="en-US" b="1" dirty="0" smtClean="0"/>
-              <a:t>How it works behind the scenes doesn’t interest us</a:t>
-            </a:r>
-          </a:p>
-          <a:p>
-            <a:r>
-              <a:rPr lang="en-US" dirty="0" smtClean="0"/>
-              <a:t>User is prompted to provide location information</a:t>
+              <a:t>Track user</a:t>
             </a:r>
             <a:endParaRPr lang="en-US" dirty="0"/>
           </a:p>
@@ -9089,7 +9094,7 @@
     </p:spTree>
     <p:extLst>
       <p:ext uri="{BB962C8B-B14F-4D97-AF65-F5344CB8AC3E}">
-        <p14:creationId xmlns:p14="http://schemas.microsoft.com/office/powerpoint/2010/main" val="3960056874"/>
+        <p14:creationId xmlns:p14="http://schemas.microsoft.com/office/powerpoint/2010/main" val="3208176272"/>
       </p:ext>
     </p:extLst>
   </p:cSld>
@@ -9140,7 +9145,7 @@
           <a:p>
             <a:r>
               <a:rPr lang="en-US" dirty="0" smtClean="0"/>
-              <a:t>geolocation object methods</a:t>
+              <a:t>position object</a:t>
             </a:r>
             <a:endParaRPr lang="en-US" dirty="0"/>
           </a:p>
@@ -9162,37 +9167,57 @@
           <a:lstStyle/>
           <a:p>
             <a:r>
+              <a:rPr lang="en-US" dirty="0" smtClean="0"/>
+              <a:t>Passed into success callback</a:t>
+            </a:r>
+          </a:p>
+          <a:p>
+            <a:r>
+              <a:rPr lang="en-US" dirty="0" smtClean="0"/>
+              <a:t>Properties</a:t>
+            </a:r>
+          </a:p>
+          <a:p>
+            <a:pPr lvl="1"/>
+            <a:r>
               <a:rPr lang="en-US" dirty="0" err="1" smtClean="0"/>
-              <a:t>getPosition</a:t>
+              <a:t>coords</a:t>
             </a:r>
             <a:endParaRPr lang="en-US" dirty="0" smtClean="0"/>
           </a:p>
           <a:p>
-            <a:pPr lvl="1"/>
-            <a:r>
-              <a:rPr lang="en-US" dirty="0" smtClean="0"/>
-              <a:t>Determine current location</a:t>
-            </a:r>
-          </a:p>
-          <a:p>
-            <a:pPr lvl="1"/>
-            <a:r>
-              <a:rPr lang="en-US" dirty="0" smtClean="0"/>
-              <a:t>Success and failure callback functions</a:t>
-            </a:r>
-          </a:p>
-          <a:p>
+            <a:pPr lvl="2"/>
+            <a:r>
+              <a:rPr lang="en-US" dirty="0" smtClean="0"/>
+              <a:t>latitude</a:t>
+            </a:r>
+          </a:p>
+          <a:p>
+            <a:pPr lvl="2"/>
+            <a:r>
+              <a:rPr lang="en-US" dirty="0" smtClean="0"/>
+              <a:t>longitude</a:t>
+            </a:r>
+          </a:p>
+          <a:p>
+            <a:pPr lvl="2"/>
+            <a:r>
+              <a:rPr lang="en-US" dirty="0" smtClean="0"/>
+              <a:t>accuracy</a:t>
+            </a:r>
+          </a:p>
+          <a:p>
+            <a:pPr lvl="2"/>
+            <a:r>
+              <a:rPr lang="en-US" dirty="0" smtClean="0"/>
+              <a:t>altitude</a:t>
+            </a:r>
+          </a:p>
+          <a:p>
+            <a:pPr lvl="2"/>
             <a:r>
               <a:rPr lang="en-US" dirty="0" err="1" smtClean="0"/>
-              <a:t>watchPosition</a:t>
-            </a:r>
-            <a:endParaRPr lang="en-US" dirty="0" smtClean="0"/>
-          </a:p>
-          <a:p>
-            <a:pPr lvl="1"/>
-            <a:r>
-              <a:rPr lang="en-US" dirty="0" smtClean="0"/>
-              <a:t>Track user</a:t>
+              <a:t>altitudeAccuracy</a:t>
             </a:r>
             <a:endParaRPr lang="en-US" dirty="0"/>
           </a:p>
@@ -9201,7 +9226,7 @@
     </p:spTree>
     <p:extLst>
       <p:ext uri="{BB962C8B-B14F-4D97-AF65-F5344CB8AC3E}">
-        <p14:creationId xmlns:p14="http://schemas.microsoft.com/office/powerpoint/2010/main" val="3208176272"/>
+        <p14:creationId xmlns:p14="http://schemas.microsoft.com/office/powerpoint/2010/main" val="803784577"/>
       </p:ext>
     </p:extLst>
   </p:cSld>
@@ -9237,138 +9262,6 @@
       </p:grpSpPr>
       <p:sp>
         <p:nvSpPr>
-          <p:cNvPr id="2" name="Title 1"/>
-          <p:cNvSpPr>
-            <a:spLocks noGrp="1"/>
-          </p:cNvSpPr>
-          <p:nvPr>
-            <p:ph type="title"/>
-          </p:nvPr>
-        </p:nvSpPr>
-        <p:spPr/>
-        <p:txBody>
-          <a:bodyPr/>
-          <a:lstStyle/>
-          <a:p>
-            <a:r>
-              <a:rPr lang="en-US" dirty="0" smtClean="0"/>
-              <a:t>position object</a:t>
-            </a:r>
-            <a:endParaRPr lang="en-US" dirty="0"/>
-          </a:p>
-        </p:txBody>
-      </p:sp>
-      <p:sp>
-        <p:nvSpPr>
-          <p:cNvPr id="3" name="Content Placeholder 2"/>
-          <p:cNvSpPr>
-            <a:spLocks noGrp="1"/>
-          </p:cNvSpPr>
-          <p:nvPr>
-            <p:ph sz="quarter" idx="10"/>
-          </p:nvPr>
-        </p:nvSpPr>
-        <p:spPr/>
-        <p:txBody>
-          <a:bodyPr/>
-          <a:lstStyle/>
-          <a:p>
-            <a:r>
-              <a:rPr lang="en-US" dirty="0" smtClean="0"/>
-              <a:t>Passed into success callback</a:t>
-            </a:r>
-          </a:p>
-          <a:p>
-            <a:r>
-              <a:rPr lang="en-US" dirty="0" smtClean="0"/>
-              <a:t>Properties</a:t>
-            </a:r>
-          </a:p>
-          <a:p>
-            <a:pPr lvl="1"/>
-            <a:r>
-              <a:rPr lang="en-US" dirty="0" err="1" smtClean="0"/>
-              <a:t>coords</a:t>
-            </a:r>
-            <a:endParaRPr lang="en-US" dirty="0" smtClean="0"/>
-          </a:p>
-          <a:p>
-            <a:pPr lvl="2"/>
-            <a:r>
-              <a:rPr lang="en-US" dirty="0" smtClean="0"/>
-              <a:t>latitude</a:t>
-            </a:r>
-          </a:p>
-          <a:p>
-            <a:pPr lvl="2"/>
-            <a:r>
-              <a:rPr lang="en-US" dirty="0" smtClean="0"/>
-              <a:t>longitude</a:t>
-            </a:r>
-          </a:p>
-          <a:p>
-            <a:pPr lvl="2"/>
-            <a:r>
-              <a:rPr lang="en-US" dirty="0" smtClean="0"/>
-              <a:t>accuracy</a:t>
-            </a:r>
-          </a:p>
-          <a:p>
-            <a:pPr lvl="2"/>
-            <a:r>
-              <a:rPr lang="en-US" dirty="0" smtClean="0"/>
-              <a:t>altitude</a:t>
-            </a:r>
-          </a:p>
-          <a:p>
-            <a:pPr lvl="2"/>
-            <a:r>
-              <a:rPr lang="en-US" dirty="0" err="1" smtClean="0"/>
-              <a:t>altitudeAccuracy</a:t>
-            </a:r>
-            <a:endParaRPr lang="en-US" dirty="0"/>
-          </a:p>
-        </p:txBody>
-      </p:sp>
-    </p:spTree>
-    <p:extLst>
-      <p:ext uri="{BB962C8B-B14F-4D97-AF65-F5344CB8AC3E}">
-        <p14:creationId xmlns:p14="http://schemas.microsoft.com/office/powerpoint/2010/main" val="803784577"/>
-      </p:ext>
-    </p:extLst>
-  </p:cSld>
-  <p:clrMapOvr>
-    <a:masterClrMapping/>
-  </p:clrMapOvr>
-  <p:timing>
-    <p:tnLst>
-      <p:par>
-        <p:cTn id="1" dur="indefinite" restart="never" nodeType="tmRoot"/>
-      </p:par>
-    </p:tnLst>
-  </p:timing>
-</p:sld>
-</file>
-
-<file path=ppt/slides/slide25.xml><?xml version="1.0" encoding="utf-8"?>
-<p:sld xmlns:a="http://schemas.openxmlformats.org/drawingml/2006/main" xmlns:r="http://schemas.openxmlformats.org/officeDocument/2006/relationships" xmlns:p="http://schemas.openxmlformats.org/presentationml/2006/main">
-  <p:cSld>
-    <p:spTree>
-      <p:nvGrpSpPr>
-        <p:cNvPr id="1" name=""/>
-        <p:cNvGrpSpPr/>
-        <p:nvPr/>
-      </p:nvGrpSpPr>
-      <p:grpSpPr>
-        <a:xfrm>
-          <a:off x="0" y="0"/>
-          <a:ext cx="0" cy="0"/>
-          <a:chOff x="0" y="0"/>
-          <a:chExt cx="0" cy="0"/>
-        </a:xfrm>
-      </p:grpSpPr>
-      <p:sp>
-        <p:nvSpPr>
           <p:cNvPr id="4" name="Title 3"/>
           <p:cNvSpPr>
             <a:spLocks noGrp="1"/>
@@ -9410,7 +9303,7 @@
 </p:sld>
 </file>
 
-<file path=ppt/slides/slide26.xml><?xml version="1.0" encoding="utf-8"?>
+<file path=ppt/slides/slide25.xml><?xml version="1.0" encoding="utf-8"?>
 <p:sld xmlns:a="http://schemas.openxmlformats.org/drawingml/2006/main" xmlns:r="http://schemas.openxmlformats.org/officeDocument/2006/relationships" xmlns:p="http://schemas.openxmlformats.org/presentationml/2006/main">
   <p:cSld>
     <p:spTree>
@@ -11514,6 +11407,15 @@
 </file>
 
 <file path=customXml/item1.xml><?xml version="1.0" encoding="utf-8"?>
+<?mso-contentType ?>
+<FormTemplates xmlns="http://schemas.microsoft.com/sharepoint/v3/contenttype/forms">
+  <Display>DocumentLibraryForm</Display>
+  <Edit>DocumentLibraryForm</Edit>
+  <New>DocumentLibraryForm</New>
+</FormTemplates>
+</file>
+
+<file path=customXml/item2.xml><?xml version="1.0" encoding="utf-8"?>
 <ct:contentTypeSchema xmlns:ct="http://schemas.microsoft.com/office/2006/metadata/contentType" xmlns:ma="http://schemas.microsoft.com/office/2006/metadata/properties/metaAttributes" ct:_="" ma:_="" ma:contentTypeName="Document" ma:contentTypeID="0x010100CF3CFFA86DA93345A891C3CCBC738F63" ma:contentTypeVersion="1" ma:contentTypeDescription="Create a new document." ma:contentTypeScope="" ma:versionID="060e45d69093970729cdde03e78aa3cc">
   <xsd:schema xmlns:xsd="http://www.w3.org/2001/XMLSchema" xmlns:xs="http://www.w3.org/2001/XMLSchema" xmlns:p="http://schemas.microsoft.com/office/2006/metadata/properties" xmlns:ns3="ecd1fa32-ae44-48d6-80a1-71a52da60b4a" targetNamespace="http://schemas.microsoft.com/office/2006/metadata/properties" ma:root="true" ma:fieldsID="2fc9741b54117334ed0e10932dac3600" ns3:_="">
     <xsd:import namespace="ecd1fa32-ae44-48d6-80a1-71a52da60b4a"/>
@@ -11653,15 +11555,6 @@
 </ct:contentTypeSchema>
 </file>
 
-<file path=customXml/item2.xml><?xml version="1.0" encoding="utf-8"?>
-<?mso-contentType ?>
-<FormTemplates xmlns="http://schemas.microsoft.com/sharepoint/v3/contenttype/forms">
-  <Display>DocumentLibraryForm</Display>
-  <Edit>DocumentLibraryForm</Edit>
-  <New>DocumentLibraryForm</New>
-</FormTemplates>
-</file>
-
 <file path=customXml/item3.xml><?xml version="1.0" encoding="utf-8"?>
 <p:properties xmlns:p="http://schemas.microsoft.com/office/2006/metadata/properties" xmlns:xsi="http://www.w3.org/2001/XMLSchema-instance" xmlns:pc="http://schemas.microsoft.com/office/infopath/2007/PartnerControls">
   <documentManagement/>
@@ -11669,6 +11562,14 @@
 </file>
 
 <file path=customXml/itemProps1.xml><?xml version="1.0" encoding="utf-8"?>
+<ds:datastoreItem xmlns:ds="http://schemas.openxmlformats.org/officeDocument/2006/customXml" ds:itemID="{B0CA13EC-1D3C-4D6F-8D1C-E8A452CFC79A}">
+  <ds:schemaRefs>
+    <ds:schemaRef ds:uri="http://schemas.microsoft.com/sharepoint/v3/contenttype/forms"/>
+  </ds:schemaRefs>
+</ds:datastoreItem>
+</file>
+
+<file path=customXml/itemProps2.xml><?xml version="1.0" encoding="utf-8"?>
 <ds:datastoreItem xmlns:ds="http://schemas.openxmlformats.org/officeDocument/2006/customXml" ds:itemID="{A545FFDC-6555-4FAD-8A13-72F96FEB882E}">
   <ds:schemaRefs>
     <ds:schemaRef ds:uri="http://schemas.microsoft.com/office/2006/metadata/contentType"/>
@@ -11682,14 +11583,6 @@
     <ds:schemaRef ds:uri="http://purl.org/dc/elements/1.1/"/>
     <ds:schemaRef ds:uri="http://purl.org/dc/terms/"/>
     <ds:schemaRef ds:uri="http://schemas.microsoft.com/internal/obd"/>
-  </ds:schemaRefs>
-</ds:datastoreItem>
-</file>
-
-<file path=customXml/itemProps2.xml><?xml version="1.0" encoding="utf-8"?>
-<ds:datastoreItem xmlns:ds="http://schemas.openxmlformats.org/officeDocument/2006/customXml" ds:itemID="{B0CA13EC-1D3C-4D6F-8D1C-E8A452CFC79A}">
-  <ds:schemaRefs>
-    <ds:schemaRef ds:uri="http://schemas.microsoft.com/sharepoint/v3/contenttype/forms"/>
   </ds:schemaRefs>
 </ds:datastoreItem>
 </file>
